--- a/docs/GNU_Tools_Cauldron_Presentation.pptx
+++ b/docs/GNU_Tools_Cauldron_Presentation.pptx
@@ -15,7 +15,7 @@
     <p:sldMasterId id="2147483670" r:id="rId11"/>
   </p:sldMasterIdLst>
   <p:notesMasterIdLst>
-    <p:notesMasterId r:id="rId70"/>
+    <p:notesMasterId r:id="rId69"/>
   </p:notesMasterIdLst>
   <p:sldIdLst>
     <p:sldId id="256" r:id="rId24"/>
@@ -63,7 +63,6 @@
     <p:sldId id="298" r:id="rId66"/>
     <p:sldId id="299" r:id="rId67"/>
     <p:sldId id="300" r:id="rId68"/>
-    <p:sldId id="301" r:id="rId69"/>
   </p:sldIdLst>
   <p:sldSz cx="12192000" cy="6858000"/>
   <p:notesSz cx="6858000" cy="9144000"/>
@@ -227,7 +226,7 @@
       </p:grpSpPr>
       <p:sp>
         <p:nvSpPr>
-          <p:cNvPr id="505831383" name="PlaceHolder 1"/>
+          <p:cNvPr id="1415235832" name="PlaceHolder 1"/>
           <p:cNvSpPr>
             <a:spLocks noChangeAspect="1" noGrp="1" noRot="1"/>
           </p:cNvSpPr>
@@ -272,7 +271,7 @@
       </p:sp>
       <p:sp>
         <p:nvSpPr>
-          <p:cNvPr id="111424902" name="PlaceHolder 2"/>
+          <p:cNvPr id="1440941301" name="PlaceHolder 2"/>
           <p:cNvSpPr>
             <a:spLocks noGrp="1"/>
           </p:cNvSpPr>
@@ -318,7 +317,7 @@
       </p:sp>
       <p:sp>
         <p:nvSpPr>
-          <p:cNvPr id="695260663" name="PlaceHolder 3"/>
+          <p:cNvPr id="512541319" name="PlaceHolder 3"/>
           <p:cNvSpPr>
             <a:spLocks noGrp="1"/>
           </p:cNvSpPr>
@@ -364,7 +363,7 @@
       </p:sp>
       <p:sp>
         <p:nvSpPr>
-          <p:cNvPr id="836369297" name="PlaceHolder 4"/>
+          <p:cNvPr id="120809774" name="PlaceHolder 4"/>
           <p:cNvSpPr>
             <a:spLocks noGrp="1"/>
           </p:cNvSpPr>
@@ -420,7 +419,7 @@
       </p:sp>
       <p:sp>
         <p:nvSpPr>
-          <p:cNvPr id="1262646820" name="PlaceHolder 5"/>
+          <p:cNvPr id="254812547" name="PlaceHolder 5"/>
           <p:cNvSpPr>
             <a:spLocks noGrp="1"/>
           </p:cNvSpPr>
@@ -476,7 +475,7 @@
       </p:sp>
       <p:sp>
         <p:nvSpPr>
-          <p:cNvPr id="130442458" name="PlaceHolder 6"/>
+          <p:cNvPr id="1866519861" name="PlaceHolder 6"/>
           <p:cNvSpPr>
             <a:spLocks noGrp="1"/>
           </p:cNvSpPr>
@@ -653,7 +652,7 @@
       </p:grpSpPr>
       <p:sp>
         <p:nvSpPr>
-          <p:cNvPr id="2021006763" name="PlaceHolder 1"/>
+          <p:cNvPr id="553528162" name="PlaceHolder 1"/>
           <p:cNvSpPr>
             <a:spLocks noChangeAspect="1" noGrp="1" noRot="1"/>
           </p:cNvSpPr>
@@ -676,7 +675,7 @@
       </p:sp>
       <p:sp>
         <p:nvSpPr>
-          <p:cNvPr id="1932663702" name="PlaceHolder 2"/>
+          <p:cNvPr id="2012646211" name="PlaceHolder 2"/>
           <p:cNvSpPr>
             <a:spLocks noGrp="1"/>
           </p:cNvSpPr>
@@ -718,7 +717,7 @@
       </p:sp>
       <p:sp>
         <p:nvSpPr>
-          <p:cNvPr id="213188787" name="PlaceHolder 3"/>
+          <p:cNvPr id="470629755" name="PlaceHolder 3"/>
           <p:cNvSpPr>
             <a:spLocks noGrp="1"/>
           </p:cNvSpPr>
@@ -809,7 +808,7 @@
       </p:grpSpPr>
       <p:sp>
         <p:nvSpPr>
-          <p:cNvPr id="259313869" name="Slide Image Placeholder 1"/>
+          <p:cNvPr id="695199881" name="Slide Image Placeholder 1"/>
           <p:cNvSpPr>
             <a:spLocks noChangeAspect="1" noGrp="1" noRot="1"/>
           </p:cNvSpPr>
@@ -826,7 +825,7 @@
       </p:sp>
       <p:sp>
         <p:nvSpPr>
-          <p:cNvPr id="671671436" name="Notes Placeholder 2"/>
+          <p:cNvPr id="256280067" name="Notes Placeholder 2"/>
           <p:cNvSpPr>
             <a:spLocks noGrp="1"/>
           </p:cNvSpPr>
@@ -848,7 +847,7 @@
       </p:sp>
       <p:sp>
         <p:nvSpPr>
-          <p:cNvPr id="1346429810" name="Slide Number Placeholder 3"/>
+          <p:cNvPr id="331872742" name="Slide Number Placeholder 3"/>
           <p:cNvSpPr>
             <a:spLocks noGrp="1"/>
           </p:cNvSpPr>
@@ -896,7 +895,7 @@
       </p:grpSpPr>
       <p:sp>
         <p:nvSpPr>
-          <p:cNvPr id="1984624560" name="Slide Image Placeholder 1"/>
+          <p:cNvPr id="238256993" name="Slide Image Placeholder 1"/>
           <p:cNvSpPr>
             <a:spLocks noChangeAspect="1" noGrp="1" noRot="1"/>
           </p:cNvSpPr>
@@ -913,7 +912,7 @@
       </p:sp>
       <p:sp>
         <p:nvSpPr>
-          <p:cNvPr id="2056361992" name="Notes Placeholder 2"/>
+          <p:cNvPr id="1265274880" name="Notes Placeholder 2"/>
           <p:cNvSpPr>
             <a:spLocks noGrp="1"/>
           </p:cNvSpPr>
@@ -935,7 +934,7 @@
       </p:sp>
       <p:sp>
         <p:nvSpPr>
-          <p:cNvPr id="942639101" name="Slide Number Placeholder 3"/>
+          <p:cNvPr id="694090552" name="Slide Number Placeholder 3"/>
           <p:cNvSpPr>
             <a:spLocks noGrp="1"/>
           </p:cNvSpPr>
@@ -983,7 +982,7 @@
       </p:grpSpPr>
       <p:sp>
         <p:nvSpPr>
-          <p:cNvPr id="708790391" name="Slide Image Placeholder 1"/>
+          <p:cNvPr id="336677620" name="Slide Image Placeholder 1"/>
           <p:cNvSpPr>
             <a:spLocks noChangeAspect="1" noGrp="1" noRot="1"/>
           </p:cNvSpPr>
@@ -1000,7 +999,7 @@
       </p:sp>
       <p:sp>
         <p:nvSpPr>
-          <p:cNvPr id="1079727091" name="Notes Placeholder 2"/>
+          <p:cNvPr id="1038727460" name="Notes Placeholder 2"/>
           <p:cNvSpPr>
             <a:spLocks noGrp="1"/>
           </p:cNvSpPr>
@@ -1022,7 +1021,7 @@
       </p:sp>
       <p:sp>
         <p:nvSpPr>
-          <p:cNvPr id="707807241" name="Slide Number Placeholder 3"/>
+          <p:cNvPr id="291966719" name="Slide Number Placeholder 3"/>
           <p:cNvSpPr>
             <a:spLocks noGrp="1"/>
           </p:cNvSpPr>
@@ -1070,7 +1069,7 @@
       </p:grpSpPr>
       <p:sp>
         <p:nvSpPr>
-          <p:cNvPr id="497512278" name="Slide Image Placeholder 1"/>
+          <p:cNvPr id="335078822" name="Slide Image Placeholder 1"/>
           <p:cNvSpPr>
             <a:spLocks noChangeAspect="1" noGrp="1" noRot="1"/>
           </p:cNvSpPr>
@@ -1087,7 +1086,7 @@
       </p:sp>
       <p:sp>
         <p:nvSpPr>
-          <p:cNvPr id="1275570425" name="Notes Placeholder 2"/>
+          <p:cNvPr id="1662881926" name="Notes Placeholder 2"/>
           <p:cNvSpPr>
             <a:spLocks noGrp="1"/>
           </p:cNvSpPr>
@@ -1109,7 +1108,7 @@
       </p:sp>
       <p:sp>
         <p:nvSpPr>
-          <p:cNvPr id="802361030" name="Slide Number Placeholder 3"/>
+          <p:cNvPr id="1499572331" name="Slide Number Placeholder 3"/>
           <p:cNvSpPr>
             <a:spLocks noGrp="1"/>
           </p:cNvSpPr>
@@ -1157,7 +1156,7 @@
       </p:grpSpPr>
       <p:sp>
         <p:nvSpPr>
-          <p:cNvPr id="2065640834" name="Slide Image Placeholder 1"/>
+          <p:cNvPr id="949437021" name="Slide Image Placeholder 1"/>
           <p:cNvSpPr>
             <a:spLocks noChangeAspect="1" noGrp="1" noRot="1"/>
           </p:cNvSpPr>
@@ -1174,7 +1173,7 @@
       </p:sp>
       <p:sp>
         <p:nvSpPr>
-          <p:cNvPr id="29580050" name="Notes Placeholder 2"/>
+          <p:cNvPr id="2099504438" name="Notes Placeholder 2"/>
           <p:cNvSpPr>
             <a:spLocks noGrp="1"/>
           </p:cNvSpPr>
@@ -1196,7 +1195,7 @@
       </p:sp>
       <p:sp>
         <p:nvSpPr>
-          <p:cNvPr id="1287315887" name="Slide Number Placeholder 3"/>
+          <p:cNvPr id="1401050452" name="Slide Number Placeholder 3"/>
           <p:cNvSpPr>
             <a:spLocks noGrp="1"/>
           </p:cNvSpPr>
@@ -1244,7 +1243,7 @@
       </p:grpSpPr>
       <p:sp>
         <p:nvSpPr>
-          <p:cNvPr id="1541791587" name="Slide Image Placeholder 1"/>
+          <p:cNvPr id="1359293762" name="Slide Image Placeholder 1"/>
           <p:cNvSpPr>
             <a:spLocks noChangeAspect="1" noGrp="1" noRot="1"/>
           </p:cNvSpPr>
@@ -1261,7 +1260,7 @@
       </p:sp>
       <p:sp>
         <p:nvSpPr>
-          <p:cNvPr id="1758870726" name="Notes Placeholder 2"/>
+          <p:cNvPr id="1082311751" name="Notes Placeholder 2"/>
           <p:cNvSpPr>
             <a:spLocks noGrp="1"/>
           </p:cNvSpPr>
@@ -1283,7 +1282,7 @@
       </p:sp>
       <p:sp>
         <p:nvSpPr>
-          <p:cNvPr id="1832092407" name="Slide Number Placeholder 3"/>
+          <p:cNvPr id="1892216555" name="Slide Number Placeholder 3"/>
           <p:cNvSpPr>
             <a:spLocks noGrp="1"/>
           </p:cNvSpPr>
@@ -1331,7 +1330,7 @@
       </p:grpSpPr>
       <p:sp>
         <p:nvSpPr>
-          <p:cNvPr id="788757547" name="Slide Image Placeholder 1"/>
+          <p:cNvPr id="991648805" name="Slide Image Placeholder 1"/>
           <p:cNvSpPr>
             <a:spLocks noChangeAspect="1" noGrp="1" noRot="1"/>
           </p:cNvSpPr>
@@ -1348,7 +1347,7 @@
       </p:sp>
       <p:sp>
         <p:nvSpPr>
-          <p:cNvPr id="1868840700" name="Notes Placeholder 2"/>
+          <p:cNvPr id="552241307" name="Notes Placeholder 2"/>
           <p:cNvSpPr>
             <a:spLocks noGrp="1"/>
           </p:cNvSpPr>
@@ -1370,7 +1369,7 @@
       </p:sp>
       <p:sp>
         <p:nvSpPr>
-          <p:cNvPr id="696403965" name="Slide Number Placeholder 3"/>
+          <p:cNvPr id="453827817" name="Slide Number Placeholder 3"/>
           <p:cNvSpPr>
             <a:spLocks noGrp="1"/>
           </p:cNvSpPr>
@@ -1418,7 +1417,7 @@
       </p:grpSpPr>
       <p:sp>
         <p:nvSpPr>
-          <p:cNvPr id="1306387011" name="PlaceHolder 1"/>
+          <p:cNvPr id="664286164" name="PlaceHolder 1"/>
           <p:cNvSpPr>
             <a:spLocks noChangeAspect="1" noGrp="1" noRot="1"/>
           </p:cNvSpPr>
@@ -1441,7 +1440,7 @@
       </p:sp>
       <p:sp>
         <p:nvSpPr>
-          <p:cNvPr id="671879706" name="PlaceHolder 2"/>
+          <p:cNvPr id="1564295617" name="PlaceHolder 2"/>
           <p:cNvSpPr>
             <a:spLocks noGrp="1"/>
           </p:cNvSpPr>
@@ -1495,7 +1494,7 @@
       </p:sp>
       <p:sp>
         <p:nvSpPr>
-          <p:cNvPr id="1023170269" name="PlaceHolder 3"/>
+          <p:cNvPr id="1914144545" name="PlaceHolder 3"/>
           <p:cNvSpPr>
             <a:spLocks noGrp="1"/>
           </p:cNvSpPr>
@@ -1586,7 +1585,7 @@
       </p:grpSpPr>
       <p:sp>
         <p:nvSpPr>
-          <p:cNvPr id="953220370" name="PlaceHolder 1"/>
+          <p:cNvPr id="3277993" name="PlaceHolder 1"/>
           <p:cNvSpPr>
             <a:spLocks noChangeAspect="1" noGrp="1" noRot="1"/>
           </p:cNvSpPr>
@@ -1609,7 +1608,7 @@
       </p:sp>
       <p:sp>
         <p:nvSpPr>
-          <p:cNvPr id="1413862275" name="PlaceHolder 2"/>
+          <p:cNvPr id="1981475358" name="PlaceHolder 2"/>
           <p:cNvSpPr>
             <a:spLocks noGrp="1"/>
           </p:cNvSpPr>
@@ -1663,7 +1662,7 @@
       </p:sp>
       <p:sp>
         <p:nvSpPr>
-          <p:cNvPr id="422391803" name="PlaceHolder 3"/>
+          <p:cNvPr id="1438954122" name="PlaceHolder 3"/>
           <p:cNvSpPr>
             <a:spLocks noGrp="1"/>
           </p:cNvSpPr>
@@ -1754,7 +1753,7 @@
       </p:grpSpPr>
       <p:sp>
         <p:nvSpPr>
-          <p:cNvPr id="425133777" name="PlaceHolder 1"/>
+          <p:cNvPr id="1682288673" name="PlaceHolder 1"/>
           <p:cNvSpPr>
             <a:spLocks noChangeAspect="1" noGrp="1" noRot="1"/>
           </p:cNvSpPr>
@@ -1777,7 +1776,7 @@
       </p:sp>
       <p:sp>
         <p:nvSpPr>
-          <p:cNvPr id="1482766976" name="PlaceHolder 2"/>
+          <p:cNvPr id="538333498" name="PlaceHolder 2"/>
           <p:cNvSpPr>
             <a:spLocks noGrp="1"/>
           </p:cNvSpPr>
@@ -1831,7 +1830,7 @@
       </p:sp>
       <p:sp>
         <p:nvSpPr>
-          <p:cNvPr id="356613682" name="PlaceHolder 3"/>
+          <p:cNvPr id="1530745838" name="PlaceHolder 3"/>
           <p:cNvSpPr>
             <a:spLocks noGrp="1"/>
           </p:cNvSpPr>
@@ -1922,7 +1921,7 @@
       </p:grpSpPr>
       <p:sp>
         <p:nvSpPr>
-          <p:cNvPr id="1234902160" name="PlaceHolder 1"/>
+          <p:cNvPr id="275496764" name="PlaceHolder 1"/>
           <p:cNvSpPr>
             <a:spLocks noChangeAspect="1" noGrp="1" noRot="1"/>
           </p:cNvSpPr>
@@ -1945,7 +1944,7 @@
       </p:sp>
       <p:sp>
         <p:nvSpPr>
-          <p:cNvPr id="156227098" name="PlaceHolder 2"/>
+          <p:cNvPr id="755398676" name="PlaceHolder 2"/>
           <p:cNvSpPr>
             <a:spLocks noGrp="1"/>
           </p:cNvSpPr>
@@ -1987,7 +1986,7 @@
       </p:sp>
       <p:sp>
         <p:nvSpPr>
-          <p:cNvPr id="1779157420" name="PlaceHolder 3"/>
+          <p:cNvPr id="2031322063" name="PlaceHolder 3"/>
           <p:cNvSpPr>
             <a:spLocks noGrp="1"/>
           </p:cNvSpPr>
@@ -2078,7 +2077,7 @@
       </p:grpSpPr>
       <p:sp>
         <p:nvSpPr>
-          <p:cNvPr id="688342512" name="PlaceHolder 1"/>
+          <p:cNvPr id="302154252" name="PlaceHolder 1"/>
           <p:cNvSpPr>
             <a:spLocks noChangeAspect="1" noGrp="1" noRot="1"/>
           </p:cNvSpPr>
@@ -2101,7 +2100,7 @@
       </p:sp>
       <p:sp>
         <p:nvSpPr>
-          <p:cNvPr id="103317377" name="PlaceHolder 2"/>
+          <p:cNvPr id="2117302529" name="PlaceHolder 2"/>
           <p:cNvSpPr>
             <a:spLocks noGrp="1"/>
           </p:cNvSpPr>
@@ -2155,7 +2154,7 @@
       </p:sp>
       <p:sp>
         <p:nvSpPr>
-          <p:cNvPr id="1700989925" name="PlaceHolder 3"/>
+          <p:cNvPr id="1936350740" name="PlaceHolder 3"/>
           <p:cNvSpPr>
             <a:spLocks noGrp="1"/>
           </p:cNvSpPr>
@@ -2246,7 +2245,7 @@
       </p:grpSpPr>
       <p:sp>
         <p:nvSpPr>
-          <p:cNvPr id="2013151113" name="PlaceHolder 1"/>
+          <p:cNvPr id="496461760" name="PlaceHolder 1"/>
           <p:cNvSpPr>
             <a:spLocks noChangeAspect="1" noGrp="1" noRot="1"/>
           </p:cNvSpPr>
@@ -2269,7 +2268,7 @@
       </p:sp>
       <p:sp>
         <p:nvSpPr>
-          <p:cNvPr id="1640655819" name="PlaceHolder 2"/>
+          <p:cNvPr id="1227259615" name="PlaceHolder 2"/>
           <p:cNvSpPr>
             <a:spLocks noGrp="1"/>
           </p:cNvSpPr>
@@ -2323,7 +2322,7 @@
       </p:sp>
       <p:sp>
         <p:nvSpPr>
-          <p:cNvPr id="945134907" name="PlaceHolder 3"/>
+          <p:cNvPr id="1922388472" name="PlaceHolder 3"/>
           <p:cNvSpPr>
             <a:spLocks noGrp="1"/>
           </p:cNvSpPr>
@@ -2414,7 +2413,7 @@
       </p:grpSpPr>
       <p:sp>
         <p:nvSpPr>
-          <p:cNvPr id="2018758710" name="PlaceHolder 1"/>
+          <p:cNvPr id="1660761755" name="PlaceHolder 1"/>
           <p:cNvSpPr>
             <a:spLocks noChangeAspect="1" noGrp="1" noRot="1"/>
           </p:cNvSpPr>
@@ -2437,7 +2436,7 @@
       </p:sp>
       <p:sp>
         <p:nvSpPr>
-          <p:cNvPr id="616103845" name="PlaceHolder 2"/>
+          <p:cNvPr id="1159031199" name="PlaceHolder 2"/>
           <p:cNvSpPr>
             <a:spLocks noGrp="1"/>
           </p:cNvSpPr>
@@ -2491,7 +2490,7 @@
       </p:sp>
       <p:sp>
         <p:nvSpPr>
-          <p:cNvPr id="1600831321" name="PlaceHolder 3"/>
+          <p:cNvPr id="658543656" name="PlaceHolder 3"/>
           <p:cNvSpPr>
             <a:spLocks noGrp="1"/>
           </p:cNvSpPr>
@@ -2582,7 +2581,7 @@
       </p:grpSpPr>
       <p:sp>
         <p:nvSpPr>
-          <p:cNvPr id="754691090" name="PlaceHolder 1"/>
+          <p:cNvPr id="1491751627" name="PlaceHolder 1"/>
           <p:cNvSpPr>
             <a:spLocks noChangeAspect="1" noGrp="1" noRot="1"/>
           </p:cNvSpPr>
@@ -2605,7 +2604,7 @@
       </p:sp>
       <p:sp>
         <p:nvSpPr>
-          <p:cNvPr id="336699869" name="PlaceHolder 2"/>
+          <p:cNvPr id="1672672607" name="PlaceHolder 2"/>
           <p:cNvSpPr>
             <a:spLocks noGrp="1"/>
           </p:cNvSpPr>
@@ -2659,7 +2658,7 @@
       </p:sp>
       <p:sp>
         <p:nvSpPr>
-          <p:cNvPr id="526130183" name="PlaceHolder 3"/>
+          <p:cNvPr id="1473492072" name="PlaceHolder 3"/>
           <p:cNvSpPr>
             <a:spLocks noGrp="1"/>
           </p:cNvSpPr>
@@ -2750,7 +2749,7 @@
       </p:grpSpPr>
       <p:sp>
         <p:nvSpPr>
-          <p:cNvPr id="104398553" name="PlaceHolder 1"/>
+          <p:cNvPr id="1998091790" name="PlaceHolder 1"/>
           <p:cNvSpPr>
             <a:spLocks noChangeAspect="1" noGrp="1" noRot="1"/>
           </p:cNvSpPr>
@@ -2773,7 +2772,7 @@
       </p:sp>
       <p:sp>
         <p:nvSpPr>
-          <p:cNvPr id="1760579214" name="PlaceHolder 2"/>
+          <p:cNvPr id="1912480810" name="PlaceHolder 2"/>
           <p:cNvSpPr>
             <a:spLocks noGrp="1"/>
           </p:cNvSpPr>
@@ -2827,7 +2826,7 @@
       </p:sp>
       <p:sp>
         <p:nvSpPr>
-          <p:cNvPr id="1014688015" name="PlaceHolder 3"/>
+          <p:cNvPr id="1040888148" name="PlaceHolder 3"/>
           <p:cNvSpPr>
             <a:spLocks noGrp="1"/>
           </p:cNvSpPr>
@@ -2918,7 +2917,7 @@
       </p:grpSpPr>
       <p:sp>
         <p:nvSpPr>
-          <p:cNvPr id="875712935" name="Slide Image Placeholder 1"/>
+          <p:cNvPr id="247270083" name="Slide Image Placeholder 1"/>
           <p:cNvSpPr>
             <a:spLocks noChangeAspect="1" noGrp="1" noRot="1"/>
           </p:cNvSpPr>
@@ -2935,7 +2934,7 @@
       </p:sp>
       <p:sp>
         <p:nvSpPr>
-          <p:cNvPr id="564112507" name="Notes Placeholder 2"/>
+          <p:cNvPr id="134823384" name="Notes Placeholder 2"/>
           <p:cNvSpPr>
             <a:spLocks noGrp="1"/>
           </p:cNvSpPr>
@@ -2980,7 +2979,7 @@
       </p:sp>
       <p:sp>
         <p:nvSpPr>
-          <p:cNvPr id="1110143361" name="Slide Number Placeholder 3"/>
+          <p:cNvPr id="1023041712" name="Slide Number Placeholder 3"/>
           <p:cNvSpPr>
             <a:spLocks noGrp="1"/>
           </p:cNvSpPr>
@@ -3028,7 +3027,7 @@
       </p:grpSpPr>
       <p:sp>
         <p:nvSpPr>
-          <p:cNvPr id="355546855" name="Slide Image Placeholder 1"/>
+          <p:cNvPr id="323243148" name="Slide Image Placeholder 1"/>
           <p:cNvSpPr>
             <a:spLocks noChangeAspect="1" noGrp="1" noRot="1"/>
           </p:cNvSpPr>
@@ -3045,7 +3044,7 @@
       </p:sp>
       <p:sp>
         <p:nvSpPr>
-          <p:cNvPr id="1211906244" name="Notes Placeholder 2"/>
+          <p:cNvPr id="509963011" name="Notes Placeholder 2"/>
           <p:cNvSpPr>
             <a:spLocks noGrp="1"/>
           </p:cNvSpPr>
@@ -3090,7 +3089,7 @@
       </p:sp>
       <p:sp>
         <p:nvSpPr>
-          <p:cNvPr id="1400606448" name="Slide Number Placeholder 3"/>
+          <p:cNvPr id="167505575" name="Slide Number Placeholder 3"/>
           <p:cNvSpPr>
             <a:spLocks noGrp="1"/>
           </p:cNvSpPr>
@@ -3138,7 +3137,7 @@
       </p:grpSpPr>
       <p:sp>
         <p:nvSpPr>
-          <p:cNvPr id="1781151758" name="Slide Image Placeholder 1"/>
+          <p:cNvPr id="24912930" name="Slide Image Placeholder 1"/>
           <p:cNvSpPr>
             <a:spLocks noChangeAspect="1" noGrp="1" noRot="1"/>
           </p:cNvSpPr>
@@ -3155,7 +3154,7 @@
       </p:sp>
       <p:sp>
         <p:nvSpPr>
-          <p:cNvPr id="1871001872" name="Notes Placeholder 2"/>
+          <p:cNvPr id="1178708230" name="Notes Placeholder 2"/>
           <p:cNvSpPr>
             <a:spLocks noGrp="1"/>
           </p:cNvSpPr>
@@ -3200,7 +3199,7 @@
       </p:sp>
       <p:sp>
         <p:nvSpPr>
-          <p:cNvPr id="795384512" name="Slide Number Placeholder 3"/>
+          <p:cNvPr id="1742571461" name="Slide Number Placeholder 3"/>
           <p:cNvSpPr>
             <a:spLocks noGrp="1"/>
           </p:cNvSpPr>
@@ -3248,7 +3247,7 @@
       </p:grpSpPr>
       <p:sp>
         <p:nvSpPr>
-          <p:cNvPr id="111319406" name="PlaceHolder 1"/>
+          <p:cNvPr id="1449172980" name="PlaceHolder 1"/>
           <p:cNvSpPr>
             <a:spLocks noChangeAspect="1" noGrp="1" noRot="1"/>
           </p:cNvSpPr>
@@ -3271,7 +3270,7 @@
       </p:sp>
       <p:sp>
         <p:nvSpPr>
-          <p:cNvPr id="1202148139" name="PlaceHolder 2"/>
+          <p:cNvPr id="395629028" name="PlaceHolder 2"/>
           <p:cNvSpPr>
             <a:spLocks noGrp="1"/>
           </p:cNvSpPr>
@@ -3313,7 +3312,7 @@
       </p:sp>
       <p:sp>
         <p:nvSpPr>
-          <p:cNvPr id="2030985956" name="PlaceHolder 3"/>
+          <p:cNvPr id="896053268" name="PlaceHolder 3"/>
           <p:cNvSpPr>
             <a:spLocks noGrp="1"/>
           </p:cNvSpPr>
@@ -3404,7 +3403,7 @@
       </p:grpSpPr>
       <p:sp>
         <p:nvSpPr>
-          <p:cNvPr id="1060847764" name="Slide Image Placeholder 1"/>
+          <p:cNvPr id="908111525" name="Slide Image Placeholder 1"/>
           <p:cNvSpPr>
             <a:spLocks noChangeAspect="1" noGrp="1" noRot="1"/>
           </p:cNvSpPr>
@@ -3421,7 +3420,7 @@
       </p:sp>
       <p:sp>
         <p:nvSpPr>
-          <p:cNvPr id="1454986289" name="Notes Placeholder 2"/>
+          <p:cNvPr id="971351291" name="Notes Placeholder 2"/>
           <p:cNvSpPr>
             <a:spLocks noGrp="1"/>
           </p:cNvSpPr>
@@ -3443,7 +3442,7 @@
       </p:sp>
       <p:sp>
         <p:nvSpPr>
-          <p:cNvPr id="2066652627" name="Slide Number Placeholder 3"/>
+          <p:cNvPr id="579442886" name="Slide Number Placeholder 3"/>
           <p:cNvSpPr>
             <a:spLocks noGrp="1"/>
           </p:cNvSpPr>
@@ -3491,7 +3490,7 @@
       </p:grpSpPr>
       <p:sp>
         <p:nvSpPr>
-          <p:cNvPr id="1795870748" name="Slide Image Placeholder 1"/>
+          <p:cNvPr id="626781154" name="Slide Image Placeholder 1"/>
           <p:cNvSpPr>
             <a:spLocks noChangeAspect="1" noGrp="1" noRot="1"/>
           </p:cNvSpPr>
@@ -3508,7 +3507,7 @@
       </p:sp>
       <p:sp>
         <p:nvSpPr>
-          <p:cNvPr id="641969686" name="Notes Placeholder 2"/>
+          <p:cNvPr id="1121470011" name="Notes Placeholder 2"/>
           <p:cNvSpPr>
             <a:spLocks noGrp="1"/>
           </p:cNvSpPr>
@@ -3530,7 +3529,7 @@
       </p:sp>
       <p:sp>
         <p:nvSpPr>
-          <p:cNvPr id="1850990974" name="Slide Number Placeholder 3"/>
+          <p:cNvPr id="1955439957" name="Slide Number Placeholder 3"/>
           <p:cNvSpPr>
             <a:spLocks noGrp="1"/>
           </p:cNvSpPr>
@@ -3578,7 +3577,7 @@
       </p:grpSpPr>
       <p:sp>
         <p:nvSpPr>
-          <p:cNvPr id="1495505219" name="Slide Image Placeholder 1"/>
+          <p:cNvPr id="1756623507" name="Slide Image Placeholder 1"/>
           <p:cNvSpPr>
             <a:spLocks noChangeAspect="1" noGrp="1" noRot="1"/>
           </p:cNvSpPr>
@@ -3595,7 +3594,7 @@
       </p:sp>
       <p:sp>
         <p:nvSpPr>
-          <p:cNvPr id="759132170" name="Notes Placeholder 2"/>
+          <p:cNvPr id="114743435" name="Notes Placeholder 2"/>
           <p:cNvSpPr>
             <a:spLocks noGrp="1"/>
           </p:cNvSpPr>
@@ -3617,7 +3616,7 @@
       </p:sp>
       <p:sp>
         <p:nvSpPr>
-          <p:cNvPr id="1379326824" name="Slide Number Placeholder 3"/>
+          <p:cNvPr id="55639563" name="Slide Number Placeholder 3"/>
           <p:cNvSpPr>
             <a:spLocks noGrp="1"/>
           </p:cNvSpPr>
@@ -3665,7 +3664,7 @@
       </p:grpSpPr>
       <p:sp>
         <p:nvSpPr>
-          <p:cNvPr id="322171137" name="Slide Image Placeholder 1"/>
+          <p:cNvPr id="2071979722" name="Slide Image Placeholder 1"/>
           <p:cNvSpPr>
             <a:spLocks noChangeAspect="1" noGrp="1" noRot="1"/>
           </p:cNvSpPr>
@@ -3682,7 +3681,7 @@
       </p:sp>
       <p:sp>
         <p:nvSpPr>
-          <p:cNvPr id="1949067482" name="Notes Placeholder 2"/>
+          <p:cNvPr id="2086188647" name="Notes Placeholder 2"/>
           <p:cNvSpPr>
             <a:spLocks noGrp="1"/>
           </p:cNvSpPr>
@@ -3704,7 +3703,7 @@
       </p:sp>
       <p:sp>
         <p:nvSpPr>
-          <p:cNvPr id="1370625812" name="Slide Number Placeholder 3"/>
+          <p:cNvPr id="887947667" name="Slide Number Placeholder 3"/>
           <p:cNvSpPr>
             <a:spLocks noGrp="1"/>
           </p:cNvSpPr>
@@ -3752,7 +3751,7 @@
       </p:grpSpPr>
       <p:sp>
         <p:nvSpPr>
-          <p:cNvPr id="836071877" name="Slide Image Placeholder 1"/>
+          <p:cNvPr id="121975212" name="Slide Image Placeholder 1"/>
           <p:cNvSpPr>
             <a:spLocks noChangeAspect="1" noGrp="1" noRot="1"/>
           </p:cNvSpPr>
@@ -3769,7 +3768,7 @@
       </p:sp>
       <p:sp>
         <p:nvSpPr>
-          <p:cNvPr id="1221844057" name="Notes Placeholder 2"/>
+          <p:cNvPr id="1106250882" name="Notes Placeholder 2"/>
           <p:cNvSpPr>
             <a:spLocks noGrp="1"/>
           </p:cNvSpPr>
@@ -3791,7 +3790,7 @@
       </p:sp>
       <p:sp>
         <p:nvSpPr>
-          <p:cNvPr id="39809815" name="Slide Number Placeholder 3"/>
+          <p:cNvPr id="1042163145" name="Slide Number Placeholder 3"/>
           <p:cNvSpPr>
             <a:spLocks noGrp="1"/>
           </p:cNvSpPr>
@@ -3839,7 +3838,7 @@
       </p:grpSpPr>
       <p:sp>
         <p:nvSpPr>
-          <p:cNvPr id="976913763" name="Slide Image Placeholder 1"/>
+          <p:cNvPr id="1859393787" name="Slide Image Placeholder 1"/>
           <p:cNvSpPr>
             <a:spLocks noChangeAspect="1" noGrp="1" noRot="1"/>
           </p:cNvSpPr>
@@ -3856,7 +3855,7 @@
       </p:sp>
       <p:sp>
         <p:nvSpPr>
-          <p:cNvPr id="1753618818" name="Notes Placeholder 2"/>
+          <p:cNvPr id="1815153521" name="Notes Placeholder 2"/>
           <p:cNvSpPr>
             <a:spLocks noGrp="1"/>
           </p:cNvSpPr>
@@ -3878,7 +3877,7 @@
       </p:sp>
       <p:sp>
         <p:nvSpPr>
-          <p:cNvPr id="1978343690" name="Slide Number Placeholder 3"/>
+          <p:cNvPr id="329530270" name="Slide Number Placeholder 3"/>
           <p:cNvSpPr>
             <a:spLocks noGrp="1"/>
           </p:cNvSpPr>
@@ -3926,7 +3925,7 @@
       </p:grpSpPr>
       <p:sp>
         <p:nvSpPr>
-          <p:cNvPr id="1958302657" name="Slide Image Placeholder 1"/>
+          <p:cNvPr id="327285435" name="Slide Image Placeholder 1"/>
           <p:cNvSpPr>
             <a:spLocks noChangeAspect="1" noGrp="1" noRot="1"/>
           </p:cNvSpPr>
@@ -3943,7 +3942,7 @@
       </p:sp>
       <p:sp>
         <p:nvSpPr>
-          <p:cNvPr id="344974948" name="Notes Placeholder 2"/>
+          <p:cNvPr id="576457735" name="Notes Placeholder 2"/>
           <p:cNvSpPr>
             <a:spLocks noGrp="1"/>
           </p:cNvSpPr>
@@ -3965,7 +3964,7 @@
       </p:sp>
       <p:sp>
         <p:nvSpPr>
-          <p:cNvPr id="774050538" name="Slide Number Placeholder 3"/>
+          <p:cNvPr id="81410109" name="Slide Number Placeholder 3"/>
           <p:cNvSpPr>
             <a:spLocks noGrp="1"/>
           </p:cNvSpPr>
@@ -4013,7 +4012,7 @@
       </p:grpSpPr>
       <p:sp>
         <p:nvSpPr>
-          <p:cNvPr id="1914830293" name="Slide Image Placeholder 1"/>
+          <p:cNvPr id="297894521" name="Slide Image Placeholder 1"/>
           <p:cNvSpPr>
             <a:spLocks noChangeAspect="1" noGrp="1" noRot="1"/>
           </p:cNvSpPr>
@@ -4030,7 +4029,7 @@
       </p:sp>
       <p:sp>
         <p:nvSpPr>
-          <p:cNvPr id="1648438550" name="Notes Placeholder 2"/>
+          <p:cNvPr id="1577858091" name="Notes Placeholder 2"/>
           <p:cNvSpPr>
             <a:spLocks noGrp="1"/>
           </p:cNvSpPr>
@@ -4052,7 +4051,7 @@
       </p:sp>
       <p:sp>
         <p:nvSpPr>
-          <p:cNvPr id="1967231721" name="Slide Number Placeholder 3"/>
+          <p:cNvPr id="811364264" name="Slide Number Placeholder 3"/>
           <p:cNvSpPr>
             <a:spLocks noGrp="1"/>
           </p:cNvSpPr>
@@ -4100,7 +4099,7 @@
       </p:grpSpPr>
       <p:sp>
         <p:nvSpPr>
-          <p:cNvPr id="630003224" name="Slide Image Placeholder 1"/>
+          <p:cNvPr id="401799742" name="Slide Image Placeholder 1"/>
           <p:cNvSpPr>
             <a:spLocks noChangeAspect="1" noGrp="1" noRot="1"/>
           </p:cNvSpPr>
@@ -4117,7 +4116,7 @@
       </p:sp>
       <p:sp>
         <p:nvSpPr>
-          <p:cNvPr id="142052643" name="Notes Placeholder 2"/>
+          <p:cNvPr id="976458062" name="Notes Placeholder 2"/>
           <p:cNvSpPr>
             <a:spLocks noGrp="1"/>
           </p:cNvSpPr>
@@ -4139,7 +4138,7 @@
       </p:sp>
       <p:sp>
         <p:nvSpPr>
-          <p:cNvPr id="542154020" name="Slide Number Placeholder 3"/>
+          <p:cNvPr id="2068830717" name="Slide Number Placeholder 3"/>
           <p:cNvSpPr>
             <a:spLocks noGrp="1"/>
           </p:cNvSpPr>
@@ -4187,7 +4186,7 @@
       </p:grpSpPr>
       <p:sp>
         <p:nvSpPr>
-          <p:cNvPr id="1734840308" name="Slide Image Placeholder 1"/>
+          <p:cNvPr id="2084434454" name="Slide Image Placeholder 1"/>
           <p:cNvSpPr>
             <a:spLocks noChangeAspect="1" noGrp="1" noRot="1"/>
           </p:cNvSpPr>
@@ -4204,7 +4203,7 @@
       </p:sp>
       <p:sp>
         <p:nvSpPr>
-          <p:cNvPr id="97307610" name="Notes Placeholder 2"/>
+          <p:cNvPr id="1585102921" name="Notes Placeholder 2"/>
           <p:cNvSpPr>
             <a:spLocks noGrp="1"/>
           </p:cNvSpPr>
@@ -4226,7 +4225,7 @@
       </p:sp>
       <p:sp>
         <p:nvSpPr>
-          <p:cNvPr id="1002869570" name="Slide Number Placeholder 3"/>
+          <p:cNvPr id="617340731" name="Slide Number Placeholder 3"/>
           <p:cNvSpPr>
             <a:spLocks noGrp="1"/>
           </p:cNvSpPr>
@@ -4274,7 +4273,7 @@
       </p:grpSpPr>
       <p:sp>
         <p:nvSpPr>
-          <p:cNvPr id="613264344" name="Slide Image Placeholder 1"/>
+          <p:cNvPr id="2102925276" name="Slide Image Placeholder 1"/>
           <p:cNvSpPr>
             <a:spLocks noChangeAspect="1" noGrp="1" noRot="1"/>
           </p:cNvSpPr>
@@ -4291,7 +4290,7 @@
       </p:sp>
       <p:sp>
         <p:nvSpPr>
-          <p:cNvPr id="1782370671" name="Notes Placeholder 2"/>
+          <p:cNvPr id="777671830" name="Notes Placeholder 2"/>
           <p:cNvSpPr>
             <a:spLocks noGrp="1"/>
           </p:cNvSpPr>
@@ -4313,7 +4312,7 @@
       </p:sp>
       <p:sp>
         <p:nvSpPr>
-          <p:cNvPr id="757836345" name="Slide Number Placeholder 3"/>
+          <p:cNvPr id="380048455" name="Slide Number Placeholder 3"/>
           <p:cNvSpPr>
             <a:spLocks noGrp="1"/>
           </p:cNvSpPr>
@@ -4361,7 +4360,7 @@
       </p:grpSpPr>
       <p:sp>
         <p:nvSpPr>
-          <p:cNvPr id="1377392155" name="Slide Image Placeholder 1"/>
+          <p:cNvPr id="1040590030" name="Slide Image Placeholder 1"/>
           <p:cNvSpPr>
             <a:spLocks noChangeAspect="1" noGrp="1" noRot="1"/>
           </p:cNvSpPr>
@@ -4378,7 +4377,7 @@
       </p:sp>
       <p:sp>
         <p:nvSpPr>
-          <p:cNvPr id="1134829729" name="Notes Placeholder 2"/>
+          <p:cNvPr id="634822890" name="Notes Placeholder 2"/>
           <p:cNvSpPr>
             <a:spLocks noGrp="1"/>
           </p:cNvSpPr>
@@ -4400,7 +4399,7 @@
       </p:sp>
       <p:sp>
         <p:nvSpPr>
-          <p:cNvPr id="2110150077" name="Slide Number Placeholder 3"/>
+          <p:cNvPr id="572368424" name="Slide Number Placeholder 3"/>
           <p:cNvSpPr>
             <a:spLocks noGrp="1"/>
           </p:cNvSpPr>
@@ -4448,7 +4447,7 @@
       </p:grpSpPr>
       <p:sp>
         <p:nvSpPr>
-          <p:cNvPr id="1132689323" name="Slide Image Placeholder 1"/>
+          <p:cNvPr id="75370848" name="Slide Image Placeholder 1"/>
           <p:cNvSpPr>
             <a:spLocks noChangeAspect="1" noGrp="1" noRot="1"/>
           </p:cNvSpPr>
@@ -4465,7 +4464,7 @@
       </p:sp>
       <p:sp>
         <p:nvSpPr>
-          <p:cNvPr id="113736307" name="Notes Placeholder 2"/>
+          <p:cNvPr id="22404079" name="Notes Placeholder 2"/>
           <p:cNvSpPr>
             <a:spLocks noGrp="1"/>
           </p:cNvSpPr>
@@ -4487,7 +4486,7 @@
       </p:sp>
       <p:sp>
         <p:nvSpPr>
-          <p:cNvPr id="1868482347" name="Slide Number Placeholder 3"/>
+          <p:cNvPr id="243163485" name="Slide Number Placeholder 3"/>
           <p:cNvSpPr>
             <a:spLocks noGrp="1"/>
           </p:cNvSpPr>
@@ -4535,7 +4534,7 @@
       </p:grpSpPr>
       <p:sp>
         <p:nvSpPr>
-          <p:cNvPr id="1121690645" name="Slide Image Placeholder 1"/>
+          <p:cNvPr id="1624124629" name="Slide Image Placeholder 1"/>
           <p:cNvSpPr>
             <a:spLocks noChangeAspect="1" noGrp="1" noRot="1"/>
           </p:cNvSpPr>
@@ -4552,7 +4551,7 @@
       </p:sp>
       <p:sp>
         <p:nvSpPr>
-          <p:cNvPr id="701042479" name="Notes Placeholder 2"/>
+          <p:cNvPr id="1549638411" name="Notes Placeholder 2"/>
           <p:cNvSpPr>
             <a:spLocks noGrp="1"/>
           </p:cNvSpPr>
@@ -4574,7 +4573,7 @@
       </p:sp>
       <p:sp>
         <p:nvSpPr>
-          <p:cNvPr id="2038955018" name="Slide Number Placeholder 3"/>
+          <p:cNvPr id="1274458664" name="Slide Number Placeholder 3"/>
           <p:cNvSpPr>
             <a:spLocks noGrp="1"/>
           </p:cNvSpPr>
@@ -4622,7 +4621,7 @@
       </p:grpSpPr>
       <p:sp>
         <p:nvSpPr>
-          <p:cNvPr id="1764624840" name="Slide Image Placeholder 1"/>
+          <p:cNvPr id="1951820894" name="Slide Image Placeholder 1"/>
           <p:cNvSpPr>
             <a:spLocks noChangeAspect="1" noGrp="1" noRot="1"/>
           </p:cNvSpPr>
@@ -4639,7 +4638,7 @@
       </p:sp>
       <p:sp>
         <p:nvSpPr>
-          <p:cNvPr id="1196052957" name="Notes Placeholder 2"/>
+          <p:cNvPr id="1194314800" name="Notes Placeholder 2"/>
           <p:cNvSpPr>
             <a:spLocks noGrp="1"/>
           </p:cNvSpPr>
@@ -4661,7 +4660,7 @@
       </p:sp>
       <p:sp>
         <p:nvSpPr>
-          <p:cNvPr id="1839308146" name="Slide Number Placeholder 3"/>
+          <p:cNvPr id="371568164" name="Slide Number Placeholder 3"/>
           <p:cNvSpPr>
             <a:spLocks noGrp="1"/>
           </p:cNvSpPr>
@@ -4709,7 +4708,7 @@
       </p:grpSpPr>
       <p:sp>
         <p:nvSpPr>
-          <p:cNvPr id="1332517206" name="Slide Image Placeholder 1"/>
+          <p:cNvPr id="1716977878" name="Slide Image Placeholder 1"/>
           <p:cNvSpPr>
             <a:spLocks noChangeAspect="1" noGrp="1" noRot="1"/>
           </p:cNvSpPr>
@@ -4726,7 +4725,7 @@
       </p:sp>
       <p:sp>
         <p:nvSpPr>
-          <p:cNvPr id="85940455" name="Notes Placeholder 2"/>
+          <p:cNvPr id="181755939" name="Notes Placeholder 2"/>
           <p:cNvSpPr>
             <a:spLocks noGrp="1"/>
           </p:cNvSpPr>
@@ -4752,7 +4751,7 @@
       </p:sp>
       <p:sp>
         <p:nvSpPr>
-          <p:cNvPr id="1147395536" name="Slide Number Placeholder 3"/>
+          <p:cNvPr id="476526262" name="Slide Number Placeholder 3"/>
           <p:cNvSpPr>
             <a:spLocks noGrp="1"/>
           </p:cNvSpPr>
@@ -4800,7 +4799,7 @@
       </p:grpSpPr>
       <p:sp>
         <p:nvSpPr>
-          <p:cNvPr id="1394409934" name="Slide Image Placeholder 1"/>
+          <p:cNvPr id="345027286" name="Slide Image Placeholder 1"/>
           <p:cNvSpPr>
             <a:spLocks noChangeAspect="1" noGrp="1" noRot="1"/>
           </p:cNvSpPr>
@@ -4817,7 +4816,7 @@
       </p:sp>
       <p:sp>
         <p:nvSpPr>
-          <p:cNvPr id="286853764" name="Notes Placeholder 2"/>
+          <p:cNvPr id="982559256" name="Notes Placeholder 2"/>
           <p:cNvSpPr>
             <a:spLocks noGrp="1"/>
           </p:cNvSpPr>
@@ -4839,7 +4838,7 @@
       </p:sp>
       <p:sp>
         <p:nvSpPr>
-          <p:cNvPr id="998527435" name="Slide Number Placeholder 3"/>
+          <p:cNvPr id="1641733357" name="Slide Number Placeholder 3"/>
           <p:cNvSpPr>
             <a:spLocks noGrp="1"/>
           </p:cNvSpPr>
@@ -4887,7 +4886,7 @@
       </p:grpSpPr>
       <p:sp>
         <p:nvSpPr>
-          <p:cNvPr id="1364305838" name="PlaceHolder 1"/>
+          <p:cNvPr id="881083772" name="PlaceHolder 1"/>
           <p:cNvSpPr>
             <a:spLocks noChangeAspect="1" noGrp="1" noRot="1"/>
           </p:cNvSpPr>
@@ -4910,7 +4909,7 @@
       </p:sp>
       <p:sp>
         <p:nvSpPr>
-          <p:cNvPr id="1757551700" name="PlaceHolder 2"/>
+          <p:cNvPr id="170053751" name="PlaceHolder 2"/>
           <p:cNvSpPr>
             <a:spLocks noGrp="1"/>
           </p:cNvSpPr>
@@ -4952,7 +4951,7 @@
       </p:sp>
       <p:sp>
         <p:nvSpPr>
-          <p:cNvPr id="1693527186" name="PlaceHolder 3"/>
+          <p:cNvPr id="1095442034" name="PlaceHolder 3"/>
           <p:cNvSpPr>
             <a:spLocks noGrp="1"/>
           </p:cNvSpPr>
@@ -5043,7 +5042,7 @@
       </p:grpSpPr>
       <p:sp>
         <p:nvSpPr>
-          <p:cNvPr id="252295410" name="PlaceHolder 1"/>
+          <p:cNvPr id="1469794423" name="PlaceHolder 1"/>
           <p:cNvSpPr>
             <a:spLocks noChangeAspect="1" noGrp="1" noRot="1"/>
           </p:cNvSpPr>
@@ -5066,7 +5065,7 @@
       </p:sp>
       <p:sp>
         <p:nvSpPr>
-          <p:cNvPr id="1514335131" name="PlaceHolder 2"/>
+          <p:cNvPr id="126365770" name="PlaceHolder 2"/>
           <p:cNvSpPr>
             <a:spLocks noGrp="1"/>
           </p:cNvSpPr>
@@ -5108,7 +5107,7 @@
       </p:sp>
       <p:sp>
         <p:nvSpPr>
-          <p:cNvPr id="1201992404" name="PlaceHolder 3"/>
+          <p:cNvPr id="1705043533" name="PlaceHolder 3"/>
           <p:cNvSpPr>
             <a:spLocks noGrp="1"/>
           </p:cNvSpPr>
@@ -5146,93 +5145,6 @@
               <a:latin typeface="+mn-lt"/>
               <a:ea typeface="+mn-ea"/>
             </a:endParaRPr>
-          </a:p>
-        </p:txBody>
-      </p:sp>
-    </p:spTree>
-  </p:cSld>
-</p:notes>
-</file>
-
-<file path=ppt/notesSlides/notesSlide46.xml><?xml version="1.0" encoding="utf-8"?>
-<p:notes xmlns:a="http://schemas.openxmlformats.org/drawingml/2006/main" xmlns:r="http://schemas.openxmlformats.org/officeDocument/2006/relationships" xmlns:p="http://schemas.openxmlformats.org/presentationml/2006/main" xmlns:m="http://schemas.openxmlformats.org/officeDocument/2006/math" xmlns:w="http://schemas.openxmlformats.org/wordprocessingml/2006/main">
-  <p:cSld name="">
-    <p:spTree>
-      <p:nvGrpSpPr>
-        <p:cNvPr id="1" name=""/>
-        <p:cNvGrpSpPr/>
-        <p:nvPr/>
-      </p:nvGrpSpPr>
-      <p:grpSpPr bwMode="auto">
-        <a:xfrm>
-          <a:off x="0" y="0"/>
-          <a:ext cx="0" cy="0"/>
-          <a:chOff x="0" y="0"/>
-          <a:chExt cx="0" cy="0"/>
-        </a:xfrm>
-      </p:grpSpPr>
-      <p:sp>
-        <p:nvSpPr>
-          <p:cNvPr id="1987245725" name="Slide Image Placeholder 1"/>
-          <p:cNvSpPr>
-            <a:spLocks noChangeAspect="1" noGrp="1" noRot="1"/>
-          </p:cNvSpPr>
-          <p:nvPr>
-            <p:ph type="sldImg"/>
-          </p:nvPr>
-        </p:nvSpPr>
-        <p:spPr bwMode="auto">
-          <a:xfrm>
-            <a:off x="217488" y="812800"/>
-            <a:ext cx="7124700" cy="4008438"/>
-          </a:xfrm>
-        </p:spPr>
-      </p:sp>
-      <p:sp>
-        <p:nvSpPr>
-          <p:cNvPr id="1091324111" name="Notes Placeholder 2"/>
-          <p:cNvSpPr>
-            <a:spLocks noGrp="1"/>
-          </p:cNvSpPr>
-          <p:nvPr>
-            <p:ph type="body" idx="1"/>
-          </p:nvPr>
-        </p:nvSpPr>
-        <p:spPr bwMode="auto"/>
-        <p:txBody>
-          <a:bodyPr/>
-          <a:lstStyle/>
-          <a:p>
-            <a:pPr>
-              <a:defRPr/>
-            </a:pPr>
-            <a:endParaRPr/>
-          </a:p>
-        </p:txBody>
-      </p:sp>
-      <p:sp>
-        <p:nvSpPr>
-          <p:cNvPr id="139680157" name="Slide Number Placeholder 3"/>
-          <p:cNvSpPr>
-            <a:spLocks noGrp="1"/>
-          </p:cNvSpPr>
-          <p:nvPr>
-            <p:ph type="sldNum" sz="quarter" idx="10"/>
-          </p:nvPr>
-        </p:nvSpPr>
-        <p:spPr bwMode="auto"/>
-        <p:txBody>
-          <a:bodyPr/>
-          <a:lstStyle/>
-          <a:p>
-            <a:pPr>
-              <a:defRPr/>
-            </a:pPr>
-            <a:fld id="{3EA53E80-E4C7-1CF6-6661-64C6C4252886}" type="slidenum">
-              <a:rPr/>
-              <a:t>42</a:t>
-            </a:fld>
-            <a:endParaRPr/>
           </a:p>
         </p:txBody>
       </p:sp>
@@ -5260,7 +5172,7 @@
       </p:grpSpPr>
       <p:sp>
         <p:nvSpPr>
-          <p:cNvPr id="1458689482" name="PlaceHolder 1"/>
+          <p:cNvPr id="1311175306" name="PlaceHolder 1"/>
           <p:cNvSpPr>
             <a:spLocks noChangeAspect="1" noGrp="1" noRot="1"/>
           </p:cNvSpPr>
@@ -5283,7 +5195,7 @@
       </p:sp>
       <p:sp>
         <p:nvSpPr>
-          <p:cNvPr id="1536201221" name="PlaceHolder 2"/>
+          <p:cNvPr id="1835063035" name="PlaceHolder 2"/>
           <p:cNvSpPr>
             <a:spLocks noGrp="1"/>
           </p:cNvSpPr>
@@ -5337,7 +5249,7 @@
       </p:sp>
       <p:sp>
         <p:nvSpPr>
-          <p:cNvPr id="960764004" name="PlaceHolder 3"/>
+          <p:cNvPr id="2061946792" name="PlaceHolder 3"/>
           <p:cNvSpPr>
             <a:spLocks noGrp="1"/>
           </p:cNvSpPr>
@@ -5428,7 +5340,7 @@
       </p:grpSpPr>
       <p:sp>
         <p:nvSpPr>
-          <p:cNvPr id="1718511852" name="Slide Image Placeholder 1"/>
+          <p:cNvPr id="819876462" name="Slide Image Placeholder 1"/>
           <p:cNvSpPr>
             <a:spLocks noChangeAspect="1" noGrp="1" noRot="1"/>
           </p:cNvSpPr>
@@ -5440,7 +5352,7 @@
       </p:sp>
       <p:sp>
         <p:nvSpPr>
-          <p:cNvPr id="585587739" name="Notes Placeholder 2"/>
+          <p:cNvPr id="1291432696" name="Notes Placeholder 2"/>
           <p:cNvSpPr>
             <a:spLocks noGrp="1"/>
           </p:cNvSpPr>
@@ -5462,7 +5374,7 @@
       </p:sp>
       <p:sp>
         <p:nvSpPr>
-          <p:cNvPr id="1200600868" name="Slide Number Placeholder 3"/>
+          <p:cNvPr id="1907554996" name="Slide Number Placeholder 3"/>
           <p:cNvSpPr>
             <a:spLocks noGrp="1"/>
           </p:cNvSpPr>
@@ -5510,7 +5422,7 @@
       </p:grpSpPr>
       <p:sp>
         <p:nvSpPr>
-          <p:cNvPr id="863725670" name="Slide Image Placeholder 1"/>
+          <p:cNvPr id="967256145" name="Slide Image Placeholder 1"/>
           <p:cNvSpPr>
             <a:spLocks noChangeAspect="1" noGrp="1" noRot="1"/>
           </p:cNvSpPr>
@@ -5527,7 +5439,7 @@
       </p:sp>
       <p:sp>
         <p:nvSpPr>
-          <p:cNvPr id="670861350" name="Notes Placeholder 2"/>
+          <p:cNvPr id="278566180" name="Notes Placeholder 2"/>
           <p:cNvSpPr>
             <a:spLocks noGrp="1"/>
           </p:cNvSpPr>
@@ -5549,7 +5461,7 @@
       </p:sp>
       <p:sp>
         <p:nvSpPr>
-          <p:cNvPr id="900517753" name="Slide Number Placeholder 3"/>
+          <p:cNvPr id="926280633" name="Slide Number Placeholder 3"/>
           <p:cNvSpPr>
             <a:spLocks noGrp="1"/>
           </p:cNvSpPr>
@@ -5597,7 +5509,7 @@
       </p:grpSpPr>
       <p:sp>
         <p:nvSpPr>
-          <p:cNvPr id="2039281863" name="Slide Image Placeholder 1"/>
+          <p:cNvPr id="2135794246" name="Slide Image Placeholder 1"/>
           <p:cNvSpPr>
             <a:spLocks noChangeAspect="1" noGrp="1" noRot="1"/>
           </p:cNvSpPr>
@@ -5614,7 +5526,7 @@
       </p:sp>
       <p:sp>
         <p:nvSpPr>
-          <p:cNvPr id="1191854487" name="Notes Placeholder 2"/>
+          <p:cNvPr id="935092353" name="Notes Placeholder 2"/>
           <p:cNvSpPr>
             <a:spLocks noGrp="1"/>
           </p:cNvSpPr>
@@ -5636,7 +5548,7 @@
       </p:sp>
       <p:sp>
         <p:nvSpPr>
-          <p:cNvPr id="2765909" name="Slide Number Placeholder 3"/>
+          <p:cNvPr id="231398464" name="Slide Number Placeholder 3"/>
           <p:cNvSpPr>
             <a:spLocks noGrp="1"/>
           </p:cNvSpPr>
@@ -5684,7 +5596,7 @@
       </p:grpSpPr>
       <p:sp>
         <p:nvSpPr>
-          <p:cNvPr id="1061967949" name="Slide Image Placeholder 1"/>
+          <p:cNvPr id="1724109229" name="Slide Image Placeholder 1"/>
           <p:cNvSpPr>
             <a:spLocks noChangeAspect="1" noGrp="1" noRot="1"/>
           </p:cNvSpPr>
@@ -5701,7 +5613,7 @@
       </p:sp>
       <p:sp>
         <p:nvSpPr>
-          <p:cNvPr id="1801502936" name="Notes Placeholder 2"/>
+          <p:cNvPr id="2125259311" name="Notes Placeholder 2"/>
           <p:cNvSpPr>
             <a:spLocks noGrp="1"/>
           </p:cNvSpPr>
@@ -5723,7 +5635,7 @@
       </p:sp>
       <p:sp>
         <p:nvSpPr>
-          <p:cNvPr id="1416157345" name="Slide Number Placeholder 3"/>
+          <p:cNvPr id="1922877048" name="Slide Number Placeholder 3"/>
           <p:cNvSpPr>
             <a:spLocks noGrp="1"/>
           </p:cNvSpPr>
@@ -5771,7 +5683,7 @@
       </p:grpSpPr>
       <p:sp>
         <p:nvSpPr>
-          <p:cNvPr id="9499356" name="PlaceHolder 1"/>
+          <p:cNvPr id="263913260" name="PlaceHolder 1"/>
           <p:cNvSpPr>
             <a:spLocks noGrp="1"/>
           </p:cNvSpPr>
@@ -5813,7 +5725,7 @@
       </p:sp>
       <p:sp>
         <p:nvSpPr>
-          <p:cNvPr id="1047761539" name="PlaceHolder 2"/>
+          <p:cNvPr id="421588934" name="PlaceHolder 2"/>
           <p:cNvSpPr>
             <a:spLocks noGrp="1"/>
           </p:cNvSpPr>
@@ -5855,7 +5767,7 @@
       </p:sp>
       <p:sp>
         <p:nvSpPr>
-          <p:cNvPr id="129083926" name="PlaceHolder 3"/>
+          <p:cNvPr id="165285372" name="PlaceHolder 3"/>
           <p:cNvSpPr>
             <a:spLocks noGrp="1"/>
           </p:cNvSpPr>
@@ -5881,7 +5793,7 @@
       </p:sp>
       <p:sp>
         <p:nvSpPr>
-          <p:cNvPr id="522273994" name="PlaceHolder 4"/>
+          <p:cNvPr id="1340830221" name="PlaceHolder 4"/>
           <p:cNvSpPr>
             <a:spLocks noGrp="1"/>
           </p:cNvSpPr>
@@ -5907,7 +5819,7 @@
       </p:sp>
       <p:sp>
         <p:nvSpPr>
-          <p:cNvPr id="847612942" name="PlaceHolder 5"/>
+          <p:cNvPr id="476931483" name="PlaceHolder 5"/>
           <p:cNvSpPr>
             <a:spLocks noGrp="1"/>
           </p:cNvSpPr>
@@ -5954,7 +5866,7 @@
       </p:grpSpPr>
       <p:sp>
         <p:nvSpPr>
-          <p:cNvPr id="1610837347" name="PlaceHolder 1"/>
+          <p:cNvPr id="1135406953" name="PlaceHolder 1"/>
           <p:cNvSpPr>
             <a:spLocks noGrp="1"/>
           </p:cNvSpPr>
@@ -5996,7 +5908,7 @@
       </p:sp>
       <p:sp>
         <p:nvSpPr>
-          <p:cNvPr id="608467423" name="PlaceHolder 2"/>
+          <p:cNvPr id="1497441408" name="PlaceHolder 2"/>
           <p:cNvSpPr>
             <a:spLocks noGrp="1"/>
           </p:cNvSpPr>
@@ -6022,7 +5934,7 @@
       </p:sp>
       <p:sp>
         <p:nvSpPr>
-          <p:cNvPr id="631661013" name="PlaceHolder 3"/>
+          <p:cNvPr id="1915178757" name="PlaceHolder 3"/>
           <p:cNvSpPr>
             <a:spLocks noGrp="1"/>
           </p:cNvSpPr>
@@ -6048,7 +5960,7 @@
       </p:sp>
       <p:sp>
         <p:nvSpPr>
-          <p:cNvPr id="334616064" name="PlaceHolder 4"/>
+          <p:cNvPr id="1549020978" name="PlaceHolder 4"/>
           <p:cNvSpPr>
             <a:spLocks noGrp="1"/>
           </p:cNvSpPr>
@@ -6095,7 +6007,7 @@
       </p:grpSpPr>
       <p:sp>
         <p:nvSpPr>
-          <p:cNvPr id="686486258" name="PlaceHolder 1"/>
+          <p:cNvPr id="2099703976" name="PlaceHolder 1"/>
           <p:cNvSpPr>
             <a:spLocks noGrp="1"/>
           </p:cNvSpPr>
@@ -6121,7 +6033,7 @@
       </p:sp>
       <p:sp>
         <p:nvSpPr>
-          <p:cNvPr id="610862010" name="PlaceHolder 2"/>
+          <p:cNvPr id="417051858" name="PlaceHolder 2"/>
           <p:cNvSpPr>
             <a:spLocks noGrp="1"/>
           </p:cNvSpPr>
@@ -6147,7 +6059,7 @@
       </p:sp>
       <p:sp>
         <p:nvSpPr>
-          <p:cNvPr id="284491113" name="PlaceHolder 3"/>
+          <p:cNvPr id="574394151" name="PlaceHolder 3"/>
           <p:cNvSpPr>
             <a:spLocks noGrp="1"/>
           </p:cNvSpPr>
@@ -6194,7 +6106,7 @@
       </p:grpSpPr>
       <p:sp>
         <p:nvSpPr>
-          <p:cNvPr id="1559171903" name="PlaceHolder 1"/>
+          <p:cNvPr id="258751091" name="PlaceHolder 1"/>
           <p:cNvSpPr>
             <a:spLocks noGrp="1"/>
           </p:cNvSpPr>
@@ -6220,7 +6132,7 @@
       </p:sp>
       <p:sp>
         <p:nvSpPr>
-          <p:cNvPr id="190234423" name="PlaceHolder 2"/>
+          <p:cNvPr id="318202531" name="PlaceHolder 2"/>
           <p:cNvSpPr>
             <a:spLocks noGrp="1"/>
           </p:cNvSpPr>
@@ -6246,7 +6158,7 @@
       </p:sp>
       <p:sp>
         <p:nvSpPr>
-          <p:cNvPr id="682695331" name="PlaceHolder 3"/>
+          <p:cNvPr id="1850182696" name="PlaceHolder 3"/>
           <p:cNvSpPr>
             <a:spLocks noGrp="1"/>
           </p:cNvSpPr>
@@ -6293,7 +6205,7 @@
       </p:grpSpPr>
       <p:sp>
         <p:nvSpPr>
-          <p:cNvPr id="289921235" name="PlaceHolder 1"/>
+          <p:cNvPr id="1516503845" name="PlaceHolder 1"/>
           <p:cNvSpPr>
             <a:spLocks noGrp="1"/>
           </p:cNvSpPr>
@@ -6319,7 +6231,7 @@
       </p:sp>
       <p:sp>
         <p:nvSpPr>
-          <p:cNvPr id="1650011231" name="PlaceHolder 2"/>
+          <p:cNvPr id="2122194948" name="PlaceHolder 2"/>
           <p:cNvSpPr>
             <a:spLocks noGrp="1"/>
           </p:cNvSpPr>
@@ -6345,7 +6257,7 @@
       </p:sp>
       <p:sp>
         <p:nvSpPr>
-          <p:cNvPr id="327706594" name="PlaceHolder 3"/>
+          <p:cNvPr id="1092433017" name="PlaceHolder 3"/>
           <p:cNvSpPr>
             <a:spLocks noGrp="1"/>
           </p:cNvSpPr>
@@ -6392,7 +6304,7 @@
       </p:grpSpPr>
       <p:sp>
         <p:nvSpPr>
-          <p:cNvPr id="509766629" name="PlaceHolder 1"/>
+          <p:cNvPr id="737288839" name="PlaceHolder 1"/>
           <p:cNvSpPr>
             <a:spLocks noGrp="1"/>
           </p:cNvSpPr>
@@ -6418,7 +6330,7 @@
       </p:sp>
       <p:sp>
         <p:nvSpPr>
-          <p:cNvPr id="486313597" name="PlaceHolder 2"/>
+          <p:cNvPr id="1700259871" name="PlaceHolder 2"/>
           <p:cNvSpPr>
             <a:spLocks noGrp="1"/>
           </p:cNvSpPr>
@@ -6444,7 +6356,7 @@
       </p:sp>
       <p:sp>
         <p:nvSpPr>
-          <p:cNvPr id="1759250610" name="PlaceHolder 3"/>
+          <p:cNvPr id="1075647296" name="PlaceHolder 3"/>
           <p:cNvSpPr>
             <a:spLocks noGrp="1"/>
           </p:cNvSpPr>
@@ -6491,7 +6403,7 @@
       </p:grpSpPr>
       <p:sp>
         <p:nvSpPr>
-          <p:cNvPr id="2031488266" name="PlaceHolder 1"/>
+          <p:cNvPr id="1674487926" name="PlaceHolder 1"/>
           <p:cNvSpPr>
             <a:spLocks noGrp="1"/>
           </p:cNvSpPr>
@@ -6542,7 +6454,7 @@
       </p:grpSpPr>
       <p:sp>
         <p:nvSpPr>
-          <p:cNvPr id="504395603" name="Title 1"/>
+          <p:cNvPr id="1058667030" name="Title 1"/>
           <p:cNvSpPr>
             <a:spLocks noGrp="1"/>
           </p:cNvSpPr>
@@ -6568,7 +6480,7 @@
       </p:sp>
       <p:sp>
         <p:nvSpPr>
-          <p:cNvPr id="737090062" name="Content Placeholder 2"/>
+          <p:cNvPr id="856403372" name="Content Placeholder 2"/>
           <p:cNvSpPr>
             <a:spLocks noGrp="1"/>
           </p:cNvSpPr>
@@ -6639,7 +6551,7 @@
       </p:sp>
       <p:sp>
         <p:nvSpPr>
-          <p:cNvPr id="363748005" name="Content Placeholder 3"/>
+          <p:cNvPr id="302573886" name="Content Placeholder 3"/>
           <p:cNvSpPr>
             <a:spLocks noGrp="1"/>
           </p:cNvSpPr>
@@ -6710,7 +6622,7 @@
       </p:sp>
       <p:sp>
         <p:nvSpPr>
-          <p:cNvPr id="1082250175" name="Date Placeholder 4"/>
+          <p:cNvPr id="489191407" name="Date Placeholder 4"/>
           <p:cNvSpPr>
             <a:spLocks noGrp="1"/>
           </p:cNvSpPr>
@@ -6736,7 +6648,7 @@
       </p:sp>
       <p:sp>
         <p:nvSpPr>
-          <p:cNvPr id="2112050850" name="Footer Placeholder 5"/>
+          <p:cNvPr id="2072757044" name="Footer Placeholder 5"/>
           <p:cNvSpPr>
             <a:spLocks noGrp="1"/>
           </p:cNvSpPr>
@@ -6758,7 +6670,7 @@
       </p:sp>
       <p:sp>
         <p:nvSpPr>
-          <p:cNvPr id="1120091532" name="Slide Number Placeholder 6"/>
+          <p:cNvPr id="336860526" name="Slide Number Placeholder 6"/>
           <p:cNvSpPr>
             <a:spLocks noGrp="1"/>
           </p:cNvSpPr>
@@ -6809,7 +6721,7 @@
       </p:grpSpPr>
       <p:sp>
         <p:nvSpPr>
-          <p:cNvPr id="127394051" name="PlaceHolder 1"/>
+          <p:cNvPr id="1331404396" name="PlaceHolder 1"/>
           <p:cNvSpPr>
             <a:spLocks noGrp="1"/>
           </p:cNvSpPr>
@@ -6835,7 +6747,7 @@
       </p:sp>
       <p:sp>
         <p:nvSpPr>
-          <p:cNvPr id="1841642546" name="PlaceHolder 2"/>
+          <p:cNvPr id="1973635375" name="PlaceHolder 2"/>
           <p:cNvSpPr>
             <a:spLocks noGrp="1"/>
           </p:cNvSpPr>
@@ -6861,7 +6773,7 @@
       </p:sp>
       <p:sp>
         <p:nvSpPr>
-          <p:cNvPr id="18012735" name="PlaceHolder 3"/>
+          <p:cNvPr id="232604011" name="PlaceHolder 3"/>
           <p:cNvSpPr>
             <a:spLocks noGrp="1"/>
           </p:cNvSpPr>
@@ -6908,7 +6820,7 @@
       </p:grpSpPr>
       <p:sp>
         <p:nvSpPr>
-          <p:cNvPr id="1741758784" name="PlaceHolder 1"/>
+          <p:cNvPr id="2122091707" name="PlaceHolder 1"/>
           <p:cNvSpPr>
             <a:spLocks noGrp="1"/>
           </p:cNvSpPr>
@@ -6950,7 +6862,7 @@
       </p:sp>
       <p:sp>
         <p:nvSpPr>
-          <p:cNvPr id="877045311" name="PlaceHolder 2"/>
+          <p:cNvPr id="520773522" name="PlaceHolder 2"/>
           <p:cNvSpPr>
             <a:spLocks noGrp="1"/>
           </p:cNvSpPr>
@@ -6998,7 +6910,7 @@
       </p:sp>
       <p:sp>
         <p:nvSpPr>
-          <p:cNvPr id="329437110" name="PlaceHolder 3"/>
+          <p:cNvPr id="1588794023" name="PlaceHolder 3"/>
           <p:cNvSpPr>
             <a:spLocks noGrp="1"/>
           </p:cNvSpPr>
@@ -7024,7 +6936,7 @@
       </p:sp>
       <p:sp>
         <p:nvSpPr>
-          <p:cNvPr id="649491734" name="PlaceHolder 4"/>
+          <p:cNvPr id="404376525" name="PlaceHolder 4"/>
           <p:cNvSpPr>
             <a:spLocks noGrp="1"/>
           </p:cNvSpPr>
@@ -7050,7 +6962,7 @@
       </p:sp>
       <p:sp>
         <p:nvSpPr>
-          <p:cNvPr id="1348091893" name="PlaceHolder 5"/>
+          <p:cNvPr id="757526101" name="PlaceHolder 5"/>
           <p:cNvSpPr>
             <a:spLocks noGrp="1"/>
           </p:cNvSpPr>
@@ -7097,7 +7009,7 @@
       </p:grpSpPr>
       <p:sp>
         <p:nvSpPr>
-          <p:cNvPr id="1280857748" name="PlaceHolder 1"/>
+          <p:cNvPr id="1204215850" name="PlaceHolder 1"/>
           <p:cNvSpPr>
             <a:spLocks noGrp="1"/>
           </p:cNvSpPr>
@@ -7123,7 +7035,7 @@
       </p:sp>
       <p:sp>
         <p:nvSpPr>
-          <p:cNvPr id="315536492" name="PlaceHolder 2"/>
+          <p:cNvPr id="900574268" name="PlaceHolder 2"/>
           <p:cNvSpPr>
             <a:spLocks noGrp="1"/>
           </p:cNvSpPr>
@@ -7149,7 +7061,7 @@
       </p:sp>
       <p:sp>
         <p:nvSpPr>
-          <p:cNvPr id="426795305" name="PlaceHolder 3"/>
+          <p:cNvPr id="1933278771" name="PlaceHolder 3"/>
           <p:cNvSpPr>
             <a:spLocks noGrp="1"/>
           </p:cNvSpPr>
@@ -7196,7 +7108,7 @@
       </p:grpSpPr>
       <p:sp>
         <p:nvSpPr>
-          <p:cNvPr id="911510613" name="PlaceHolder 1"/>
+          <p:cNvPr id="397133760" name="PlaceHolder 1"/>
           <p:cNvSpPr>
             <a:spLocks noGrp="1"/>
           </p:cNvSpPr>
@@ -7238,7 +7150,7 @@
       </p:sp>
       <p:sp>
         <p:nvSpPr>
-          <p:cNvPr id="1933266387" name="PlaceHolder 2"/>
+          <p:cNvPr id="1873534050" name="PlaceHolder 2"/>
           <p:cNvSpPr>
             <a:spLocks noGrp="1"/>
           </p:cNvSpPr>
@@ -7286,7 +7198,7 @@
       </p:sp>
       <p:sp>
         <p:nvSpPr>
-          <p:cNvPr id="54813571" name="PlaceHolder 3"/>
+          <p:cNvPr id="792864793" name="PlaceHolder 3"/>
           <p:cNvSpPr>
             <a:spLocks noGrp="1"/>
           </p:cNvSpPr>
@@ -7334,7 +7246,7 @@
       </p:sp>
       <p:sp>
         <p:nvSpPr>
-          <p:cNvPr id="1458727906" name="PlaceHolder 4"/>
+          <p:cNvPr id="1384167590" name="PlaceHolder 4"/>
           <p:cNvSpPr>
             <a:spLocks noGrp="1"/>
           </p:cNvSpPr>
@@ -7360,7 +7272,7 @@
       </p:sp>
       <p:sp>
         <p:nvSpPr>
-          <p:cNvPr id="1661695535" name="PlaceHolder 5"/>
+          <p:cNvPr id="1551460321" name="PlaceHolder 5"/>
           <p:cNvSpPr>
             <a:spLocks noGrp="1"/>
           </p:cNvSpPr>
@@ -7386,7 +7298,7 @@
       </p:sp>
       <p:sp>
         <p:nvSpPr>
-          <p:cNvPr id="1365474137" name="PlaceHolder 6"/>
+          <p:cNvPr id="261032816" name="PlaceHolder 6"/>
           <p:cNvSpPr>
             <a:spLocks noGrp="1"/>
           </p:cNvSpPr>
@@ -7433,7 +7345,7 @@
       </p:grpSpPr>
       <p:sp>
         <p:nvSpPr>
-          <p:cNvPr id="951066362" name="PlaceHolder 1"/>
+          <p:cNvPr id="217998949" name="PlaceHolder 1"/>
           <p:cNvSpPr>
             <a:spLocks noGrp="1"/>
           </p:cNvSpPr>
@@ -7459,7 +7371,7 @@
       </p:sp>
       <p:sp>
         <p:nvSpPr>
-          <p:cNvPr id="418745204" name="PlaceHolder 2"/>
+          <p:cNvPr id="1086760593" name="PlaceHolder 2"/>
           <p:cNvSpPr>
             <a:spLocks noGrp="1"/>
           </p:cNvSpPr>
@@ -7485,7 +7397,7 @@
       </p:sp>
       <p:sp>
         <p:nvSpPr>
-          <p:cNvPr id="138984251" name="PlaceHolder 3"/>
+          <p:cNvPr id="1383830821" name="PlaceHolder 3"/>
           <p:cNvSpPr>
             <a:spLocks noGrp="1"/>
           </p:cNvSpPr>
@@ -7539,7 +7451,7 @@
       </p:grpSpPr>
       <p:sp>
         <p:nvSpPr>
-          <p:cNvPr id="41550266" name="PlaceHolder 1"/>
+          <p:cNvPr id="937224896" name="PlaceHolder 1"/>
           <p:cNvSpPr>
             <a:spLocks noGrp="1"/>
           </p:cNvSpPr>
@@ -7594,7 +7506,7 @@
       </p:sp>
       <p:sp>
         <p:nvSpPr>
-          <p:cNvPr id="997630357" name="PlaceHolder 2"/>
+          <p:cNvPr id="1111735393" name="PlaceHolder 2"/>
           <p:cNvSpPr>
             <a:spLocks noGrp="1"/>
           </p:cNvSpPr>
@@ -7667,7 +7579,7 @@
       </p:sp>
       <p:sp>
         <p:nvSpPr>
-          <p:cNvPr id="2025791786" name="PlaceHolder 3"/>
+          <p:cNvPr id="1528090516" name="PlaceHolder 3"/>
           <p:cNvSpPr>
             <a:spLocks noGrp="1"/>
           </p:cNvSpPr>
@@ -7723,7 +7635,7 @@
       </p:sp>
       <p:sp>
         <p:nvSpPr>
-          <p:cNvPr id="643672109" name="PlaceHolder 4"/>
+          <p:cNvPr id="925677668" name="PlaceHolder 4"/>
           <p:cNvSpPr>
             <a:spLocks noGrp="1"/>
           </p:cNvSpPr>
@@ -7796,7 +7708,7 @@
       </p:sp>
       <p:sp>
         <p:nvSpPr>
-          <p:cNvPr id="739744926" name="PlaceHolder 5"/>
+          <p:cNvPr id="1538236687" name="PlaceHolder 5"/>
           <p:cNvSpPr>
             <a:spLocks noGrp="1"/>
           </p:cNvSpPr>
@@ -8329,7 +8241,7 @@
       </p:grpSpPr>
       <p:sp>
         <p:nvSpPr>
-          <p:cNvPr id="1283429698" name="PlaceHolder 1"/>
+          <p:cNvPr id="1378939312" name="PlaceHolder 1"/>
           <p:cNvSpPr>
             <a:spLocks noGrp="1"/>
           </p:cNvSpPr>
@@ -8384,7 +8296,7 @@
       </p:sp>
       <p:sp>
         <p:nvSpPr>
-          <p:cNvPr id="789266560" name="PlaceHolder 2"/>
+          <p:cNvPr id="1071754492" name="PlaceHolder 2"/>
           <p:cNvSpPr>
             <a:spLocks noGrp="1"/>
           </p:cNvSpPr>
@@ -8574,7 +8486,7 @@
       </p:sp>
       <p:sp>
         <p:nvSpPr>
-          <p:cNvPr id="905630953" name="PlaceHolder 3"/>
+          <p:cNvPr id="1606238473" name="PlaceHolder 3"/>
           <p:cNvSpPr>
             <a:spLocks noGrp="1"/>
           </p:cNvSpPr>
@@ -8635,7 +8547,7 @@
       </p:sp>
       <p:sp>
         <p:nvSpPr>
-          <p:cNvPr id="786923041" name="PlaceHolder 4"/>
+          <p:cNvPr id="805918396" name="PlaceHolder 4"/>
           <p:cNvSpPr>
             <a:spLocks noGrp="1"/>
           </p:cNvSpPr>
@@ -8708,7 +8620,7 @@
       </p:sp>
       <p:sp>
         <p:nvSpPr>
-          <p:cNvPr id="1815892170" name="PlaceHolder 5"/>
+          <p:cNvPr id="1041660225" name="PlaceHolder 5"/>
           <p:cNvSpPr>
             <a:spLocks noGrp="1"/>
           </p:cNvSpPr>
@@ -8764,7 +8676,7 @@
       </p:sp>
       <p:sp>
         <p:nvSpPr>
-          <p:cNvPr id="1495725896" name="PlaceHolder 6"/>
+          <p:cNvPr id="1198371214" name="PlaceHolder 6"/>
           <p:cNvSpPr>
             <a:spLocks noGrp="1"/>
           </p:cNvSpPr>
@@ -9150,7 +9062,7 @@
       </p:grpSpPr>
       <p:sp>
         <p:nvSpPr>
-          <p:cNvPr id="440458903" name="PlaceHolder 1"/>
+          <p:cNvPr id="668161573" name="PlaceHolder 1"/>
           <p:cNvSpPr>
             <a:spLocks noGrp="1"/>
           </p:cNvSpPr>
@@ -9205,7 +9117,7 @@
       </p:sp>
       <p:sp>
         <p:nvSpPr>
-          <p:cNvPr id="373153648" name="PlaceHolder 2"/>
+          <p:cNvPr id="510019576" name="PlaceHolder 2"/>
           <p:cNvSpPr>
             <a:spLocks noGrp="1"/>
           </p:cNvSpPr>
@@ -9263,7 +9175,7 @@
       </p:sp>
       <p:sp>
         <p:nvSpPr>
-          <p:cNvPr id="429334194" name="PlaceHolder 3"/>
+          <p:cNvPr id="526809472" name="PlaceHolder 3"/>
           <p:cNvSpPr>
             <a:spLocks noGrp="1"/>
           </p:cNvSpPr>
@@ -9324,7 +9236,7 @@
       </p:sp>
       <p:sp>
         <p:nvSpPr>
-          <p:cNvPr id="236314220" name="PlaceHolder 4"/>
+          <p:cNvPr id="1909201863" name="PlaceHolder 4"/>
           <p:cNvSpPr>
             <a:spLocks noGrp="1"/>
           </p:cNvSpPr>
@@ -9397,7 +9309,7 @@
       </p:sp>
       <p:sp>
         <p:nvSpPr>
-          <p:cNvPr id="954896903" name="PlaceHolder 5"/>
+          <p:cNvPr id="196123624" name="PlaceHolder 5"/>
           <p:cNvSpPr>
             <a:spLocks noGrp="1"/>
           </p:cNvSpPr>
@@ -9453,7 +9365,7 @@
       </p:sp>
       <p:sp>
         <p:nvSpPr>
-          <p:cNvPr id="1692598432" name="PlaceHolder 6"/>
+          <p:cNvPr id="974304833" name="PlaceHolder 6"/>
           <p:cNvSpPr>
             <a:spLocks noGrp="1"/>
           </p:cNvSpPr>
@@ -9839,7 +9751,7 @@
       </p:grpSpPr>
       <p:sp>
         <p:nvSpPr>
-          <p:cNvPr id="1271359297" name="PlaceHolder 1"/>
+          <p:cNvPr id="1149323311" name="PlaceHolder 1"/>
           <p:cNvSpPr>
             <a:spLocks noGrp="1"/>
           </p:cNvSpPr>
@@ -9894,7 +9806,7 @@
       </p:sp>
       <p:sp>
         <p:nvSpPr>
-          <p:cNvPr id="523736731" name="PlaceHolder 2"/>
+          <p:cNvPr id="1310735974" name="PlaceHolder 2"/>
           <p:cNvSpPr>
             <a:spLocks noGrp="1"/>
           </p:cNvSpPr>
@@ -10084,7 +9996,7 @@
       </p:sp>
       <p:sp>
         <p:nvSpPr>
-          <p:cNvPr id="2000956439" name="PlaceHolder 3"/>
+          <p:cNvPr id="1315414893" name="PlaceHolder 3"/>
           <p:cNvSpPr>
             <a:spLocks noGrp="1"/>
           </p:cNvSpPr>
@@ -10157,7 +10069,7 @@
       </p:sp>
       <p:sp>
         <p:nvSpPr>
-          <p:cNvPr id="289427574" name="PlaceHolder 4"/>
+          <p:cNvPr id="394866992" name="PlaceHolder 4"/>
           <p:cNvSpPr>
             <a:spLocks noGrp="1"/>
           </p:cNvSpPr>
@@ -10213,7 +10125,7 @@
       </p:sp>
       <p:sp>
         <p:nvSpPr>
-          <p:cNvPr id="460505250" name="PlaceHolder 5"/>
+          <p:cNvPr id="723511143" name="PlaceHolder 5"/>
           <p:cNvSpPr>
             <a:spLocks noGrp="1"/>
           </p:cNvSpPr>
@@ -10602,7 +10514,7 @@
       </p:grpSpPr>
       <p:sp>
         <p:nvSpPr>
-          <p:cNvPr id="1226437060" name="PlaceHolder 1"/>
+          <p:cNvPr id="465694212" name="PlaceHolder 1"/>
           <p:cNvSpPr>
             <a:spLocks noGrp="1"/>
           </p:cNvSpPr>
@@ -10657,7 +10569,7 @@
       </p:sp>
       <p:sp>
         <p:nvSpPr>
-          <p:cNvPr id="2098634172" name="PlaceHolder 2"/>
+          <p:cNvPr id="996400971" name="PlaceHolder 2"/>
           <p:cNvSpPr>
             <a:spLocks noGrp="1"/>
           </p:cNvSpPr>
@@ -10847,7 +10759,7 @@
       </p:sp>
       <p:sp>
         <p:nvSpPr>
-          <p:cNvPr id="2037416039" name="PlaceHolder 3"/>
+          <p:cNvPr id="287917214" name="PlaceHolder 3"/>
           <p:cNvSpPr>
             <a:spLocks noGrp="1"/>
           </p:cNvSpPr>
@@ -10920,7 +10832,7 @@
       </p:sp>
       <p:sp>
         <p:nvSpPr>
-          <p:cNvPr id="1798253806" name="PlaceHolder 4"/>
+          <p:cNvPr id="1543403417" name="PlaceHolder 4"/>
           <p:cNvSpPr>
             <a:spLocks noGrp="1"/>
           </p:cNvSpPr>
@@ -10976,7 +10888,7 @@
       </p:sp>
       <p:sp>
         <p:nvSpPr>
-          <p:cNvPr id="806325660" name="PlaceHolder 5"/>
+          <p:cNvPr id="2024683093" name="PlaceHolder 5"/>
           <p:cNvSpPr>
             <a:spLocks noGrp="1"/>
           </p:cNvSpPr>
@@ -11362,7 +11274,7 @@
       </p:grpSpPr>
       <p:sp>
         <p:nvSpPr>
-          <p:cNvPr id="705116485" name="PlaceHolder 1"/>
+          <p:cNvPr id="850318326" name="PlaceHolder 1"/>
           <p:cNvSpPr>
             <a:spLocks noGrp="1"/>
           </p:cNvSpPr>
@@ -11417,7 +11329,7 @@
       </p:sp>
       <p:sp>
         <p:nvSpPr>
-          <p:cNvPr id="1496262661" name="PlaceHolder 2"/>
+          <p:cNvPr id="814503799" name="PlaceHolder 2"/>
           <p:cNvSpPr>
             <a:spLocks noGrp="1"/>
           </p:cNvSpPr>
@@ -11607,7 +11519,7 @@
       </p:sp>
       <p:sp>
         <p:nvSpPr>
-          <p:cNvPr id="874992681" name="PlaceHolder 3"/>
+          <p:cNvPr id="395052725" name="PlaceHolder 3"/>
           <p:cNvSpPr>
             <a:spLocks noGrp="1"/>
           </p:cNvSpPr>
@@ -11680,7 +11592,7 @@
       </p:sp>
       <p:sp>
         <p:nvSpPr>
-          <p:cNvPr id="1431930184" name="PlaceHolder 4"/>
+          <p:cNvPr id="596417272" name="PlaceHolder 4"/>
           <p:cNvSpPr>
             <a:spLocks noGrp="1"/>
           </p:cNvSpPr>
@@ -11736,7 +11648,7 @@
       </p:sp>
       <p:sp>
         <p:nvSpPr>
-          <p:cNvPr id="1506871991" name="PlaceHolder 5"/>
+          <p:cNvPr id="356954818" name="PlaceHolder 5"/>
           <p:cNvSpPr>
             <a:spLocks noGrp="1"/>
           </p:cNvSpPr>
@@ -12122,7 +12034,7 @@
       </p:grpSpPr>
       <p:sp>
         <p:nvSpPr>
-          <p:cNvPr id="589981084" name="PlaceHolder 1"/>
+          <p:cNvPr id="1285172711" name="PlaceHolder 1"/>
           <p:cNvSpPr>
             <a:spLocks noGrp="1"/>
           </p:cNvSpPr>
@@ -12177,7 +12089,7 @@
       </p:sp>
       <p:sp>
         <p:nvSpPr>
-          <p:cNvPr id="137752949" name="PlaceHolder 2"/>
+          <p:cNvPr id="1916174129" name="PlaceHolder 2"/>
           <p:cNvSpPr>
             <a:spLocks noGrp="1"/>
           </p:cNvSpPr>
@@ -12240,7 +12152,7 @@
       </p:sp>
       <p:sp>
         <p:nvSpPr>
-          <p:cNvPr id="1145512303" name="PlaceHolder 3"/>
+          <p:cNvPr id="398770728" name="PlaceHolder 3"/>
           <p:cNvSpPr>
             <a:spLocks noGrp="1"/>
           </p:cNvSpPr>
@@ -12313,7 +12225,7 @@
       </p:sp>
       <p:sp>
         <p:nvSpPr>
-          <p:cNvPr id="174907081" name="PlaceHolder 4"/>
+          <p:cNvPr id="1952527434" name="PlaceHolder 4"/>
           <p:cNvSpPr>
             <a:spLocks noGrp="1"/>
           </p:cNvSpPr>
@@ -12369,7 +12281,7 @@
       </p:sp>
       <p:sp>
         <p:nvSpPr>
-          <p:cNvPr id="522116640" name="PlaceHolder 5"/>
+          <p:cNvPr id="1484826485" name="PlaceHolder 5"/>
           <p:cNvSpPr>
             <a:spLocks noGrp="1"/>
           </p:cNvSpPr>
@@ -12755,7 +12667,7 @@
       </p:grpSpPr>
       <p:sp>
         <p:nvSpPr>
-          <p:cNvPr id="2047592246" name="PlaceHolder 1"/>
+          <p:cNvPr id="112160303" name="PlaceHolder 1"/>
           <p:cNvSpPr>
             <a:spLocks noGrp="1"/>
           </p:cNvSpPr>
@@ -12810,7 +12722,7 @@
       </p:sp>
       <p:sp>
         <p:nvSpPr>
-          <p:cNvPr id="1857944656" name="PlaceHolder 2"/>
+          <p:cNvPr id="365257066" name="PlaceHolder 2"/>
           <p:cNvSpPr>
             <a:spLocks noGrp="1"/>
           </p:cNvSpPr>
@@ -13000,7 +12912,7 @@
       </p:sp>
       <p:sp>
         <p:nvSpPr>
-          <p:cNvPr id="1112648363" name="PlaceHolder 3"/>
+          <p:cNvPr id="1315131591" name="PlaceHolder 3"/>
           <p:cNvSpPr>
             <a:spLocks noGrp="1"/>
           </p:cNvSpPr>
@@ -13190,7 +13102,7 @@
       </p:sp>
       <p:sp>
         <p:nvSpPr>
-          <p:cNvPr id="1460592578" name="PlaceHolder 4"/>
+          <p:cNvPr id="403441954" name="PlaceHolder 4"/>
           <p:cNvSpPr>
             <a:spLocks noGrp="1"/>
           </p:cNvSpPr>
@@ -13263,7 +13175,7 @@
       </p:sp>
       <p:sp>
         <p:nvSpPr>
-          <p:cNvPr id="1184970306" name="PlaceHolder 5"/>
+          <p:cNvPr id="2059220179" name="PlaceHolder 5"/>
           <p:cNvSpPr>
             <a:spLocks noGrp="1"/>
           </p:cNvSpPr>
@@ -13319,7 +13231,7 @@
       </p:sp>
       <p:sp>
         <p:nvSpPr>
-          <p:cNvPr id="476395480" name="PlaceHolder 6"/>
+          <p:cNvPr id="1332763392" name="PlaceHolder 6"/>
           <p:cNvSpPr>
             <a:spLocks noGrp="1"/>
           </p:cNvSpPr>
@@ -13705,7 +13617,7 @@
       </p:grpSpPr>
       <p:sp>
         <p:nvSpPr>
-          <p:cNvPr id="260477799" name="PlaceHolder 1"/>
+          <p:cNvPr id="32511024" name="PlaceHolder 1"/>
           <p:cNvSpPr>
             <a:spLocks noGrp="1"/>
           </p:cNvSpPr>
@@ -13760,7 +13672,7 @@
       </p:sp>
       <p:sp>
         <p:nvSpPr>
-          <p:cNvPr id="372177432" name="PlaceHolder 2"/>
+          <p:cNvPr id="938586185" name="PlaceHolder 2"/>
           <p:cNvSpPr>
             <a:spLocks noGrp="1"/>
           </p:cNvSpPr>
@@ -13821,7 +13733,7 @@
       </p:sp>
       <p:sp>
         <p:nvSpPr>
-          <p:cNvPr id="1088151435" name="PlaceHolder 3"/>
+          <p:cNvPr id="1774368267" name="PlaceHolder 3"/>
           <p:cNvSpPr>
             <a:spLocks noGrp="1"/>
           </p:cNvSpPr>
@@ -14011,7 +13923,7 @@
       </p:sp>
       <p:sp>
         <p:nvSpPr>
-          <p:cNvPr id="521465877" name="PlaceHolder 4"/>
+          <p:cNvPr id="1070946218" name="PlaceHolder 4"/>
           <p:cNvSpPr>
             <a:spLocks noGrp="1"/>
           </p:cNvSpPr>
@@ -14072,7 +13984,7 @@
       </p:sp>
       <p:sp>
         <p:nvSpPr>
-          <p:cNvPr id="782933709" name="PlaceHolder 5"/>
+          <p:cNvPr id="596590949" name="PlaceHolder 5"/>
           <p:cNvSpPr>
             <a:spLocks noGrp="1"/>
           </p:cNvSpPr>
@@ -14262,7 +14174,7 @@
       </p:sp>
       <p:sp>
         <p:nvSpPr>
-          <p:cNvPr id="1104622623" name="PlaceHolder 6"/>
+          <p:cNvPr id="2060296316" name="PlaceHolder 6"/>
           <p:cNvSpPr>
             <a:spLocks noGrp="1"/>
           </p:cNvSpPr>
@@ -14335,7 +14247,7 @@
       </p:sp>
       <p:sp>
         <p:nvSpPr>
-          <p:cNvPr id="1840051388" name="PlaceHolder 7"/>
+          <p:cNvPr id="1543727925" name="PlaceHolder 7"/>
           <p:cNvSpPr>
             <a:spLocks noGrp="1"/>
           </p:cNvSpPr>
@@ -14391,7 +14303,7 @@
       </p:sp>
       <p:sp>
         <p:nvSpPr>
-          <p:cNvPr id="473029729" name="PlaceHolder 8"/>
+          <p:cNvPr id="1736464859" name="PlaceHolder 8"/>
           <p:cNvSpPr>
             <a:spLocks noGrp="1"/>
           </p:cNvSpPr>
@@ -14777,7 +14689,7 @@
       </p:grpSpPr>
       <p:sp>
         <p:nvSpPr>
-          <p:cNvPr id="2094937114" name="PlaceHolder 1"/>
+          <p:cNvPr id="368447375" name="PlaceHolder 1"/>
           <p:cNvSpPr>
             <a:spLocks noGrp="1"/>
           </p:cNvSpPr>
@@ -14832,7 +14744,7 @@
       </p:sp>
       <p:sp>
         <p:nvSpPr>
-          <p:cNvPr id="465513307" name="PlaceHolder 2"/>
+          <p:cNvPr id="586436910" name="PlaceHolder 2"/>
           <p:cNvSpPr>
             <a:spLocks noGrp="1"/>
           </p:cNvSpPr>
@@ -14905,7 +14817,7 @@
       </p:sp>
       <p:sp>
         <p:nvSpPr>
-          <p:cNvPr id="1048941615" name="PlaceHolder 3"/>
+          <p:cNvPr id="709999055" name="PlaceHolder 3"/>
           <p:cNvSpPr>
             <a:spLocks noGrp="1"/>
           </p:cNvSpPr>
@@ -14961,7 +14873,7 @@
       </p:sp>
       <p:sp>
         <p:nvSpPr>
-          <p:cNvPr id="1227590134" name="PlaceHolder 4"/>
+          <p:cNvPr id="707320154" name="PlaceHolder 4"/>
           <p:cNvSpPr>
             <a:spLocks noGrp="1"/>
           </p:cNvSpPr>
@@ -15347,7 +15259,7 @@
       </p:grpSpPr>
       <p:sp>
         <p:nvSpPr>
-          <p:cNvPr id="720582482" name="PlaceHolder 1"/>
+          <p:cNvPr id="279140945" name="PlaceHolder 1"/>
           <p:cNvSpPr>
             <a:spLocks noGrp="1"/>
           </p:cNvSpPr>
@@ -15420,7 +15332,7 @@
       </p:sp>
       <p:sp>
         <p:nvSpPr>
-          <p:cNvPr id="561152338" name="PlaceHolder 2"/>
+          <p:cNvPr id="431482110" name="PlaceHolder 2"/>
           <p:cNvSpPr>
             <a:spLocks noGrp="1"/>
           </p:cNvSpPr>
@@ -15476,7 +15388,7 @@
       </p:sp>
       <p:sp>
         <p:nvSpPr>
-          <p:cNvPr id="664509672" name="PlaceHolder 3"/>
+          <p:cNvPr id="944622850" name="PlaceHolder 3"/>
           <p:cNvSpPr>
             <a:spLocks noGrp="1"/>
           </p:cNvSpPr>
@@ -15862,7 +15774,7 @@
       </p:grpSpPr>
       <p:pic>
         <p:nvPicPr>
-          <p:cNvPr id="1192132660" name="Picture 5" descr="An abstract genetic concept"/>
+          <p:cNvPr id="1368540792" name="Picture 5" descr="An abstract genetic concept"/>
           <p:cNvPicPr>
             <a:picLocks noChangeAspect="1"/>
           </p:cNvPicPr>
@@ -15887,7 +15799,7 @@
       </p:pic>
       <p:sp>
         <p:nvSpPr>
-          <p:cNvPr id="2104258925" name="PlaceHolder 1"/>
+          <p:cNvPr id="395569572" name="PlaceHolder 1"/>
           <p:cNvSpPr>
             <a:spLocks noGrp="1"/>
           </p:cNvSpPr>
@@ -15943,7 +15855,7 @@
       </p:sp>
       <p:sp>
         <p:nvSpPr>
-          <p:cNvPr id="842288307" name="PlaceHolder 2"/>
+          <p:cNvPr id="1404221795" name="PlaceHolder 2"/>
           <p:cNvSpPr>
             <a:spLocks noGrp="1"/>
           </p:cNvSpPr>
@@ -16015,7 +15927,7 @@
       </p:sp>
       <p:sp>
         <p:nvSpPr>
-          <p:cNvPr id="1671675597" name="Rectangle 1071126831"/>
+          <p:cNvPr id="311839495" name="Rectangle 1071126831"/>
           <p:cNvSpPr/>
           <p:nvPr/>
         </p:nvSpPr>
@@ -16060,7 +15972,7 @@
       </p:sp>
       <p:pic>
         <p:nvPicPr>
-          <p:cNvPr id="1904123020" name="Picture 745174678"/>
+          <p:cNvPr id="1279037089" name="Picture 745174678"/>
           <p:cNvPicPr/>
           <p:nvPr/>
         </p:nvPicPr>
@@ -16083,7 +15995,7 @@
       </p:pic>
       <p:pic>
         <p:nvPicPr>
-          <p:cNvPr id="549286991" name="Picture 910510456"/>
+          <p:cNvPr id="1762906505" name="Picture 910510456"/>
           <p:cNvPicPr/>
           <p:nvPr/>
         </p:nvPicPr>
@@ -16106,7 +16018,7 @@
       </p:pic>
       <p:pic>
         <p:nvPicPr>
-          <p:cNvPr id="1987623420" name="Picture 1024654934"/>
+          <p:cNvPr id="1339603751" name="Picture 1024654934"/>
           <p:cNvPicPr>
             <a:picLocks noChangeAspect="1"/>
           </p:cNvPicPr>
@@ -16128,7 +16040,7 @@
       </p:pic>
       <p:pic>
         <p:nvPicPr>
-          <p:cNvPr id="1295092991" name="Picture 12" descr="A black and orange text&#10;&#10;AI-generated content may be incorrect."/>
+          <p:cNvPr id="286940274" name="Picture 12" descr="A black and orange text&#10;&#10;AI-generated content may be incorrect."/>
           <p:cNvPicPr>
             <a:picLocks noChangeAspect="1"/>
           </p:cNvPicPr>
@@ -16184,7 +16096,7 @@
       </p:grpSpPr>
       <p:sp>
         <p:nvSpPr>
-          <p:cNvPr id="876488695" name="PlaceHolder 1"/>
+          <p:cNvPr id="1675924972" name="PlaceHolder 1"/>
           <p:cNvSpPr>
             <a:spLocks noGrp="1"/>
           </p:cNvSpPr>
@@ -16237,7 +16149,7 @@
       </p:sp>
       <p:sp>
         <p:nvSpPr>
-          <p:cNvPr id="95488251" name="PlaceHolder 2"/>
+          <p:cNvPr id="138103391" name="PlaceHolder 2"/>
           <p:cNvSpPr>
             <a:spLocks noGrp="1"/>
           </p:cNvSpPr>
@@ -16263,7 +16175,7 @@
       </p:sp>
       <p:sp>
         <p:nvSpPr>
-          <p:cNvPr id="1528954780" name="TextBox 591244741"/>
+          <p:cNvPr id="1727756697" name="TextBox 591244741"/>
           <p:cNvSpPr txBox="1"/>
           <p:nvPr/>
         </p:nvSpPr>
@@ -16849,7 +16761,7 @@
       </p:grpSpPr>
       <p:sp>
         <p:nvSpPr>
-          <p:cNvPr id="1188182559" name="PlaceHolder 1"/>
+          <p:cNvPr id="404669367" name="PlaceHolder 1"/>
           <p:cNvSpPr>
             <a:spLocks noGrp="1"/>
           </p:cNvSpPr>
@@ -16902,7 +16814,7 @@
       </p:sp>
       <p:sp>
         <p:nvSpPr>
-          <p:cNvPr id="1099973931" name="PlaceHolder 2"/>
+          <p:cNvPr id="1950902759" name="PlaceHolder 2"/>
           <p:cNvSpPr>
             <a:spLocks noGrp="1"/>
           </p:cNvSpPr>
@@ -16928,7 +16840,7 @@
       </p:sp>
       <p:sp>
         <p:nvSpPr>
-          <p:cNvPr id="2138441786" name="TextBox 591244741"/>
+          <p:cNvPr id="1283355023" name="TextBox 591244741"/>
           <p:cNvSpPr txBox="1"/>
           <p:nvPr/>
         </p:nvSpPr>
@@ -17576,7 +17488,7 @@
       </p:grpSpPr>
       <p:sp>
         <p:nvSpPr>
-          <p:cNvPr id="1804071987" name="PlaceHolder 1"/>
+          <p:cNvPr id="1161530485" name="PlaceHolder 1"/>
           <p:cNvSpPr>
             <a:spLocks noGrp="1"/>
           </p:cNvSpPr>
@@ -17629,7 +17541,7 @@
       </p:sp>
       <p:sp>
         <p:nvSpPr>
-          <p:cNvPr id="1213232437" name="PlaceHolder 2"/>
+          <p:cNvPr id="1177680326" name="PlaceHolder 2"/>
           <p:cNvSpPr>
             <a:spLocks noGrp="1"/>
           </p:cNvSpPr>
@@ -17655,7 +17567,7 @@
       </p:sp>
       <p:sp>
         <p:nvSpPr>
-          <p:cNvPr id="1414285598" name="TextBox 591244741"/>
+          <p:cNvPr id="363793603" name="TextBox 591244741"/>
           <p:cNvSpPr txBox="1"/>
           <p:nvPr/>
         </p:nvSpPr>
@@ -18385,7 +18297,7 @@
       </p:grpSpPr>
       <p:sp>
         <p:nvSpPr>
-          <p:cNvPr id="1999687190" name="PlaceHolder 1"/>
+          <p:cNvPr id="1715665175" name="PlaceHolder 1"/>
           <p:cNvSpPr>
             <a:spLocks noGrp="1"/>
           </p:cNvSpPr>
@@ -18438,7 +18350,7 @@
       </p:sp>
       <p:sp>
         <p:nvSpPr>
-          <p:cNvPr id="2084126880" name="PlaceHolder 2"/>
+          <p:cNvPr id="1539230826" name="PlaceHolder 2"/>
           <p:cNvSpPr>
             <a:spLocks noGrp="1"/>
           </p:cNvSpPr>
@@ -18464,14 +18376,14 @@
       </p:sp>
       <p:sp>
         <p:nvSpPr>
-          <p:cNvPr id="358006765" name="TextBox 591244741"/>
+          <p:cNvPr id="1513686133" name="TextBox 591244741"/>
           <p:cNvSpPr txBox="1"/>
           <p:nvPr/>
         </p:nvSpPr>
         <p:spPr bwMode="auto">
           <a:xfrm>
             <a:off x="355907" y="1186294"/>
-            <a:ext cx="11283377" cy="3444599"/>
+            <a:ext cx="11283376" cy="3444598"/>
           </a:xfrm>
           <a:prstGeom prst="rect">
             <a:avLst/>
@@ -18758,7 +18670,7 @@
       </p:sp>
       <p:sp>
         <p:nvSpPr>
-          <p:cNvPr id="292525071" name=""/>
+          <p:cNvPr id="1469766415" name=""/>
           <p:cNvSpPr txBox="1"/>
           <p:nvPr/>
         </p:nvSpPr>
@@ -18790,7 +18702,7 @@
       </p:sp>
       <p:sp>
         <p:nvSpPr>
-          <p:cNvPr id="1676263994" name=""/>
+          <p:cNvPr id="224048245" name=""/>
           <p:cNvSpPr txBox="1"/>
           <p:nvPr/>
         </p:nvSpPr>
@@ -18835,7 +18747,7 @@
       </p:sp>
       <p:sp>
         <p:nvSpPr>
-          <p:cNvPr id="1505628246" name=""/>
+          <p:cNvPr id="2019253312" name=""/>
           <p:cNvSpPr txBox="1"/>
           <p:nvPr/>
         </p:nvSpPr>
@@ -18880,7 +18792,7 @@
       </p:sp>
       <p:sp>
         <p:nvSpPr>
-          <p:cNvPr id="2042191239" name=""/>
+          <p:cNvPr id="980136388" name=""/>
           <p:cNvSpPr txBox="1"/>
           <p:nvPr/>
         </p:nvSpPr>
@@ -18958,7 +18870,7 @@
       </p:grpSpPr>
       <p:sp>
         <p:nvSpPr>
-          <p:cNvPr id="1988780359" name="PlaceHolder 1"/>
+          <p:cNvPr id="280129351" name="PlaceHolder 1"/>
           <p:cNvSpPr>
             <a:spLocks noGrp="1"/>
           </p:cNvSpPr>
@@ -19011,7 +18923,7 @@
       </p:sp>
       <p:sp>
         <p:nvSpPr>
-          <p:cNvPr id="2030920106" name="PlaceHolder 2"/>
+          <p:cNvPr id="935197984" name="PlaceHolder 2"/>
           <p:cNvSpPr>
             <a:spLocks noGrp="1"/>
           </p:cNvSpPr>
@@ -19037,7 +18949,7 @@
       </p:sp>
       <p:pic>
         <p:nvPicPr>
-          <p:cNvPr id="1152061106" name="Picture 1954303987"/>
+          <p:cNvPr id="361135215" name="Picture 1954303987"/>
           <p:cNvPicPr>
             <a:picLocks noChangeAspect="1"/>
           </p:cNvPicPr>
@@ -19059,7 +18971,7 @@
       </p:pic>
       <p:pic>
         <p:nvPicPr>
-          <p:cNvPr id="1973024918" name="Picture 343467398"/>
+          <p:cNvPr id="1724400672" name="Picture 343467398"/>
           <p:cNvPicPr>
             <a:picLocks noChangeAspect="1"/>
           </p:cNvPicPr>
@@ -19081,7 +18993,7 @@
       </p:pic>
       <p:sp>
         <p:nvSpPr>
-          <p:cNvPr id="1813193340" name="TextBox 836681718"/>
+          <p:cNvPr id="186213507" name="TextBox 836681718"/>
           <p:cNvSpPr txBox="1"/>
           <p:nvPr/>
         </p:nvSpPr>
@@ -19114,7 +19026,7 @@
       </p:sp>
       <p:sp>
         <p:nvSpPr>
-          <p:cNvPr id="765945609" name="TextBox 746386045"/>
+          <p:cNvPr id="1654817365" name="TextBox 746386045"/>
           <p:cNvSpPr txBox="1"/>
           <p:nvPr/>
         </p:nvSpPr>
@@ -19147,7 +19059,7 @@
       </p:sp>
       <p:sp>
         <p:nvSpPr>
-          <p:cNvPr id="1924038861" name="TextBox 974551121"/>
+          <p:cNvPr id="829233007" name="TextBox 974551121"/>
           <p:cNvSpPr txBox="1"/>
           <p:nvPr/>
         </p:nvSpPr>
@@ -19249,7 +19161,7 @@
       </p:grpSpPr>
       <p:sp>
         <p:nvSpPr>
-          <p:cNvPr id="1416247378" name="PlaceHolder 1"/>
+          <p:cNvPr id="1517453993" name="PlaceHolder 1"/>
           <p:cNvSpPr>
             <a:spLocks noGrp="1"/>
           </p:cNvSpPr>
@@ -19302,7 +19214,7 @@
       </p:sp>
       <p:pic>
         <p:nvPicPr>
-          <p:cNvPr id="1135092679" name="Graphic 1368692373"/>
+          <p:cNvPr id="1834759948" name="Graphic 1368692373"/>
           <p:cNvPicPr>
             <a:picLocks noChangeAspect="1"/>
           </p:cNvPicPr>
@@ -19330,7 +19242,7 @@
       </p:pic>
       <p:pic>
         <p:nvPicPr>
-          <p:cNvPr id="1569860590" name="Graphic 1822922562"/>
+          <p:cNvPr id="1548518653" name="Graphic 1822922562"/>
           <p:cNvPicPr>
             <a:picLocks noChangeAspect="1"/>
           </p:cNvPicPr>
@@ -19358,7 +19270,7 @@
       </p:pic>
       <p:sp>
         <p:nvSpPr>
-          <p:cNvPr id="23081157" name="TextBox 1134957037"/>
+          <p:cNvPr id="1681747694" name="TextBox 1134957037"/>
           <p:cNvSpPr txBox="1"/>
           <p:nvPr/>
         </p:nvSpPr>
@@ -19401,7 +19313,7 @@
       </p:sp>
       <p:sp>
         <p:nvSpPr>
-          <p:cNvPr id="1306182809" name="TextBox 1426287531"/>
+          <p:cNvPr id="710384267" name="TextBox 1426287531"/>
           <p:cNvSpPr txBox="1"/>
           <p:nvPr/>
         </p:nvSpPr>
@@ -19434,7 +19346,7 @@
       </p:sp>
       <p:sp>
         <p:nvSpPr>
-          <p:cNvPr id="403972451" name="TextBox 1141647377"/>
+          <p:cNvPr id="1693553202" name="TextBox 1141647377"/>
           <p:cNvSpPr txBox="1"/>
           <p:nvPr/>
         </p:nvSpPr>
@@ -19467,7 +19379,7 @@
       </p:sp>
       <p:sp>
         <p:nvSpPr>
-          <p:cNvPr id="1505230325" name="TextBox 822839750"/>
+          <p:cNvPr id="1593576659" name="TextBox 822839750"/>
           <p:cNvSpPr txBox="1"/>
           <p:nvPr/>
         </p:nvSpPr>
@@ -19500,7 +19412,7 @@
       </p:sp>
       <p:sp>
         <p:nvSpPr>
-          <p:cNvPr id="27466171" name="TextBox 623676505"/>
+          <p:cNvPr id="1757685205" name="TextBox 623676505"/>
           <p:cNvSpPr txBox="1"/>
           <p:nvPr/>
         </p:nvSpPr>
@@ -19533,7 +19445,7 @@
       </p:sp>
       <p:sp>
         <p:nvSpPr>
-          <p:cNvPr id="1550567630" name="TextBox 1736571453"/>
+          <p:cNvPr id="1439838341" name="TextBox 1736571453"/>
           <p:cNvSpPr txBox="1"/>
           <p:nvPr/>
         </p:nvSpPr>
@@ -19566,7 +19478,7 @@
       </p:sp>
       <p:pic>
         <p:nvPicPr>
-          <p:cNvPr id="497371917" name="Graphic 867315652"/>
+          <p:cNvPr id="1441592335" name="Graphic 867315652"/>
           <p:cNvPicPr>
             <a:picLocks noChangeAspect="1"/>
           </p:cNvPicPr>
@@ -19594,7 +19506,7 @@
       </p:pic>
       <p:pic>
         <p:nvPicPr>
-          <p:cNvPr id="1713966003" name="Picture 129716601"/>
+          <p:cNvPr id="1532878297" name="Picture 129716601"/>
           <p:cNvPicPr>
             <a:picLocks noChangeAspect="1"/>
           </p:cNvPicPr>
@@ -19616,7 +19528,7 @@
       </p:pic>
       <p:sp>
         <p:nvSpPr>
-          <p:cNvPr id="954696254" name="PlaceHolder 2"/>
+          <p:cNvPr id="348062006" name="PlaceHolder 2"/>
           <p:cNvSpPr>
             <a:spLocks noGrp="1"/>
           </p:cNvSpPr>
@@ -19687,7 +19599,7 @@
                                           </p:stCondLst>
                                         </p:cTn>
                                         <p:tgtEl>
-                                          <p:spTgt spid="1135092679"/>
+                                          <p:spTgt spid="1834759948"/>
                                         </p:tgtEl>
                                         <p:attrNameLst>
                                           <p:attrName>style.visibility</p:attrName>
@@ -19714,7 +19626,7 @@
                                           </p:stCondLst>
                                         </p:cTn>
                                         <p:tgtEl>
-                                          <p:spTgt spid="1569860590"/>
+                                          <p:spTgt spid="1548518653"/>
                                         </p:tgtEl>
                                         <p:attrNameLst>
                                           <p:attrName>style.visibility</p:attrName>
@@ -19741,7 +19653,7 @@
                                           </p:stCondLst>
                                         </p:cTn>
                                         <p:tgtEl>
-                                          <p:spTgt spid="23081157"/>
+                                          <p:spTgt spid="1681747694"/>
                                         </p:tgtEl>
                                         <p:attrNameLst>
                                           <p:attrName>style.visibility</p:attrName>
@@ -19768,7 +19680,7 @@
                                           </p:stCondLst>
                                         </p:cTn>
                                         <p:tgtEl>
-                                          <p:spTgt spid="1306182809"/>
+                                          <p:spTgt spid="710384267"/>
                                         </p:tgtEl>
                                         <p:attrNameLst>
                                           <p:attrName>style.visibility</p:attrName>
@@ -19813,7 +19725,7 @@
                                           </p:stCondLst>
                                         </p:cTn>
                                         <p:tgtEl>
-                                          <p:spTgt spid="403972451"/>
+                                          <p:spTgt spid="1693553202"/>
                                         </p:tgtEl>
                                         <p:attrNameLst>
                                           <p:attrName>style.visibility</p:attrName>
@@ -19840,7 +19752,7 @@
                                           </p:stCondLst>
                                         </p:cTn>
                                         <p:tgtEl>
-                                          <p:spTgt spid="1505230325"/>
+                                          <p:spTgt spid="1593576659"/>
                                         </p:tgtEl>
                                         <p:attrNameLst>
                                           <p:attrName>style.visibility</p:attrName>
@@ -19867,7 +19779,7 @@
                                           </p:stCondLst>
                                         </p:cTn>
                                         <p:tgtEl>
-                                          <p:spTgt spid="497371917"/>
+                                          <p:spTgt spid="1441592335"/>
                                         </p:tgtEl>
                                         <p:attrNameLst>
                                           <p:attrName>style.visibility</p:attrName>
@@ -19912,7 +19824,7 @@
                                           </p:stCondLst>
                                         </p:cTn>
                                         <p:tgtEl>
-                                          <p:spTgt spid="1550567630"/>
+                                          <p:spTgt spid="1439838341"/>
                                         </p:tgtEl>
                                         <p:attrNameLst>
                                           <p:attrName>style.visibility</p:attrName>
@@ -19939,7 +19851,7 @@
                                           </p:stCondLst>
                                         </p:cTn>
                                         <p:tgtEl>
-                                          <p:spTgt spid="1713966003"/>
+                                          <p:spTgt spid="1532878297"/>
                                         </p:tgtEl>
                                         <p:attrNameLst>
                                           <p:attrName>style.visibility</p:attrName>
@@ -19966,7 +19878,7 @@
                                           </p:stCondLst>
                                         </p:cTn>
                                         <p:tgtEl>
-                                          <p:spTgt spid="27466171"/>
+                                          <p:spTgt spid="1757685205"/>
                                         </p:tgtEl>
                                         <p:attrNameLst>
                                           <p:attrName>style.visibility</p:attrName>
@@ -20029,7 +19941,7 @@
       </p:grpSpPr>
       <p:sp>
         <p:nvSpPr>
-          <p:cNvPr id="1929135262" name="PlaceHolder 1"/>
+          <p:cNvPr id="436960222" name="PlaceHolder 1"/>
           <p:cNvSpPr>
             <a:spLocks noGrp="1"/>
           </p:cNvSpPr>
@@ -20082,7 +19994,7 @@
       </p:sp>
       <p:sp>
         <p:nvSpPr>
-          <p:cNvPr id="150938495" name="TextBox 882841918"/>
+          <p:cNvPr id="863510395" name="TextBox 882841918"/>
           <p:cNvSpPr txBox="1"/>
           <p:nvPr/>
         </p:nvSpPr>
@@ -20173,7 +20085,7 @@
       </p:sp>
       <p:sp>
         <p:nvSpPr>
-          <p:cNvPr id="528243012" name="TextBox 1906072806"/>
+          <p:cNvPr id="365706074" name="TextBox 1906072806"/>
           <p:cNvSpPr txBox="1"/>
           <p:nvPr/>
         </p:nvSpPr>
@@ -20206,7 +20118,7 @@
       </p:sp>
       <p:sp>
         <p:nvSpPr>
-          <p:cNvPr id="1000844394" name="TextBox 1153968758"/>
+          <p:cNvPr id="1726630660" name="TextBox 1153968758"/>
           <p:cNvSpPr txBox="1"/>
           <p:nvPr/>
         </p:nvSpPr>
@@ -20239,7 +20151,7 @@
       </p:sp>
       <p:sp>
         <p:nvSpPr>
-          <p:cNvPr id="756144511" name="TextBox 1568843522"/>
+          <p:cNvPr id="804543019" name="TextBox 1568843522"/>
           <p:cNvSpPr txBox="1"/>
           <p:nvPr/>
         </p:nvSpPr>
@@ -20390,7 +20302,7 @@
       </p:sp>
       <p:sp>
         <p:nvSpPr>
-          <p:cNvPr id="420580877" name="TextBox 1447508528"/>
+          <p:cNvPr id="1869972039" name="TextBox 1447508528"/>
           <p:cNvSpPr txBox="1"/>
           <p:nvPr/>
         </p:nvSpPr>
@@ -20423,7 +20335,7 @@
       </p:sp>
       <p:sp>
         <p:nvSpPr>
-          <p:cNvPr id="115179236" name="TextBox 1662453316"/>
+          <p:cNvPr id="1862604774" name="TextBox 1662453316"/>
           <p:cNvSpPr txBox="1"/>
           <p:nvPr/>
         </p:nvSpPr>
@@ -20456,7 +20368,7 @@
       </p:sp>
       <p:sp>
         <p:nvSpPr>
-          <p:cNvPr id="1513787953" name="PlaceHolder 2"/>
+          <p:cNvPr id="856440591" name="PlaceHolder 2"/>
           <p:cNvSpPr>
             <a:spLocks noGrp="1"/>
           </p:cNvSpPr>
@@ -20487,7 +20399,7 @@
       </p:sp>
       <p:pic>
         <p:nvPicPr>
-          <p:cNvPr id="1617210180" name="Picture 342412150"/>
+          <p:cNvPr id="1912592107" name="Picture 342412150"/>
           <p:cNvPicPr>
             <a:picLocks noChangeAspect="1"/>
           </p:cNvPicPr>
@@ -20509,7 +20421,7 @@
       </p:pic>
       <p:pic>
         <p:nvPicPr>
-          <p:cNvPr id="683185199" name="Picture 1997631355"/>
+          <p:cNvPr id="321272939" name="Picture 1997631355"/>
           <p:cNvPicPr>
             <a:picLocks noChangeAspect="1"/>
           </p:cNvPicPr>
@@ -20579,7 +20491,7 @@
                                           </p:stCondLst>
                                         </p:cTn>
                                         <p:tgtEl>
-                                          <p:spTgt spid="150938495"/>
+                                          <p:spTgt spid="863510395"/>
                                         </p:tgtEl>
                                         <p:attrNameLst>
                                           <p:attrName>style.visibility</p:attrName>
@@ -20606,7 +20518,7 @@
                                           </p:stCondLst>
                                         </p:cTn>
                                         <p:tgtEl>
-                                          <p:spTgt spid="528243012"/>
+                                          <p:spTgt spid="365706074"/>
                                         </p:tgtEl>
                                         <p:attrNameLst>
                                           <p:attrName>style.visibility</p:attrName>
@@ -20651,7 +20563,7 @@
                                           </p:stCondLst>
                                         </p:cTn>
                                         <p:tgtEl>
-                                          <p:spTgt spid="1000844394"/>
+                                          <p:spTgt spid="1726630660"/>
                                         </p:tgtEl>
                                         <p:attrNameLst>
                                           <p:attrName>style.visibility</p:attrName>
@@ -20678,7 +20590,7 @@
                                           </p:stCondLst>
                                         </p:cTn>
                                         <p:tgtEl>
-                                          <p:spTgt spid="756144511"/>
+                                          <p:spTgt spid="804543019"/>
                                         </p:tgtEl>
                                         <p:attrNameLst>
                                           <p:attrName>style.visibility</p:attrName>
@@ -20723,7 +20635,7 @@
                                           </p:stCondLst>
                                         </p:cTn>
                                         <p:tgtEl>
-                                          <p:spTgt spid="115179236"/>
+                                          <p:spTgt spid="1862604774"/>
                                         </p:tgtEl>
                                         <p:attrNameLst>
                                           <p:attrName>style.visibility</p:attrName>
@@ -20750,7 +20662,7 @@
                                           </p:stCondLst>
                                         </p:cTn>
                                         <p:tgtEl>
-                                          <p:spTgt spid="420580877"/>
+                                          <p:spTgt spid="1869972039"/>
                                         </p:tgtEl>
                                         <p:attrNameLst>
                                           <p:attrName>style.visibility</p:attrName>
@@ -20777,7 +20689,7 @@
                                           </p:stCondLst>
                                         </p:cTn>
                                         <p:tgtEl>
-                                          <p:spTgt spid="683185199"/>
+                                          <p:spTgt spid="321272939"/>
                                         </p:tgtEl>
                                         <p:attrNameLst>
                                           <p:attrName>style.visibility</p:attrName>
@@ -20840,7 +20752,7 @@
       </p:grpSpPr>
       <p:sp>
         <p:nvSpPr>
-          <p:cNvPr id="782100339" name="PlaceHolder 1"/>
+          <p:cNvPr id="1117844110" name="PlaceHolder 1"/>
           <p:cNvSpPr>
             <a:spLocks noGrp="1"/>
           </p:cNvSpPr>
@@ -20888,7 +20800,7 @@
       </p:sp>
       <p:sp>
         <p:nvSpPr>
-          <p:cNvPr id="653031726" name="Rectangle 19"/>
+          <p:cNvPr id="1558190017" name="Rectangle 19"/>
           <p:cNvSpPr/>
           <p:nvPr/>
         </p:nvSpPr>
@@ -21114,7 +21026,7 @@
       </p:sp>
       <p:sp>
         <p:nvSpPr>
-          <p:cNvPr id="1957376584" name="TextBox 5"/>
+          <p:cNvPr id="2128521326" name="TextBox 5"/>
           <p:cNvSpPr/>
           <p:nvPr/>
         </p:nvSpPr>
@@ -21175,7 +21087,7 @@
       </p:sp>
       <p:sp>
         <p:nvSpPr>
-          <p:cNvPr id="507391751" name="PlaceHolder 2"/>
+          <p:cNvPr id="1503066534" name="PlaceHolder 2"/>
           <p:cNvSpPr>
             <a:spLocks noGrp="1"/>
           </p:cNvSpPr>
@@ -21201,7 +21113,7 @@
       </p:sp>
       <p:sp>
         <p:nvSpPr>
-          <p:cNvPr id="1768468863" name="TextBox 3"/>
+          <p:cNvPr id="608819051" name="TextBox 3"/>
           <p:cNvSpPr txBox="1"/>
           <p:nvPr/>
         </p:nvSpPr>
@@ -21287,7 +21199,7 @@
       </p:grpSpPr>
       <p:sp>
         <p:nvSpPr>
-          <p:cNvPr id="440501053" name="PlaceHolder 1"/>
+          <p:cNvPr id="1628176495" name="PlaceHolder 1"/>
           <p:cNvSpPr>
             <a:spLocks noGrp="1"/>
           </p:cNvSpPr>
@@ -21334,7 +21246,7 @@
       </p:sp>
       <p:sp>
         <p:nvSpPr>
-          <p:cNvPr id="183031282" name="Rectangle 19"/>
+          <p:cNvPr id="1275446379" name="Rectangle 19"/>
           <p:cNvSpPr/>
           <p:nvPr/>
         </p:nvSpPr>
@@ -21704,7 +21616,7 @@
       </p:sp>
       <p:sp>
         <p:nvSpPr>
-          <p:cNvPr id="1979012156" name="TextBox 5"/>
+          <p:cNvPr id="1406470318" name="TextBox 5"/>
           <p:cNvSpPr/>
           <p:nvPr/>
         </p:nvSpPr>
@@ -21765,7 +21677,7 @@
       </p:sp>
       <p:sp>
         <p:nvSpPr>
-          <p:cNvPr id="1203464828" name="PlaceHolder 2"/>
+          <p:cNvPr id="1973901338" name="PlaceHolder 2"/>
           <p:cNvSpPr>
             <a:spLocks noGrp="1"/>
           </p:cNvSpPr>
@@ -21791,7 +21703,7 @@
       </p:sp>
       <p:sp>
         <p:nvSpPr>
-          <p:cNvPr id="848051467" name="TextBox 1"/>
+          <p:cNvPr id="1862415841" name="TextBox 1"/>
           <p:cNvSpPr txBox="1"/>
           <p:nvPr/>
         </p:nvSpPr>
@@ -21877,7 +21789,7 @@
       </p:grpSpPr>
       <p:sp>
         <p:nvSpPr>
-          <p:cNvPr id="380548239" name="PlaceHolder 1"/>
+          <p:cNvPr id="72955899" name="PlaceHolder 1"/>
           <p:cNvSpPr>
             <a:spLocks noGrp="1"/>
           </p:cNvSpPr>
@@ -21924,7 +21836,7 @@
       </p:sp>
       <p:sp>
         <p:nvSpPr>
-          <p:cNvPr id="348637295" name="Rectangle 19"/>
+          <p:cNvPr id="250238324" name="Rectangle 19"/>
           <p:cNvSpPr/>
           <p:nvPr/>
         </p:nvSpPr>
@@ -22446,7 +22358,7 @@
       </p:sp>
       <p:sp>
         <p:nvSpPr>
-          <p:cNvPr id="1005335502" name="TextBox 5"/>
+          <p:cNvPr id="1684953578" name="TextBox 5"/>
           <p:cNvSpPr/>
           <p:nvPr/>
         </p:nvSpPr>
@@ -22507,7 +22419,7 @@
       </p:sp>
       <p:sp>
         <p:nvSpPr>
-          <p:cNvPr id="1857194043" name="PlaceHolder 2"/>
+          <p:cNvPr id="297631055" name="PlaceHolder 2"/>
           <p:cNvSpPr>
             <a:spLocks noGrp="1"/>
           </p:cNvSpPr>
@@ -22533,7 +22445,7 @@
       </p:sp>
       <p:sp>
         <p:nvSpPr>
-          <p:cNvPr id="1978554173" name="TextBox 1"/>
+          <p:cNvPr id="767008929" name="TextBox 1"/>
           <p:cNvSpPr txBox="1"/>
           <p:nvPr/>
         </p:nvSpPr>
@@ -22626,7 +22538,7 @@
       </p:grpSpPr>
       <p:pic>
         <p:nvPicPr>
-          <p:cNvPr id="565056953" name="Picture 5" descr="An abstract genetic concept"/>
+          <p:cNvPr id="1371719112" name="Picture 5" descr="An abstract genetic concept"/>
           <p:cNvPicPr>
             <a:picLocks noChangeAspect="1"/>
           </p:cNvPicPr>
@@ -22651,7 +22563,7 @@
       </p:pic>
       <p:sp>
         <p:nvSpPr>
-          <p:cNvPr id="1520712072" name="PlaceHolder 1"/>
+          <p:cNvPr id="76743109" name="PlaceHolder 1"/>
           <p:cNvSpPr>
             <a:spLocks noGrp="1"/>
           </p:cNvSpPr>
@@ -22739,7 +22651,7 @@
       </p:grpSpPr>
       <p:sp>
         <p:nvSpPr>
-          <p:cNvPr id="1210714106" name="PlaceHolder 1"/>
+          <p:cNvPr id="485299245" name="PlaceHolder 1"/>
           <p:cNvSpPr>
             <a:spLocks noGrp="1"/>
           </p:cNvSpPr>
@@ -22786,7 +22698,7 @@
       </p:sp>
       <p:sp>
         <p:nvSpPr>
-          <p:cNvPr id="2003421050" name="Rectangle 19"/>
+          <p:cNvPr id="1504010702" name="Rectangle 19"/>
           <p:cNvSpPr/>
           <p:nvPr/>
         </p:nvSpPr>
@@ -23478,7 +23390,7 @@
       </p:sp>
       <p:sp>
         <p:nvSpPr>
-          <p:cNvPr id="1257907316" name="TextBox 5"/>
+          <p:cNvPr id="515918707" name="TextBox 5"/>
           <p:cNvSpPr/>
           <p:nvPr/>
         </p:nvSpPr>
@@ -23539,7 +23451,7 @@
       </p:sp>
       <p:sp>
         <p:nvSpPr>
-          <p:cNvPr id="1465955396" name="PlaceHolder 2"/>
+          <p:cNvPr id="1150898551" name="PlaceHolder 2"/>
           <p:cNvSpPr>
             <a:spLocks noGrp="1"/>
           </p:cNvSpPr>
@@ -23565,7 +23477,7 @@
       </p:sp>
       <p:sp>
         <p:nvSpPr>
-          <p:cNvPr id="553612719" name="TextBox 1"/>
+          <p:cNvPr id="1023096006" name="TextBox 1"/>
           <p:cNvSpPr txBox="1"/>
           <p:nvPr/>
         </p:nvSpPr>
@@ -23651,7 +23563,7 @@
       </p:grpSpPr>
       <p:sp>
         <p:nvSpPr>
-          <p:cNvPr id="89431250" name="PlaceHolder 1"/>
+          <p:cNvPr id="1525481098" name="PlaceHolder 1"/>
           <p:cNvSpPr>
             <a:spLocks noGrp="1"/>
           </p:cNvSpPr>
@@ -23698,7 +23610,7 @@
       </p:sp>
       <p:sp>
         <p:nvSpPr>
-          <p:cNvPr id="2032907068" name="Rectangle 19"/>
+          <p:cNvPr id="1334902960" name="Rectangle 19"/>
           <p:cNvSpPr/>
           <p:nvPr/>
         </p:nvSpPr>
@@ -24471,7 +24383,7 @@
       </p:sp>
       <p:sp>
         <p:nvSpPr>
-          <p:cNvPr id="1630966489" name="TextBox 5"/>
+          <p:cNvPr id="473735265" name="TextBox 5"/>
           <p:cNvSpPr/>
           <p:nvPr/>
         </p:nvSpPr>
@@ -24532,7 +24444,7 @@
       </p:sp>
       <p:sp>
         <p:nvSpPr>
-          <p:cNvPr id="696632889" name="PlaceHolder 2"/>
+          <p:cNvPr id="1376968535" name="PlaceHolder 2"/>
           <p:cNvSpPr>
             <a:spLocks noGrp="1"/>
           </p:cNvSpPr>
@@ -24558,7 +24470,7 @@
       </p:sp>
       <p:sp>
         <p:nvSpPr>
-          <p:cNvPr id="676446473" name="TextBox 1"/>
+          <p:cNvPr id="1503317756" name="TextBox 1"/>
           <p:cNvSpPr txBox="1"/>
           <p:nvPr/>
         </p:nvSpPr>
@@ -24611,7 +24523,7 @@
       </p:sp>
       <p:pic>
         <p:nvPicPr>
-          <p:cNvPr id="1699438348" name="Content Placeholder 4">
+          <p:cNvPr id="527909799" name="Content Placeholder 4">
             <a:hlinkClick r:id="rId3"/>
           </p:cNvPr>
           <p:cNvPicPr/>
@@ -24669,7 +24581,7 @@
       </p:grpSpPr>
       <p:sp>
         <p:nvSpPr>
-          <p:cNvPr id="271984719" name="PlaceHolder 1"/>
+          <p:cNvPr id="1683640378" name="PlaceHolder 1"/>
           <p:cNvSpPr>
             <a:spLocks noGrp="1"/>
           </p:cNvSpPr>
@@ -24717,7 +24629,7 @@
       </p:sp>
       <p:sp>
         <p:nvSpPr>
-          <p:cNvPr id="1000018920" name="Rectangle 19"/>
+          <p:cNvPr id="274183403" name="Rectangle 19"/>
           <p:cNvSpPr/>
           <p:nvPr/>
         </p:nvSpPr>
@@ -24968,7 +24880,7 @@
       </p:sp>
       <p:sp>
         <p:nvSpPr>
-          <p:cNvPr id="1943526488" name="TextBox 5"/>
+          <p:cNvPr id="418588664" name="TextBox 5"/>
           <p:cNvSpPr/>
           <p:nvPr/>
         </p:nvSpPr>
@@ -25029,7 +24941,7 @@
       </p:sp>
       <p:sp>
         <p:nvSpPr>
-          <p:cNvPr id="2000999885" name="PlaceHolder 2"/>
+          <p:cNvPr id="320305664" name="PlaceHolder 2"/>
           <p:cNvSpPr>
             <a:spLocks noGrp="1"/>
           </p:cNvSpPr>
@@ -25088,7 +25000,7 @@
       </p:grpSpPr>
       <p:sp>
         <p:nvSpPr>
-          <p:cNvPr id="1585142279" name="PlaceHolder 1"/>
+          <p:cNvPr id="1713526216" name="PlaceHolder 1"/>
           <p:cNvSpPr>
             <a:spLocks noGrp="1"/>
           </p:cNvSpPr>
@@ -25136,7 +25048,7 @@
       </p:sp>
       <p:sp>
         <p:nvSpPr>
-          <p:cNvPr id="16501750" name="Rectangle 19"/>
+          <p:cNvPr id="1228976839" name="Rectangle 19"/>
           <p:cNvSpPr/>
           <p:nvPr/>
         </p:nvSpPr>
@@ -25427,7 +25339,7 @@
       </p:sp>
       <p:sp>
         <p:nvSpPr>
-          <p:cNvPr id="1631502096" name="TextBox 5"/>
+          <p:cNvPr id="1564012620" name="TextBox 5"/>
           <p:cNvSpPr/>
           <p:nvPr/>
         </p:nvSpPr>
@@ -25488,7 +25400,7 @@
       </p:sp>
       <p:sp>
         <p:nvSpPr>
-          <p:cNvPr id="1481973798" name="PlaceHolder 2"/>
+          <p:cNvPr id="1661275457" name="PlaceHolder 2"/>
           <p:cNvSpPr>
             <a:spLocks noGrp="1"/>
           </p:cNvSpPr>
@@ -25547,7 +25459,7 @@
       </p:grpSpPr>
       <p:sp>
         <p:nvSpPr>
-          <p:cNvPr id="1604127524" name="PlaceHolder 1"/>
+          <p:cNvPr id="1858628421" name="PlaceHolder 1"/>
           <p:cNvSpPr>
             <a:spLocks noGrp="1"/>
           </p:cNvSpPr>
@@ -25595,7 +25507,7 @@
       </p:sp>
       <p:sp>
         <p:nvSpPr>
-          <p:cNvPr id="621513945" name="Rectangle 19"/>
+          <p:cNvPr id="1294711666" name="Rectangle 19"/>
           <p:cNvSpPr/>
           <p:nvPr/>
         </p:nvSpPr>
@@ -25922,7 +25834,7 @@
       </p:sp>
       <p:sp>
         <p:nvSpPr>
-          <p:cNvPr id="572139562" name="TextBox 5"/>
+          <p:cNvPr id="1340960909" name="TextBox 5"/>
           <p:cNvSpPr/>
           <p:nvPr/>
         </p:nvSpPr>
@@ -25983,7 +25895,7 @@
       </p:sp>
       <p:sp>
         <p:nvSpPr>
-          <p:cNvPr id="209250146" name="PlaceHolder 2"/>
+          <p:cNvPr id="1371406571" name="PlaceHolder 2"/>
           <p:cNvSpPr>
             <a:spLocks noGrp="1"/>
           </p:cNvSpPr>
@@ -26042,7 +25954,7 @@
       </p:grpSpPr>
       <p:sp>
         <p:nvSpPr>
-          <p:cNvPr id="1786225409" name="Content Placeholder 4"/>
+          <p:cNvPr id="981179867" name="Content Placeholder 4"/>
           <p:cNvSpPr>
             <a:spLocks noGrp="1"/>
           </p:cNvSpPr>
@@ -26193,7 +26105,7 @@
       </p:sp>
       <p:grpSp>
         <p:nvGrpSpPr>
-          <p:cNvPr id="1256495843" name="Group 1"/>
+          <p:cNvPr id="216017073" name="Group 1"/>
           <p:cNvGrpSpPr/>
           <p:nvPr/>
         </p:nvGrpSpPr>
@@ -26634,7 +26546,7 @@
       </p:grpSp>
       <p:sp>
         <p:nvSpPr>
-          <p:cNvPr id="1480545375" name="Content Placeholder 4"/>
+          <p:cNvPr id="1952299989" name="Content Placeholder 4"/>
           <p:cNvSpPr txBox="1"/>
           <p:nvPr/>
         </p:nvSpPr>
@@ -26907,7 +26819,7 @@
       </p:sp>
       <p:sp>
         <p:nvSpPr>
-          <p:cNvPr id="376523000" name="PlaceHolder 1"/>
+          <p:cNvPr id="1938157494" name="PlaceHolder 1"/>
           <p:cNvSpPr>
             <a:spLocks noGrp="1"/>
           </p:cNvSpPr>
@@ -26993,7 +26905,7 @@
       </p:grpSpPr>
       <p:sp>
         <p:nvSpPr>
-          <p:cNvPr id="1565369106" name="Content Placeholder 4"/>
+          <p:cNvPr id="1454003728" name="Content Placeholder 4"/>
           <p:cNvSpPr>
             <a:spLocks noGrp="1"/>
           </p:cNvSpPr>
@@ -27171,7 +27083,7 @@
       </p:sp>
       <p:pic>
         <p:nvPicPr>
-          <p:cNvPr id="1155605116" name="Picture 8"/>
+          <p:cNvPr id="176433932" name="Picture 8"/>
           <p:cNvPicPr>
             <a:picLocks noChangeAspect="1"/>
           </p:cNvPicPr>
@@ -27193,7 +27105,7 @@
       </p:pic>
       <p:sp>
         <p:nvSpPr>
-          <p:cNvPr id="1921759659" name="Content Placeholder 4"/>
+          <p:cNvPr id="1629678751" name="Content Placeholder 4"/>
           <p:cNvSpPr txBox="1"/>
           <p:nvPr/>
         </p:nvSpPr>
@@ -27397,7 +27309,7 @@
       </p:sp>
       <p:pic>
         <p:nvPicPr>
-          <p:cNvPr id="2009936725" name="Picture 2"/>
+          <p:cNvPr id="1389812613" name="Picture 2"/>
           <p:cNvPicPr>
             <a:picLocks noChangeAspect="1"/>
           </p:cNvPicPr>
@@ -27419,7 +27331,7 @@
       </p:pic>
       <p:sp>
         <p:nvSpPr>
-          <p:cNvPr id="2022626308" name="PlaceHolder 1"/>
+          <p:cNvPr id="1333565272" name="PlaceHolder 1"/>
           <p:cNvSpPr>
             <a:spLocks noGrp="1"/>
           </p:cNvSpPr>
@@ -27505,7 +27417,7 @@
       </p:grpSpPr>
       <p:sp>
         <p:nvSpPr>
-          <p:cNvPr id="185920001" name="Content Placeholder 4"/>
+          <p:cNvPr id="2882376" name="Content Placeholder 4"/>
           <p:cNvSpPr>
             <a:spLocks noGrp="1"/>
           </p:cNvSpPr>
@@ -27598,7 +27510,7 @@
       </p:sp>
       <p:pic>
         <p:nvPicPr>
-          <p:cNvPr id="1764380930" name="Picture 9"/>
+          <p:cNvPr id="82627799" name="Picture 9"/>
           <p:cNvPicPr>
             <a:picLocks noChangeAspect="1"/>
           </p:cNvPicPr>
@@ -27620,7 +27532,7 @@
       </p:pic>
       <p:sp>
         <p:nvSpPr>
-          <p:cNvPr id="1921314158" name="TextBox 10"/>
+          <p:cNvPr id="757864572" name="TextBox 10"/>
           <p:cNvSpPr txBox="1"/>
           <p:nvPr/>
         </p:nvSpPr>
@@ -27776,7 +27688,7 @@
       </p:sp>
       <p:sp>
         <p:nvSpPr>
-          <p:cNvPr id="357773597" name="TextBox 11"/>
+          <p:cNvPr id="713696531" name="TextBox 11"/>
           <p:cNvSpPr txBox="1"/>
           <p:nvPr/>
         </p:nvSpPr>
@@ -27923,7 +27835,7 @@
       </p:sp>
       <p:sp>
         <p:nvSpPr>
-          <p:cNvPr id="860339419" name="TextBox 18"/>
+          <p:cNvPr id="1697748851" name="TextBox 18"/>
           <p:cNvSpPr txBox="1"/>
           <p:nvPr/>
         </p:nvSpPr>
@@ -28087,7 +27999,7 @@
       </p:sp>
       <p:grpSp>
         <p:nvGrpSpPr>
-          <p:cNvPr id="1147882557" name="Group 14"/>
+          <p:cNvPr id="1121501748" name="Group 14"/>
           <p:cNvGrpSpPr/>
           <p:nvPr/>
         </p:nvGrpSpPr>
@@ -28383,7 +28295,7 @@
       </p:grpSp>
       <p:grpSp>
         <p:nvGrpSpPr>
-          <p:cNvPr id="1814902584" name="Group 15"/>
+          <p:cNvPr id="998601931" name="Group 15"/>
           <p:cNvGrpSpPr/>
           <p:nvPr/>
         </p:nvGrpSpPr>
@@ -28679,7 +28591,7 @@
       </p:grpSp>
       <p:pic>
         <p:nvPicPr>
-          <p:cNvPr id="1223115532" name="Picture 23"/>
+          <p:cNvPr id="607366579" name="Picture 23"/>
           <p:cNvPicPr>
             <a:picLocks noChangeAspect="1"/>
           </p:cNvPicPr>
@@ -28701,7 +28613,7 @@
       </p:pic>
       <p:pic>
         <p:nvPicPr>
-          <p:cNvPr id="1663560014" name="Picture 25"/>
+          <p:cNvPr id="1875776522" name="Picture 25"/>
           <p:cNvPicPr>
             <a:picLocks noChangeAspect="1"/>
           </p:cNvPicPr>
@@ -28723,10 +28635,10 @@
       </p:pic>
       <p:cxnSp>
         <p:nvCxnSpPr>
-          <p:cNvPr id="378519722" name="Straight Arrow Connector 27"/>
+          <p:cNvPr id="1588230199" name="Straight Arrow Connector 27"/>
           <p:cNvCxnSpPr>
-            <a:stCxn id="1223115532" idx="2"/>
-            <a:endCxn id="1663560014" idx="0"/>
+            <a:stCxn id="607366579" idx="2"/>
+            <a:endCxn id="1875776522" idx="0"/>
           </p:cNvCxnSpPr>
           <p:nvPr/>
         </p:nvCxnSpPr>
@@ -28759,7 +28671,7 @@
       </p:cxnSp>
       <p:sp>
         <p:nvSpPr>
-          <p:cNvPr id="2103269921" name="Arrow: Down 32"/>
+          <p:cNvPr id="82697577" name="Arrow: Down 32"/>
           <p:cNvSpPr/>
           <p:nvPr/>
         </p:nvSpPr>
@@ -28804,7 +28716,7 @@
       </p:sp>
       <p:sp>
         <p:nvSpPr>
-          <p:cNvPr id="242353238" name="PlaceHolder 1"/>
+          <p:cNvPr id="1197529900" name="PlaceHolder 1"/>
           <p:cNvSpPr>
             <a:spLocks noGrp="1"/>
           </p:cNvSpPr>
@@ -28897,7 +28809,7 @@
       </p:grpSpPr>
       <p:pic>
         <p:nvPicPr>
-          <p:cNvPr id="1227358191" name="Picture 5" descr="An abstract genetic concept"/>
+          <p:cNvPr id="1216572361" name="Picture 5" descr="An abstract genetic concept"/>
           <p:cNvPicPr>
             <a:picLocks noChangeAspect="1"/>
           </p:cNvPicPr>
@@ -28922,7 +28834,7 @@
       </p:pic>
       <p:sp>
         <p:nvSpPr>
-          <p:cNvPr id="1865228059" name="PlaceHolder 1"/>
+          <p:cNvPr id="120289431" name="PlaceHolder 1"/>
           <p:cNvSpPr>
             <a:spLocks noGrp="1"/>
           </p:cNvSpPr>
@@ -29009,7 +28921,7 @@
       </p:grpSpPr>
       <p:sp>
         <p:nvSpPr>
-          <p:cNvPr id="107908136" name="PlaceHolder 1"/>
+          <p:cNvPr id="157981929" name="PlaceHolder 1"/>
           <p:cNvSpPr>
             <a:spLocks noGrp="1"/>
           </p:cNvSpPr>
@@ -29062,7 +28974,7 @@
       </p:sp>
       <p:sp>
         <p:nvSpPr>
-          <p:cNvPr id="2093727507" name="PlaceHolder 2"/>
+          <p:cNvPr id="667458930" name="PlaceHolder 2"/>
           <p:cNvSpPr>
             <a:spLocks noGrp="1"/>
           </p:cNvSpPr>
@@ -29088,7 +29000,7 @@
       </p:sp>
       <p:pic>
         <p:nvPicPr>
-          <p:cNvPr id="374663635" name="Picture 368321251"/>
+          <p:cNvPr id="94447643" name="Picture 368321251"/>
           <p:cNvPicPr>
             <a:picLocks noChangeAspect="1"/>
           </p:cNvPicPr>
@@ -29110,7 +29022,7 @@
       </p:pic>
       <p:pic>
         <p:nvPicPr>
-          <p:cNvPr id="1468029744" name="Picture 517522077"/>
+          <p:cNvPr id="1457579284" name="Picture 517522077"/>
           <p:cNvPicPr>
             <a:picLocks noChangeAspect="1"/>
           </p:cNvPicPr>
@@ -29132,7 +29044,7 @@
       </p:pic>
       <p:sp>
         <p:nvSpPr>
-          <p:cNvPr id="1179407611" name="TextBox 784940588"/>
+          <p:cNvPr id="718828813" name="TextBox 784940588"/>
           <p:cNvSpPr txBox="1"/>
           <p:nvPr/>
         </p:nvSpPr>
@@ -29198,7 +29110,7 @@
       </p:grpSpPr>
       <p:sp>
         <p:nvSpPr>
-          <p:cNvPr id="1261658969" name="PlaceHolder 2"/>
+          <p:cNvPr id="508478215" name="PlaceHolder 2"/>
           <p:cNvSpPr>
             <a:spLocks noGrp="1"/>
           </p:cNvSpPr>
@@ -29224,7 +29136,7 @@
       </p:sp>
       <p:pic>
         <p:nvPicPr>
-          <p:cNvPr id="258619425" name="Picture 4"/>
+          <p:cNvPr id="1175015021" name="Picture 4"/>
           <p:cNvPicPr/>
           <p:nvPr/>
         </p:nvPicPr>
@@ -29247,7 +29159,7 @@
       </p:pic>
       <p:sp>
         <p:nvSpPr>
-          <p:cNvPr id="262451887" name="TextBox 719745741"/>
+          <p:cNvPr id="107849099" name="TextBox 719745741"/>
           <p:cNvSpPr txBox="1"/>
           <p:nvPr/>
         </p:nvSpPr>
@@ -29276,7 +29188,7 @@
       </p:sp>
       <p:sp>
         <p:nvSpPr>
-          <p:cNvPr id="1285700972" name="TextBox 922633496"/>
+          <p:cNvPr id="1965667309" name="TextBox 922633496"/>
           <p:cNvSpPr txBox="1"/>
           <p:nvPr/>
         </p:nvSpPr>
@@ -29309,7 +29221,7 @@
       </p:sp>
       <p:sp>
         <p:nvSpPr>
-          <p:cNvPr id="920840493" name="TextBox 1903888969"/>
+          <p:cNvPr id="1856708106" name="TextBox 1903888969"/>
           <p:cNvSpPr txBox="1"/>
           <p:nvPr/>
         </p:nvSpPr>
@@ -29342,7 +29254,7 @@
       </p:sp>
       <p:sp>
         <p:nvSpPr>
-          <p:cNvPr id="642850492" name="TextBox 1446094402"/>
+          <p:cNvPr id="785368645" name="TextBox 1446094402"/>
           <p:cNvSpPr txBox="1"/>
           <p:nvPr/>
         </p:nvSpPr>
@@ -29375,7 +29287,7 @@
       </p:sp>
       <p:sp>
         <p:nvSpPr>
-          <p:cNvPr id="1380198969" name="TextBox 1820946482"/>
+          <p:cNvPr id="1293462808" name="TextBox 1820946482"/>
           <p:cNvSpPr txBox="1"/>
           <p:nvPr/>
         </p:nvSpPr>
@@ -29462,7 +29374,7 @@
       </p:sp>
       <p:sp>
         <p:nvSpPr>
-          <p:cNvPr id="1451089980" name="TextBox 249367940"/>
+          <p:cNvPr id="1892398409" name="TextBox 249367940"/>
           <p:cNvSpPr txBox="1"/>
           <p:nvPr/>
         </p:nvSpPr>
@@ -29502,7 +29414,7 @@
       </p:sp>
       <p:sp>
         <p:nvSpPr>
-          <p:cNvPr id="1587282956" name="TextBox 1846481334"/>
+          <p:cNvPr id="487628432" name="TextBox 1846481334"/>
           <p:cNvSpPr txBox="1"/>
           <p:nvPr/>
         </p:nvSpPr>
@@ -29542,7 +29454,7 @@
       </p:sp>
       <p:sp>
         <p:nvSpPr>
-          <p:cNvPr id="1690216355" name="PlaceHolder 1"/>
+          <p:cNvPr id="661901260" name="PlaceHolder 1"/>
           <p:cNvSpPr>
             <a:spLocks noGrp="1"/>
           </p:cNvSpPr>
@@ -29595,7 +29507,7 @@
       </p:sp>
       <p:sp>
         <p:nvSpPr>
-          <p:cNvPr id="57968209" name="TextBox 1266433139"/>
+          <p:cNvPr id="2010739533" name="TextBox 1266433139"/>
           <p:cNvSpPr txBox="1"/>
           <p:nvPr/>
         </p:nvSpPr>
@@ -29635,7 +29547,7 @@
       </p:sp>
       <p:sp>
         <p:nvSpPr>
-          <p:cNvPr id="1276641039" name="TextBox 832191327"/>
+          <p:cNvPr id="155155513" name="TextBox 832191327"/>
           <p:cNvSpPr txBox="1"/>
           <p:nvPr/>
         </p:nvSpPr>
@@ -29708,7 +29620,7 @@
       </p:grpSpPr>
       <p:sp>
         <p:nvSpPr>
-          <p:cNvPr id="1611419126" name="TextBox 760975661"/>
+          <p:cNvPr id="1857178171" name="TextBox 760975661"/>
           <p:cNvSpPr txBox="1"/>
           <p:nvPr/>
         </p:nvSpPr>
@@ -29816,7 +29728,7 @@
       </p:sp>
       <p:sp>
         <p:nvSpPr>
-          <p:cNvPr id="241324903" name="TextBox 960114205"/>
+          <p:cNvPr id="302180926" name="TextBox 960114205"/>
           <p:cNvSpPr txBox="1"/>
           <p:nvPr/>
         </p:nvSpPr>
@@ -29995,7 +29907,7 @@
       </p:sp>
       <p:sp>
         <p:nvSpPr>
-          <p:cNvPr id="1178038091" name="TextBox 60622287"/>
+          <p:cNvPr id="2042373057" name="TextBox 60622287"/>
           <p:cNvSpPr txBox="1"/>
           <p:nvPr/>
         </p:nvSpPr>
@@ -30113,7 +30025,7 @@
       </p:sp>
       <p:sp>
         <p:nvSpPr>
-          <p:cNvPr id="1572539292" name="TextBox 865609118"/>
+          <p:cNvPr id="1558383618" name="TextBox 865609118"/>
           <p:cNvSpPr txBox="1"/>
           <p:nvPr/>
         </p:nvSpPr>
@@ -30472,7 +30384,7 @@
       </p:sp>
       <p:pic>
         <p:nvPicPr>
-          <p:cNvPr id="1338440322" name="Graphic 1231466857"/>
+          <p:cNvPr id="1785961107" name="Graphic 1231466857"/>
           <p:cNvPicPr>
             <a:picLocks noChangeAspect="1"/>
           </p:cNvPicPr>
@@ -30500,7 +30412,7 @@
       </p:pic>
       <p:sp>
         <p:nvSpPr>
-          <p:cNvPr id="1057210428" name="PlaceHolder 1"/>
+          <p:cNvPr id="444232757" name="PlaceHolder 1"/>
           <p:cNvSpPr>
             <a:spLocks noGrp="1"/>
           </p:cNvSpPr>
@@ -30553,7 +30465,7 @@
       </p:sp>
       <p:sp>
         <p:nvSpPr>
-          <p:cNvPr id="328861565" name="Arrow: Right 1923366647"/>
+          <p:cNvPr id="1660327730" name="Arrow: Right 1923366647"/>
           <p:cNvSpPr/>
           <p:nvPr/>
         </p:nvSpPr>
@@ -30598,7 +30510,7 @@
       </p:sp>
       <p:sp>
         <p:nvSpPr>
-          <p:cNvPr id="34632559" name="Arrow: Right 1872656179"/>
+          <p:cNvPr id="1300501374" name="Arrow: Right 1872656179"/>
           <p:cNvSpPr/>
           <p:nvPr/>
         </p:nvSpPr>
@@ -30643,7 +30555,7 @@
       </p:sp>
       <p:sp>
         <p:nvSpPr>
-          <p:cNvPr id="284682946" name="Arrow: Right 242985125"/>
+          <p:cNvPr id="977988770" name="Arrow: Right 242985125"/>
           <p:cNvSpPr/>
           <p:nvPr/>
         </p:nvSpPr>
@@ -30688,7 +30600,7 @@
       </p:sp>
       <p:sp>
         <p:nvSpPr>
-          <p:cNvPr id="1969853174" name="Arrow: Right 1053777977"/>
+          <p:cNvPr id="1758291185" name="Arrow: Right 1053777977"/>
           <p:cNvSpPr/>
           <p:nvPr/>
         </p:nvSpPr>
@@ -30733,7 +30645,7 @@
       </p:sp>
       <p:sp>
         <p:nvSpPr>
-          <p:cNvPr id="266671763" name="PlaceHolder 2"/>
+          <p:cNvPr id="1346884242" name="PlaceHolder 2"/>
           <p:cNvSpPr>
             <a:spLocks noGrp="1"/>
           </p:cNvSpPr>
@@ -30804,7 +30716,7 @@
                                           </p:stCondLst>
                                         </p:cTn>
                                         <p:tgtEl>
-                                          <p:spTgt spid="328861565"/>
+                                          <p:spTgt spid="1660327730"/>
                                         </p:tgtEl>
                                         <p:attrNameLst>
                                           <p:attrName>style.visibility</p:attrName>
@@ -30831,7 +30743,7 @@
                                           </p:stCondLst>
                                         </p:cTn>
                                         <p:tgtEl>
-                                          <p:spTgt spid="1178038091"/>
+                                          <p:spTgt spid="2042373057"/>
                                         </p:tgtEl>
                                         <p:attrNameLst>
                                           <p:attrName>style.visibility</p:attrName>
@@ -30876,7 +30788,7 @@
                                           </p:stCondLst>
                                         </p:cTn>
                                         <p:tgtEl>
-                                          <p:spTgt spid="34632559"/>
+                                          <p:spTgt spid="1300501374"/>
                                         </p:tgtEl>
                                         <p:attrNameLst>
                                           <p:attrName>style.visibility</p:attrName>
@@ -30903,7 +30815,7 @@
                                           </p:stCondLst>
                                         </p:cTn>
                                         <p:tgtEl>
-                                          <p:spTgt spid="1338440322"/>
+                                          <p:spTgt spid="1785961107"/>
                                         </p:tgtEl>
                                         <p:attrNameLst>
                                           <p:attrName>style.visibility</p:attrName>
@@ -30948,7 +30860,7 @@
                                           </p:stCondLst>
                                         </p:cTn>
                                         <p:tgtEl>
-                                          <p:spTgt spid="1969853174"/>
+                                          <p:spTgt spid="1758291185"/>
                                         </p:tgtEl>
                                         <p:attrNameLst>
                                           <p:attrName>style.visibility</p:attrName>
@@ -30975,7 +30887,7 @@
                                           </p:stCondLst>
                                         </p:cTn>
                                         <p:tgtEl>
-                                          <p:spTgt spid="241324903"/>
+                                          <p:spTgt spid="302180926"/>
                                         </p:tgtEl>
                                         <p:attrNameLst>
                                           <p:attrName>style.visibility</p:attrName>
@@ -31020,7 +30932,7 @@
                                           </p:stCondLst>
                                         </p:cTn>
                                         <p:tgtEl>
-                                          <p:spTgt spid="284682946"/>
+                                          <p:spTgt spid="977988770"/>
                                         </p:tgtEl>
                                         <p:attrNameLst>
                                           <p:attrName>style.visibility</p:attrName>
@@ -31047,7 +30959,7 @@
                                           </p:stCondLst>
                                         </p:cTn>
                                         <p:tgtEl>
-                                          <p:spTgt spid="1572539292"/>
+                                          <p:spTgt spid="1558383618"/>
                                         </p:tgtEl>
                                         <p:attrNameLst>
                                           <p:attrName>style.visibility</p:attrName>
@@ -31110,7 +31022,7 @@
       </p:grpSpPr>
       <p:sp>
         <p:nvSpPr>
-          <p:cNvPr id="1062216420" name="PlaceHolder 1"/>
+          <p:cNvPr id="1398662785" name="PlaceHolder 1"/>
           <p:cNvSpPr>
             <a:spLocks noGrp="1"/>
           </p:cNvSpPr>
@@ -31162,7 +31074,7 @@
       </p:sp>
       <p:sp>
         <p:nvSpPr>
-          <p:cNvPr id="1686868095" name="TextBox 1765609496"/>
+          <p:cNvPr id="499815156" name="TextBox 1765609496"/>
           <p:cNvSpPr txBox="1"/>
           <p:nvPr/>
         </p:nvSpPr>
@@ -31448,7 +31360,7 @@
       </p:sp>
       <p:sp>
         <p:nvSpPr>
-          <p:cNvPr id="1523808710" name="Arrow: Right 1787699667"/>
+          <p:cNvPr id="1227415215" name="Arrow: Right 1787699667"/>
           <p:cNvSpPr/>
           <p:nvPr/>
         </p:nvSpPr>
@@ -31493,7 +31405,7 @@
       </p:sp>
       <p:sp>
         <p:nvSpPr>
-          <p:cNvPr id="520983988" name="TextBox 1901326472"/>
+          <p:cNvPr id="545944614" name="TextBox 1901326472"/>
           <p:cNvSpPr txBox="1"/>
           <p:nvPr/>
         </p:nvSpPr>
@@ -31813,7 +31725,7 @@
       </p:sp>
       <p:sp>
         <p:nvSpPr>
-          <p:cNvPr id="2004652302" name="TextBox 1744389422"/>
+          <p:cNvPr id="754948637" name="TextBox 1744389422"/>
           <p:cNvSpPr txBox="1"/>
           <p:nvPr/>
         </p:nvSpPr>
@@ -31846,7 +31758,7 @@
       </p:sp>
       <p:sp>
         <p:nvSpPr>
-          <p:cNvPr id="1879909069" name="PlaceHolder 2"/>
+          <p:cNvPr id="1128061146" name="PlaceHolder 2"/>
           <p:cNvSpPr>
             <a:spLocks noGrp="1"/>
           </p:cNvSpPr>
@@ -31917,7 +31829,7 @@
                                           </p:stCondLst>
                                         </p:cTn>
                                         <p:tgtEl>
-                                          <p:spTgt spid="520983988"/>
+                                          <p:spTgt spid="545944614"/>
                                         </p:tgtEl>
                                         <p:attrNameLst>
                                           <p:attrName>style.visibility</p:attrName>
@@ -31980,7 +31892,7 @@
       </p:grpSpPr>
       <p:sp>
         <p:nvSpPr>
-          <p:cNvPr id="622357373" name="PlaceHolder 1"/>
+          <p:cNvPr id="442757570" name="PlaceHolder 1"/>
           <p:cNvSpPr>
             <a:spLocks noGrp="1"/>
           </p:cNvSpPr>
@@ -32032,7 +31944,7 @@
       </p:sp>
       <p:sp>
         <p:nvSpPr>
-          <p:cNvPr id="2131048345" name="Arrow: Right 1567330088"/>
+          <p:cNvPr id="1036299559" name="Arrow: Right 1567330088"/>
           <p:cNvSpPr/>
           <p:nvPr/>
         </p:nvSpPr>
@@ -32077,7 +31989,7 @@
       </p:sp>
       <p:sp>
         <p:nvSpPr>
-          <p:cNvPr id="893009042" name=" 740804701"/>
+          <p:cNvPr id="1559136771" name=" 740804701"/>
           <p:cNvSpPr/>
           <p:nvPr/>
         </p:nvSpPr>
@@ -32469,7 +32381,7 @@
       </p:sp>
       <p:sp>
         <p:nvSpPr>
-          <p:cNvPr id="317684476" name=" 2013389695"/>
+          <p:cNvPr id="620791765" name=" 2013389695"/>
           <p:cNvSpPr/>
           <p:nvPr/>
         </p:nvSpPr>
@@ -32938,7 +32850,7 @@
       </p:sp>
       <p:sp>
         <p:nvSpPr>
-          <p:cNvPr id="972968226" name="PlaceHolder 2"/>
+          <p:cNvPr id="1596775890" name="PlaceHolder 2"/>
           <p:cNvSpPr>
             <a:spLocks noGrp="1"/>
           </p:cNvSpPr>
@@ -32964,7 +32876,7 @@
       </p:sp>
       <p:sp>
         <p:nvSpPr>
-          <p:cNvPr id="1724367568" name="TextBox 1341196168"/>
+          <p:cNvPr id="738641538" name="TextBox 1341196168"/>
           <p:cNvSpPr txBox="1"/>
           <p:nvPr/>
         </p:nvSpPr>
@@ -33042,7 +32954,7 @@
                                           </p:stCondLst>
                                         </p:cTn>
                                         <p:tgtEl>
-                                          <p:spTgt spid="317684476"/>
+                                          <p:spTgt spid="620791765"/>
                                         </p:tgtEl>
                                         <p:attrNameLst>
                                           <p:attrName>style.visibility</p:attrName>
@@ -33105,7 +33017,7 @@
       </p:grpSpPr>
       <p:sp>
         <p:nvSpPr>
-          <p:cNvPr id="720333650" name="PlaceHolder 1"/>
+          <p:cNvPr id="563263666" name="PlaceHolder 1"/>
           <p:cNvSpPr>
             <a:spLocks noGrp="1"/>
           </p:cNvSpPr>
@@ -33157,7 +33069,7 @@
       </p:sp>
       <p:sp>
         <p:nvSpPr>
-          <p:cNvPr id="219003741" name="TextBox 1172850484"/>
+          <p:cNvPr id="957909665" name="TextBox 1172850484"/>
           <p:cNvSpPr txBox="1"/>
           <p:nvPr/>
         </p:nvSpPr>
@@ -33357,7 +33269,7 @@
       </p:sp>
       <p:sp>
         <p:nvSpPr>
-          <p:cNvPr id="1630061460" name="Arrow: Right 1807083161"/>
+          <p:cNvPr id="2065479040" name="Arrow: Right 1807083161"/>
           <p:cNvSpPr/>
           <p:nvPr/>
         </p:nvSpPr>
@@ -33402,7 +33314,7 @@
       </p:sp>
       <p:sp>
         <p:nvSpPr>
-          <p:cNvPr id="1283221230" name="TextBox 158027649"/>
+          <p:cNvPr id="1898150384" name="TextBox 158027649"/>
           <p:cNvSpPr txBox="1"/>
           <p:nvPr/>
         </p:nvSpPr>
@@ -33524,7 +33436,7 @@
       </p:sp>
       <p:sp>
         <p:nvSpPr>
-          <p:cNvPr id="1364167464" name=" 946749591"/>
+          <p:cNvPr id="1749181266" name=" 946749591"/>
           <p:cNvSpPr/>
           <p:nvPr/>
         </p:nvSpPr>
@@ -33978,7 +33890,7 @@
       </p:sp>
       <p:sp>
         <p:nvSpPr>
-          <p:cNvPr id="2062631022" name="TextBox 829916563"/>
+          <p:cNvPr id="776624136" name="TextBox 829916563"/>
           <p:cNvSpPr txBox="1"/>
           <p:nvPr/>
         </p:nvSpPr>
@@ -34011,7 +33923,7 @@
       </p:sp>
       <p:sp>
         <p:nvSpPr>
-          <p:cNvPr id="1570068201" name="PlaceHolder 2"/>
+          <p:cNvPr id="1135872122" name="PlaceHolder 2"/>
           <p:cNvSpPr>
             <a:spLocks noGrp="1"/>
           </p:cNvSpPr>
@@ -34037,7 +33949,7 @@
       </p:sp>
       <p:sp>
         <p:nvSpPr>
-          <p:cNvPr id="1331629404" name="TextBox 1031177100"/>
+          <p:cNvPr id="1426291167" name="TextBox 1031177100"/>
           <p:cNvSpPr txBox="1"/>
           <p:nvPr/>
         </p:nvSpPr>
@@ -34288,7 +34200,7 @@
       </p:sp>
       <p:sp>
         <p:nvSpPr>
-          <p:cNvPr id="2117147428" name="Arrow: Right 2073598433"/>
+          <p:cNvPr id="1669266649" name="Arrow: Right 2073598433"/>
           <p:cNvSpPr/>
           <p:nvPr/>
         </p:nvSpPr>
@@ -34333,7 +34245,7 @@
       </p:sp>
       <p:sp>
         <p:nvSpPr>
-          <p:cNvPr id="482424181" name="Arrow: Right 905527254"/>
+          <p:cNvPr id="1351248308" name="Arrow: Right 905527254"/>
           <p:cNvSpPr/>
           <p:nvPr/>
         </p:nvSpPr>
@@ -34378,7 +34290,7 @@
       </p:sp>
       <p:sp>
         <p:nvSpPr>
-          <p:cNvPr id="60963157" name="TextBox 1400820773"/>
+          <p:cNvPr id="1967820224" name="TextBox 1400820773"/>
           <p:cNvSpPr txBox="1"/>
           <p:nvPr/>
         </p:nvSpPr>
@@ -34411,7 +34323,7 @@
       </p:sp>
       <p:sp>
         <p:nvSpPr>
-          <p:cNvPr id="1027977332" name="TextBox 632572232"/>
+          <p:cNvPr id="1996669063" name="TextBox 632572232"/>
           <p:cNvSpPr txBox="1"/>
           <p:nvPr/>
         </p:nvSpPr>
@@ -34444,7 +34356,7 @@
       </p:sp>
       <p:sp>
         <p:nvSpPr>
-          <p:cNvPr id="1278907306" name="TextBox 517812649"/>
+          <p:cNvPr id="805665829" name="TextBox 517812649"/>
           <p:cNvSpPr txBox="1"/>
           <p:nvPr/>
         </p:nvSpPr>
@@ -34477,7 +34389,7 @@
       </p:sp>
       <p:sp>
         <p:nvSpPr>
-          <p:cNvPr id="830171092" name="TextBox 826381297"/>
+          <p:cNvPr id="2130212336" name="TextBox 826381297"/>
           <p:cNvSpPr txBox="1"/>
           <p:nvPr/>
         </p:nvSpPr>
@@ -34510,7 +34422,7 @@
       </p:sp>
       <p:sp>
         <p:nvSpPr>
-          <p:cNvPr id="394220060" name="TextBox 1952302292"/>
+          <p:cNvPr id="896181085" name="TextBox 1952302292"/>
           <p:cNvSpPr txBox="1"/>
           <p:nvPr/>
         </p:nvSpPr>
@@ -34588,7 +34500,7 @@
                                           </p:stCondLst>
                                         </p:cTn>
                                         <p:tgtEl>
-                                          <p:spTgt spid="1364167464"/>
+                                          <p:spTgt spid="1749181266"/>
                                         </p:tgtEl>
                                         <p:attrNameLst>
                                           <p:attrName>style.visibility</p:attrName>
@@ -34615,7 +34527,7 @@
                                           </p:stCondLst>
                                         </p:cTn>
                                         <p:tgtEl>
-                                          <p:spTgt spid="394220060"/>
+                                          <p:spTgt spid="896181085"/>
                                         </p:tgtEl>
                                         <p:attrNameLst>
                                           <p:attrName>style.visibility</p:attrName>
@@ -34642,7 +34554,7 @@
                                           </p:stCondLst>
                                         </p:cTn>
                                         <p:tgtEl>
-                                          <p:spTgt spid="2062631022"/>
+                                          <p:spTgt spid="776624136"/>
                                         </p:tgtEl>
                                         <p:attrNameLst>
                                           <p:attrName>style.visibility</p:attrName>
@@ -34705,7 +34617,7 @@
       </p:grpSpPr>
       <p:sp>
         <p:nvSpPr>
-          <p:cNvPr id="499872732" name="PlaceHolder 1"/>
+          <p:cNvPr id="1324792696" name="PlaceHolder 1"/>
           <p:cNvSpPr>
             <a:spLocks noGrp="1"/>
           </p:cNvSpPr>
@@ -34778,7 +34690,7 @@
       </p:sp>
       <p:sp>
         <p:nvSpPr>
-          <p:cNvPr id="1823540789" name="PlaceHolder 2"/>
+          <p:cNvPr id="342288722" name="PlaceHolder 2"/>
           <p:cNvSpPr>
             <a:spLocks noGrp="1"/>
           </p:cNvSpPr>
@@ -34837,7 +34749,7 @@
       </p:grpSpPr>
       <p:sp>
         <p:nvSpPr>
-          <p:cNvPr id="1395164008" name="PlaceHolder 1"/>
+          <p:cNvPr id="257013604" name="PlaceHolder 1"/>
           <p:cNvSpPr>
             <a:spLocks noGrp="1"/>
           </p:cNvSpPr>
@@ -34889,7 +34801,7 @@
       </p:sp>
       <p:sp>
         <p:nvSpPr>
-          <p:cNvPr id="1399919536" name="TextBox 1918857601"/>
+          <p:cNvPr id="549972348" name="TextBox 1918857601"/>
           <p:cNvSpPr txBox="1"/>
           <p:nvPr/>
         </p:nvSpPr>
@@ -35332,7 +35244,7 @@
       </p:sp>
       <p:pic>
         <p:nvPicPr>
-          <p:cNvPr id="906373986" name="Graphic 1806542502"/>
+          <p:cNvPr id="639706693" name="Graphic 1806542502"/>
           <p:cNvPicPr>
             <a:picLocks noChangeAspect="1"/>
           </p:cNvPicPr>
@@ -35360,7 +35272,7 @@
       </p:pic>
       <p:sp>
         <p:nvSpPr>
-          <p:cNvPr id="1285248501" name="Arrow: Right 1142305429"/>
+          <p:cNvPr id="2092962780" name="Arrow: Right 1142305429"/>
           <p:cNvSpPr/>
           <p:nvPr/>
         </p:nvSpPr>
@@ -35405,7 +35317,7 @@
       </p:sp>
       <p:sp>
         <p:nvSpPr>
-          <p:cNvPr id="1713534579" name="PlaceHolder 2"/>
+          <p:cNvPr id="693789367" name="PlaceHolder 2"/>
           <p:cNvSpPr>
             <a:spLocks noGrp="1"/>
           </p:cNvSpPr>
@@ -35476,7 +35388,7 @@
                                           </p:stCondLst>
                                         </p:cTn>
                                         <p:tgtEl>
-                                          <p:spTgt spid="1285248501"/>
+                                          <p:spTgt spid="2092962780"/>
                                         </p:tgtEl>
                                         <p:attrNameLst>
                                           <p:attrName>style.visibility</p:attrName>
@@ -35503,7 +35415,7 @@
                                           </p:stCondLst>
                                         </p:cTn>
                                         <p:tgtEl>
-                                          <p:spTgt spid="906373986"/>
+                                          <p:spTgt spid="639706693"/>
                                         </p:tgtEl>
                                         <p:attrNameLst>
                                           <p:attrName>style.visibility</p:attrName>
@@ -35566,7 +35478,7 @@
       </p:grpSpPr>
       <p:sp>
         <p:nvSpPr>
-          <p:cNvPr id="1870376924" name="PlaceHolder 1"/>
+          <p:cNvPr id="142319857" name="PlaceHolder 1"/>
           <p:cNvSpPr>
             <a:spLocks noGrp="1"/>
           </p:cNvSpPr>
@@ -35618,7 +35530,7 @@
       </p:sp>
       <p:sp>
         <p:nvSpPr>
-          <p:cNvPr id="172942369" name="PlaceHolder 2"/>
+          <p:cNvPr id="1950607263" name="PlaceHolder 2"/>
           <p:cNvSpPr>
             <a:spLocks noGrp="1"/>
           </p:cNvSpPr>
@@ -35644,7 +35556,7 @@
       </p:sp>
       <p:sp>
         <p:nvSpPr>
-          <p:cNvPr id="1985048263" name="Rectangle 151796625"/>
+          <p:cNvPr id="111787707" name="Rectangle 151796625"/>
           <p:cNvSpPr/>
           <p:nvPr/>
         </p:nvSpPr>
@@ -35854,7 +35766,7 @@
       </p:sp>
       <p:sp>
         <p:nvSpPr>
-          <p:cNvPr id="42572185" name="TextBox 825740787"/>
+          <p:cNvPr id="1232178768" name="TextBox 825740787"/>
           <p:cNvSpPr txBox="1"/>
           <p:nvPr/>
         </p:nvSpPr>
@@ -35923,7 +35835,7 @@
       </p:sp>
       <p:sp>
         <p:nvSpPr>
-          <p:cNvPr id="483379943" name="Rectangle 257192965"/>
+          <p:cNvPr id="1774885391" name="Rectangle 257192965"/>
           <p:cNvSpPr/>
           <p:nvPr/>
         </p:nvSpPr>
@@ -36202,7 +36114,7 @@
       </p:sp>
       <p:sp>
         <p:nvSpPr>
-          <p:cNvPr id="1929427868" name="TextBox 1788771738"/>
+          <p:cNvPr id="1019256923" name="TextBox 1788771738"/>
           <p:cNvSpPr txBox="1"/>
           <p:nvPr/>
         </p:nvSpPr>
@@ -36259,7 +36171,7 @@
       </p:sp>
       <p:sp>
         <p:nvSpPr>
-          <p:cNvPr id="1958161358" name="TextBox 1695742837"/>
+          <p:cNvPr id="1127216782" name="TextBox 1695742837"/>
           <p:cNvSpPr txBox="1"/>
           <p:nvPr/>
         </p:nvSpPr>
@@ -36325,7 +36237,7 @@
       </p:grpSpPr>
       <p:sp>
         <p:nvSpPr>
-          <p:cNvPr id="1583244601" name="PlaceHolder 1"/>
+          <p:cNvPr id="1809968369" name="PlaceHolder 1"/>
           <p:cNvSpPr>
             <a:spLocks noGrp="1"/>
           </p:cNvSpPr>
@@ -36377,7 +36289,7 @@
       </p:sp>
       <p:sp>
         <p:nvSpPr>
-          <p:cNvPr id="1069687927" name="PlaceHolder 2"/>
+          <p:cNvPr id="1132576460" name="PlaceHolder 2"/>
           <p:cNvSpPr>
             <a:spLocks noGrp="1"/>
           </p:cNvSpPr>
@@ -36403,7 +36315,7 @@
       </p:sp>
       <p:sp>
         <p:nvSpPr>
-          <p:cNvPr id="591882432" name="TextBox 961782908"/>
+          <p:cNvPr id="1751501911" name="TextBox 961782908"/>
           <p:cNvSpPr txBox="1"/>
           <p:nvPr/>
         </p:nvSpPr>
@@ -36888,7 +36800,7 @@
       </p:sp>
       <p:graphicFrame>
         <p:nvGraphicFramePr>
-          <p:cNvPr id="1847540134" name="Table 2086680796"/>
+          <p:cNvPr id="724114246" name="Table 2086680796"/>
           <p:cNvGraphicFramePr>
             <a:graphicFrameLocks xmlns:a="http://schemas.openxmlformats.org/drawingml/2006/main"/>
           </p:cNvGraphicFramePr>
@@ -37016,7 +36928,7 @@
       </p:graphicFrame>
       <p:pic>
         <p:nvPicPr>
-          <p:cNvPr id="1098585296" name="Picture 330064926"/>
+          <p:cNvPr id="677472673" name="Picture 330064926"/>
           <p:cNvPicPr>
             <a:picLocks noChangeAspect="1"/>
           </p:cNvPicPr>
@@ -37038,7 +36950,7 @@
       </p:pic>
       <p:sp>
         <p:nvSpPr>
-          <p:cNvPr id="2107331705" name="Rectangle 1376750855"/>
+          <p:cNvPr id="1942412448" name="Rectangle 1376750855"/>
           <p:cNvSpPr/>
           <p:nvPr/>
         </p:nvSpPr>
@@ -37088,7 +37000,7 @@
       </p:sp>
       <p:sp>
         <p:nvSpPr>
-          <p:cNvPr id="972461719" name="Rectangle 745623132"/>
+          <p:cNvPr id="5220863" name="Rectangle 745623132"/>
           <p:cNvSpPr/>
           <p:nvPr/>
         </p:nvSpPr>
@@ -37138,7 +37050,7 @@
       </p:sp>
       <p:sp>
         <p:nvSpPr>
-          <p:cNvPr id="1084229350" name="Rectangle 1558102495"/>
+          <p:cNvPr id="765121757" name="Rectangle 1558102495"/>
           <p:cNvSpPr/>
           <p:nvPr/>
         </p:nvSpPr>
@@ -37188,7 +37100,7 @@
       </p:sp>
       <p:sp>
         <p:nvSpPr>
-          <p:cNvPr id="887314371" name="Rectangle 881605725"/>
+          <p:cNvPr id="1753142180" name="Rectangle 881605725"/>
           <p:cNvSpPr/>
           <p:nvPr/>
         </p:nvSpPr>
@@ -37238,7 +37150,7 @@
       </p:sp>
       <p:sp>
         <p:nvSpPr>
-          <p:cNvPr id="1131510374" name="Rectangle 379543652"/>
+          <p:cNvPr id="1991703706" name="Rectangle 379543652"/>
           <p:cNvSpPr/>
           <p:nvPr/>
         </p:nvSpPr>
@@ -37288,7 +37200,7 @@
       </p:sp>
       <p:sp>
         <p:nvSpPr>
-          <p:cNvPr id="1782453141" name="Rectangle 1480323186"/>
+          <p:cNvPr id="677072424" name="Rectangle 1480323186"/>
           <p:cNvSpPr/>
           <p:nvPr/>
         </p:nvSpPr>
@@ -37338,7 +37250,7 @@
       </p:sp>
       <p:sp>
         <p:nvSpPr>
-          <p:cNvPr id="1403307438" name="Rectangle 1307454240"/>
+          <p:cNvPr id="523253292" name="Rectangle 1307454240"/>
           <p:cNvSpPr/>
           <p:nvPr/>
         </p:nvSpPr>
@@ -37388,7 +37300,7 @@
       </p:sp>
       <p:sp>
         <p:nvSpPr>
-          <p:cNvPr id="1636081935" name="Rectangle 857480485"/>
+          <p:cNvPr id="866997421" name="Rectangle 857480485"/>
           <p:cNvSpPr/>
           <p:nvPr/>
         </p:nvSpPr>
@@ -37483,7 +37395,7 @@
                                           </p:stCondLst>
                                         </p:cTn>
                                         <p:tgtEl>
-                                          <p:spTgt spid="2107331705"/>
+                                          <p:spTgt spid="1942412448"/>
                                         </p:tgtEl>
                                         <p:attrNameLst>
                                           <p:attrName>style.visibility</p:attrName>
@@ -37510,7 +37422,7 @@
                                           </p:stCondLst>
                                         </p:cTn>
                                         <p:tgtEl>
-                                          <p:spTgt spid="972461719"/>
+                                          <p:spTgt spid="5220863"/>
                                         </p:tgtEl>
                                         <p:attrNameLst>
                                           <p:attrName>style.visibility</p:attrName>
@@ -37555,7 +37467,7 @@
                                           </p:stCondLst>
                                         </p:cTn>
                                         <p:tgtEl>
-                                          <p:spTgt spid="887314371"/>
+                                          <p:spTgt spid="1753142180"/>
                                         </p:tgtEl>
                                         <p:attrNameLst>
                                           <p:attrName>style.visibility</p:attrName>
@@ -37582,7 +37494,7 @@
                                           </p:stCondLst>
                                         </p:cTn>
                                         <p:tgtEl>
-                                          <p:spTgt spid="1084229350"/>
+                                          <p:spTgt spid="765121757"/>
                                         </p:tgtEl>
                                         <p:attrNameLst>
                                           <p:attrName>style.visibility</p:attrName>
@@ -37627,7 +37539,7 @@
                                           </p:stCondLst>
                                         </p:cTn>
                                         <p:tgtEl>
-                                          <p:spTgt spid="1131510374"/>
+                                          <p:spTgt spid="1991703706"/>
                                         </p:tgtEl>
                                         <p:attrNameLst>
                                           <p:attrName>style.visibility</p:attrName>
@@ -37654,7 +37566,7 @@
                                           </p:stCondLst>
                                         </p:cTn>
                                         <p:tgtEl>
-                                          <p:spTgt spid="1782453141"/>
+                                          <p:spTgt spid="677072424"/>
                                         </p:tgtEl>
                                         <p:attrNameLst>
                                           <p:attrName>style.visibility</p:attrName>
@@ -37699,7 +37611,7 @@
                                           </p:stCondLst>
                                         </p:cTn>
                                         <p:tgtEl>
-                                          <p:spTgt spid="1403307438"/>
+                                          <p:spTgt spid="523253292"/>
                                         </p:tgtEl>
                                         <p:attrNameLst>
                                           <p:attrName>style.visibility</p:attrName>
@@ -37726,7 +37638,7 @@
                                           </p:stCondLst>
                                         </p:cTn>
                                         <p:tgtEl>
-                                          <p:spTgt spid="1636081935"/>
+                                          <p:spTgt spid="866997421"/>
                                         </p:tgtEl>
                                         <p:attrNameLst>
                                           <p:attrName>style.visibility</p:attrName>
@@ -37789,7 +37701,7 @@
       </p:grpSpPr>
       <p:sp>
         <p:nvSpPr>
-          <p:cNvPr id="1831716315" name="PlaceHolder 1"/>
+          <p:cNvPr id="104048622" name="PlaceHolder 1"/>
           <p:cNvSpPr>
             <a:spLocks noGrp="1"/>
           </p:cNvSpPr>
@@ -37850,7 +37762,7 @@
       </p:sp>
       <p:sp>
         <p:nvSpPr>
-          <p:cNvPr id="974584982" name="PlaceHolder 2"/>
+          <p:cNvPr id="217273521" name="PlaceHolder 2"/>
           <p:cNvSpPr>
             <a:spLocks noGrp="1"/>
           </p:cNvSpPr>
@@ -37876,7 +37788,7 @@
       </p:sp>
       <p:pic>
         <p:nvPicPr>
-          <p:cNvPr id="1225934630" name="Picture 1418066835"/>
+          <p:cNvPr id="1917070522" name="Picture 1418066835"/>
           <p:cNvPicPr>
             <a:picLocks noChangeAspect="1"/>
           </p:cNvPicPr>
@@ -37931,7 +37843,7 @@
       </p:grpSpPr>
       <p:sp>
         <p:nvSpPr>
-          <p:cNvPr id="744671191" name="PlaceHolder 1"/>
+          <p:cNvPr id="2085325883" name="PlaceHolder 1"/>
           <p:cNvSpPr>
             <a:spLocks noGrp="1"/>
           </p:cNvSpPr>
@@ -37983,7 +37895,7 @@
       </p:sp>
       <p:sp>
         <p:nvSpPr>
-          <p:cNvPr id="1533390395" name="PlaceHolder 2"/>
+          <p:cNvPr id="1349891587" name="PlaceHolder 2"/>
           <p:cNvSpPr>
             <a:spLocks noGrp="1"/>
           </p:cNvSpPr>
@@ -38009,7 +37921,7 @@
       </p:sp>
       <p:pic>
         <p:nvPicPr>
-          <p:cNvPr id="670714866" name=""/>
+          <p:cNvPr id="1450827878" name=""/>
           <p:cNvPicPr>
             <a:picLocks noChangeAspect="1"/>
           </p:cNvPicPr>
@@ -38031,7 +37943,7 @@
       </p:pic>
       <p:pic>
         <p:nvPicPr>
-          <p:cNvPr id="1070236225" name=""/>
+          <p:cNvPr id="1890545725" name=""/>
           <p:cNvPicPr>
             <a:picLocks noChangeAspect="1"/>
           </p:cNvPicPr>
@@ -38053,7 +37965,7 @@
       </p:pic>
       <p:sp>
         <p:nvSpPr>
-          <p:cNvPr id="1487633015" name="TextBox 1695742837"/>
+          <p:cNvPr id="1211293325" name="TextBox 1695742837"/>
           <p:cNvSpPr txBox="1"/>
           <p:nvPr/>
         </p:nvSpPr>
@@ -38086,7 +37998,7 @@
       </p:sp>
       <p:sp>
         <p:nvSpPr>
-          <p:cNvPr id="1008898423" name="TextBox 1695742837"/>
+          <p:cNvPr id="1365000397" name="TextBox 1695742837"/>
           <p:cNvSpPr txBox="1"/>
           <p:nvPr/>
         </p:nvSpPr>
@@ -38119,7 +38031,7 @@
       </p:sp>
       <p:sp>
         <p:nvSpPr>
-          <p:cNvPr id="284925779" name="Arrow: Right 1142305429"/>
+          <p:cNvPr id="1019578428" name="Arrow: Right 1142305429"/>
           <p:cNvSpPr/>
           <p:nvPr/>
         </p:nvSpPr>
@@ -38209,7 +38121,7 @@
                                           </p:stCondLst>
                                         </p:cTn>
                                         <p:tgtEl>
-                                          <p:spTgt spid="284925779"/>
+                                          <p:spTgt spid="1019578428"/>
                                         </p:tgtEl>
                                         <p:attrNameLst>
                                           <p:attrName>style.visibility</p:attrName>
@@ -38236,7 +38148,7 @@
                                           </p:stCondLst>
                                         </p:cTn>
                                         <p:tgtEl>
-                                          <p:spTgt spid="1070236225"/>
+                                          <p:spTgt spid="1890545725"/>
                                         </p:tgtEl>
                                         <p:attrNameLst>
                                           <p:attrName>style.visibility</p:attrName>
@@ -38263,7 +38175,7 @@
                                           </p:stCondLst>
                                         </p:cTn>
                                         <p:tgtEl>
-                                          <p:spTgt spid="1008898423"/>
+                                          <p:spTgt spid="1365000397"/>
                                         </p:tgtEl>
                                         <p:attrNameLst>
                                           <p:attrName>style.visibility</p:attrName>
@@ -38326,7 +38238,7 @@
       </p:grpSpPr>
       <p:sp>
         <p:nvSpPr>
-          <p:cNvPr id="1436753783" name="PlaceHolder 1"/>
+          <p:cNvPr id="158292768" name="PlaceHolder 1"/>
           <p:cNvSpPr>
             <a:spLocks noGrp="1"/>
           </p:cNvSpPr>
@@ -38380,7 +38292,7 @@
       </p:sp>
       <p:sp>
         <p:nvSpPr>
-          <p:cNvPr id="504808351" name="PlaceHolder 2"/>
+          <p:cNvPr id="1376497379" name="PlaceHolder 2"/>
           <p:cNvSpPr>
             <a:spLocks noGrp="1"/>
           </p:cNvSpPr>
@@ -38406,7 +38318,7 @@
       </p:sp>
       <p:sp>
         <p:nvSpPr>
-          <p:cNvPr id="828823742" name="TextBox 591244741"/>
+          <p:cNvPr id="963713238" name="TextBox 591244741"/>
           <p:cNvSpPr txBox="1"/>
           <p:nvPr/>
         </p:nvSpPr>
@@ -38709,7 +38621,7 @@
       </p:grpSpPr>
       <p:sp>
         <p:nvSpPr>
-          <p:cNvPr id="1020227176" name="PlaceHolder 1"/>
+          <p:cNvPr id="1141754685" name="PlaceHolder 1"/>
           <p:cNvSpPr>
             <a:spLocks noGrp="1"/>
           </p:cNvSpPr>
@@ -38782,7 +38694,7 @@
       </p:sp>
       <p:sp>
         <p:nvSpPr>
-          <p:cNvPr id="894407889" name="PlaceHolder 2"/>
+          <p:cNvPr id="101637384" name="PlaceHolder 2"/>
           <p:cNvSpPr>
             <a:spLocks noGrp="1"/>
           </p:cNvSpPr>
@@ -38841,7 +38753,7 @@
       </p:grpSpPr>
       <p:sp>
         <p:nvSpPr>
-          <p:cNvPr id="1011372124" name="PlaceHolder 1"/>
+          <p:cNvPr id="285673949" name="PlaceHolder 1"/>
           <p:cNvSpPr>
             <a:spLocks noGrp="1"/>
           </p:cNvSpPr>
@@ -38893,7 +38805,7 @@
       </p:sp>
       <p:pic>
         <p:nvPicPr>
-          <p:cNvPr id="1771623123" name="Graphic 442165669"/>
+          <p:cNvPr id="332959359" name="Graphic 442165669"/>
           <p:cNvPicPr>
             <a:picLocks noChangeAspect="1"/>
           </p:cNvPicPr>
@@ -38921,7 +38833,7 @@
       </p:pic>
       <p:sp>
         <p:nvSpPr>
-          <p:cNvPr id="438486774" name="TextBox 881349327"/>
+          <p:cNvPr id="1087269843" name="TextBox 881349327"/>
           <p:cNvSpPr txBox="1"/>
           <p:nvPr/>
         </p:nvSpPr>
@@ -38954,7 +38866,7 @@
       </p:sp>
       <p:sp>
         <p:nvSpPr>
-          <p:cNvPr id="1592638599" name="TextBox 661916544"/>
+          <p:cNvPr id="1544505920" name="TextBox 661916544"/>
           <p:cNvSpPr txBox="1"/>
           <p:nvPr/>
         </p:nvSpPr>
@@ -38987,7 +38899,7 @@
       </p:sp>
       <p:sp>
         <p:nvSpPr>
-          <p:cNvPr id="1517247478" name="TextBox 1045836605"/>
+          <p:cNvPr id="59223571" name="TextBox 1045836605"/>
           <p:cNvSpPr txBox="1"/>
           <p:nvPr/>
         </p:nvSpPr>
@@ -39020,7 +38932,7 @@
       </p:sp>
       <p:pic>
         <p:nvPicPr>
-          <p:cNvPr id="208546442" name="Graphic 121568590"/>
+          <p:cNvPr id="2073143667" name="Graphic 121568590"/>
           <p:cNvPicPr>
             <a:picLocks noChangeAspect="1"/>
           </p:cNvPicPr>
@@ -39048,7 +38960,7 @@
       </p:pic>
       <p:sp>
         <p:nvSpPr>
-          <p:cNvPr id="751816179" name="PlaceHolder 2"/>
+          <p:cNvPr id="431231732" name="PlaceHolder 2"/>
           <p:cNvSpPr>
             <a:spLocks noGrp="1"/>
           </p:cNvSpPr>
@@ -39119,7 +39031,7 @@
                                           </p:stCondLst>
                                         </p:cTn>
                                         <p:tgtEl>
-                                          <p:spTgt spid="1771623123"/>
+                                          <p:spTgt spid="332959359"/>
                                         </p:tgtEl>
                                         <p:attrNameLst>
                                           <p:attrName>style.visibility</p:attrName>
@@ -39146,7 +39058,7 @@
                                           </p:stCondLst>
                                         </p:cTn>
                                         <p:tgtEl>
-                                          <p:spTgt spid="438486774"/>
+                                          <p:spTgt spid="1087269843"/>
                                         </p:tgtEl>
                                         <p:attrNameLst>
                                           <p:attrName>style.visibility</p:attrName>
@@ -39173,7 +39085,7 @@
                                           </p:stCondLst>
                                         </p:cTn>
                                         <p:tgtEl>
-                                          <p:spTgt spid="1517247478"/>
+                                          <p:spTgt spid="59223571"/>
                                         </p:tgtEl>
                                         <p:attrNameLst>
                                           <p:attrName>style.visibility</p:attrName>
@@ -39218,7 +39130,7 @@
                                           </p:stCondLst>
                                         </p:cTn>
                                         <p:tgtEl>
-                                          <p:spTgt spid="1592638599"/>
+                                          <p:spTgt spid="1544505920"/>
                                         </p:tgtEl>
                                         <p:attrNameLst>
                                           <p:attrName>style.visibility</p:attrName>
@@ -39245,7 +39157,7 @@
                                           </p:stCondLst>
                                         </p:cTn>
                                         <p:tgtEl>
-                                          <p:spTgt spid="208546442"/>
+                                          <p:spTgt spid="2073143667"/>
                                         </p:tgtEl>
                                         <p:attrNameLst>
                                           <p:attrName>style.visibility</p:attrName>
@@ -39308,7 +39220,7 @@
       </p:grpSpPr>
       <p:sp>
         <p:nvSpPr>
-          <p:cNvPr id="2115644163" name="PlaceHolder 1"/>
+          <p:cNvPr id="1908692614" name="PlaceHolder 1"/>
           <p:cNvSpPr>
             <a:spLocks noGrp="1"/>
           </p:cNvSpPr>
@@ -39355,7 +39267,7 @@
       </p:sp>
       <p:pic>
         <p:nvPicPr>
-          <p:cNvPr id="1262420143" name="Graphic 1138948690"/>
+          <p:cNvPr id="64016517" name="Graphic 1138948690"/>
           <p:cNvPicPr>
             <a:picLocks noChangeAspect="1"/>
           </p:cNvPicPr>
@@ -39383,7 +39295,7 @@
       </p:pic>
       <p:sp>
         <p:nvSpPr>
-          <p:cNvPr id="1005808066" name="Rectangle 1194677699"/>
+          <p:cNvPr id="355588065" name="Rectangle 1194677699"/>
           <p:cNvSpPr/>
           <p:nvPr/>
         </p:nvSpPr>
@@ -39428,7 +39340,7 @@
       </p:sp>
       <p:sp>
         <p:nvSpPr>
-          <p:cNvPr id="1171088006" name="Rectangle 1299778198"/>
+          <p:cNvPr id="177264899" name="Rectangle 1299778198"/>
           <p:cNvSpPr/>
           <p:nvPr/>
         </p:nvSpPr>
@@ -39473,7 +39385,7 @@
       </p:sp>
       <p:sp>
         <p:nvSpPr>
-          <p:cNvPr id="498973494" name="Rectangle 732029206"/>
+          <p:cNvPr id="2041234637" name="Rectangle 732029206"/>
           <p:cNvSpPr/>
           <p:nvPr/>
         </p:nvSpPr>
@@ -39518,7 +39430,7 @@
       </p:sp>
       <p:sp>
         <p:nvSpPr>
-          <p:cNvPr id="1990652772" name="PlaceHolder 2"/>
+          <p:cNvPr id="778030925" name="PlaceHolder 2"/>
           <p:cNvSpPr>
             <a:spLocks noGrp="1"/>
           </p:cNvSpPr>
@@ -39589,7 +39501,7 @@
                                           </p:stCondLst>
                                         </p:cTn>
                                         <p:tgtEl>
-                                          <p:spTgt spid="1005808066"/>
+                                          <p:spTgt spid="355588065"/>
                                         </p:tgtEl>
                                         <p:attrNameLst>
                                           <p:attrName>style.visibility</p:attrName>
@@ -39634,7 +39546,7 @@
                                           </p:stCondLst>
                                         </p:cTn>
                                         <p:tgtEl>
-                                          <p:spTgt spid="1171088006"/>
+                                          <p:spTgt spid="177264899"/>
                                         </p:tgtEl>
                                         <p:attrNameLst>
                                           <p:attrName>style.visibility</p:attrName>
@@ -39679,7 +39591,7 @@
                                           </p:stCondLst>
                                         </p:cTn>
                                         <p:tgtEl>
-                                          <p:spTgt spid="498973494"/>
+                                          <p:spTgt spid="2041234637"/>
                                         </p:tgtEl>
                                         <p:attrNameLst>
                                           <p:attrName>style.visibility</p:attrName>
@@ -39742,7 +39654,7 @@
       </p:grpSpPr>
       <p:sp>
         <p:nvSpPr>
-          <p:cNvPr id="1250225297" name="PlaceHolder 1"/>
+          <p:cNvPr id="758519635" name="PlaceHolder 1"/>
           <p:cNvSpPr>
             <a:spLocks noGrp="1"/>
           </p:cNvSpPr>
@@ -39815,7 +39727,7 @@
       </p:sp>
       <p:sp>
         <p:nvSpPr>
-          <p:cNvPr id="449018876" name="PlaceHolder 2"/>
+          <p:cNvPr id="88077464" name="PlaceHolder 2"/>
           <p:cNvSpPr>
             <a:spLocks noGrp="1"/>
           </p:cNvSpPr>
@@ -39881,7 +39793,7 @@
       </p:grpSpPr>
       <p:pic>
         <p:nvPicPr>
-          <p:cNvPr id="1133906900" name="Picture 5" descr="An abstract genetic concept"/>
+          <p:cNvPr id="129917379" name="Picture 5" descr="An abstract genetic concept"/>
           <p:cNvPicPr>
             <a:picLocks noChangeAspect="1"/>
           </p:cNvPicPr>
@@ -39906,7 +39818,7 @@
       </p:pic>
       <p:sp>
         <p:nvSpPr>
-          <p:cNvPr id="224037070" name="PlaceHolder 1"/>
+          <p:cNvPr id="225240288" name="PlaceHolder 1"/>
           <p:cNvSpPr>
             <a:spLocks noGrp="1"/>
           </p:cNvSpPr>
@@ -39962,7 +39874,7 @@
       </p:sp>
       <p:sp>
         <p:nvSpPr>
-          <p:cNvPr id="977626986" name="PlaceHolder 2"/>
+          <p:cNvPr id="1529679393" name="PlaceHolder 2"/>
           <p:cNvSpPr>
             <a:spLocks noGrp="1"/>
           </p:cNvSpPr>
@@ -40143,7 +40055,7 @@
       </p:sp>
       <p:sp>
         <p:nvSpPr>
-          <p:cNvPr id="1446425368" name="Rectangle 1071126831"/>
+          <p:cNvPr id="2057705993" name="Rectangle 1071126831"/>
           <p:cNvSpPr/>
           <p:nvPr/>
         </p:nvSpPr>
@@ -40188,7 +40100,7 @@
       </p:sp>
       <p:pic>
         <p:nvPicPr>
-          <p:cNvPr id="341935932" name="Picture 745174678"/>
+          <p:cNvPr id="1547961724" name="Picture 745174678"/>
           <p:cNvPicPr/>
           <p:nvPr/>
         </p:nvPicPr>
@@ -40211,7 +40123,7 @@
       </p:pic>
       <p:pic>
         <p:nvPicPr>
-          <p:cNvPr id="110641779" name="Picture 910510456"/>
+          <p:cNvPr id="535833451" name="Picture 910510456"/>
           <p:cNvPicPr/>
           <p:nvPr/>
         </p:nvPicPr>
@@ -40234,7 +40146,7 @@
       </p:pic>
       <p:pic>
         <p:nvPicPr>
-          <p:cNvPr id="784515810" name="Picture 1024654934"/>
+          <p:cNvPr id="995150012" name="Picture 1024654934"/>
           <p:cNvPicPr>
             <a:picLocks noChangeAspect="1"/>
           </p:cNvPicPr>
@@ -40256,7 +40168,7 @@
       </p:pic>
       <p:pic>
         <p:nvPicPr>
-          <p:cNvPr id="1370228210" name="Picture 12" descr="A black and orange text&#10;&#10;AI-generated content may be incorrect."/>
+          <p:cNvPr id="1758392578" name="Picture 12" descr="A black and orange text&#10;&#10;AI-generated content may be incorrect."/>
           <p:cNvPicPr>
             <a:picLocks noChangeAspect="1"/>
           </p:cNvPicPr>
@@ -40319,7 +40231,7 @@
       </p:grpSpPr>
       <p:pic>
         <p:nvPicPr>
-          <p:cNvPr id="1751170579" name="Picture 5" descr="An abstract genetic concept"/>
+          <p:cNvPr id="1905394679" name="Picture 5" descr="An abstract genetic concept"/>
           <p:cNvPicPr>
             <a:picLocks noChangeAspect="1"/>
           </p:cNvPicPr>
@@ -40344,7 +40256,7 @@
       </p:pic>
       <p:sp>
         <p:nvSpPr>
-          <p:cNvPr id="189147845" name="Rectangle 2101206255"/>
+          <p:cNvPr id="1627916414" name="Rectangle 2101206255"/>
           <p:cNvSpPr/>
           <p:nvPr/>
         </p:nvSpPr>
@@ -40389,7 +40301,7 @@
       </p:sp>
       <p:sp>
         <p:nvSpPr>
-          <p:cNvPr id="1014532308" name="PlaceHolder 1"/>
+          <p:cNvPr id="1330510246" name="PlaceHolder 1"/>
           <p:cNvSpPr>
             <a:spLocks noGrp="1"/>
           </p:cNvSpPr>
@@ -40444,7 +40356,7 @@
       </p:sp>
       <p:pic>
         <p:nvPicPr>
-          <p:cNvPr id="118766763" name="Picture 1128794467"/>
+          <p:cNvPr id="798169613" name="Picture 1128794467"/>
           <p:cNvPicPr>
             <a:picLocks noChangeAspect="1"/>
           </p:cNvPicPr>
@@ -40456,7 +40368,7 @@
         </p:blipFill>
         <p:spPr bwMode="auto">
           <a:xfrm>
-            <a:off x="7355013" y="1837594"/>
+            <a:off x="7355012" y="1327326"/>
             <a:ext cx="3577959" cy="3500419"/>
           </a:xfrm>
           <a:prstGeom prst="rect">
@@ -40466,7 +40378,7 @@
       </p:pic>
       <p:pic>
         <p:nvPicPr>
-          <p:cNvPr id="1256986886" name="Picture 864560409"/>
+          <p:cNvPr id="483942767" name="Picture 864560409"/>
           <p:cNvPicPr>
             <a:picLocks noChangeAspect="1"/>
           </p:cNvPicPr>
@@ -40478,7 +40390,7 @@
         </p:blipFill>
         <p:spPr bwMode="auto">
           <a:xfrm>
-            <a:off x="7355013" y="652510"/>
+            <a:off x="7355012" y="227286"/>
             <a:ext cx="3616270" cy="980978"/>
           </a:xfrm>
           <a:prstGeom prst="rect">
@@ -40491,7 +40403,7 @@
       </p:pic>
       <p:sp>
         <p:nvSpPr>
-          <p:cNvPr id="495485504" name="Rectangle 1071126831"/>
+          <p:cNvPr id="999458666" name="Rectangle 1071126831"/>
           <p:cNvSpPr/>
           <p:nvPr/>
         </p:nvSpPr>
@@ -40536,7 +40448,7 @@
       </p:sp>
       <p:pic>
         <p:nvPicPr>
-          <p:cNvPr id="120683483" name="Picture 745174678"/>
+          <p:cNvPr id="1809701107" name="Picture 745174678"/>
           <p:cNvPicPr/>
           <p:nvPr/>
         </p:nvPicPr>
@@ -40559,7 +40471,7 @@
       </p:pic>
       <p:pic>
         <p:nvPicPr>
-          <p:cNvPr id="1182952658" name="Picture 910510456"/>
+          <p:cNvPr id="363113881" name="Picture 910510456"/>
           <p:cNvPicPr/>
           <p:nvPr/>
         </p:nvPicPr>
@@ -40582,7 +40494,7 @@
       </p:pic>
       <p:pic>
         <p:nvPicPr>
-          <p:cNvPr id="862847609" name="Picture 1024654934"/>
+          <p:cNvPr id="726678914" name="Picture 1024654934"/>
           <p:cNvPicPr>
             <a:picLocks noChangeAspect="1"/>
           </p:cNvPicPr>
@@ -40604,7 +40516,7 @@
       </p:pic>
       <p:pic>
         <p:nvPicPr>
-          <p:cNvPr id="1372118550" name="Picture 12" descr="A black and orange text&#10;&#10;AI-generated content may be incorrect."/>
+          <p:cNvPr id="1533721642" name="Picture 12" descr="A black and orange text&#10;&#10;AI-generated content may be incorrect."/>
           <p:cNvPicPr>
             <a:picLocks noChangeAspect="1"/>
           </p:cNvPicPr>
@@ -40624,134 +40536,46 @@
           </a:prstGeom>
         </p:spPr>
       </p:pic>
-    </p:spTree>
-  </p:cSld>
-  <p:clrMapOvr>
-    <a:masterClrMapping/>
-  </p:clrMapOvr>
-  <mc:AlternateContent xmlns:mc="http://schemas.openxmlformats.org/markup-compatibility/2006">
-    <mc:Choice xmlns:p159="http://schemas.microsoft.com/office/powerpoint/2015/09/main" xmlns:p14="http://schemas.microsoft.com/office/powerpoint/2010/main" Requires="p159">
-      <p:transition p14:dur="2000" advClick="1"/>
-    </mc:Choice>
-    <mc:Fallback>
-      <p:transition advClick="1"/>
-    </mc:Fallback>
-  </mc:AlternateContent>
-</p:sld>
-</file>
-
-<file path=ppt/slides/slide46.xml><?xml version="1.0" encoding="utf-8"?>
-<p:sld xmlns:a="http://schemas.openxmlformats.org/drawingml/2006/main" xmlns:r="http://schemas.openxmlformats.org/officeDocument/2006/relationships" xmlns:p="http://schemas.openxmlformats.org/presentationml/2006/main" xmlns:m="http://schemas.openxmlformats.org/officeDocument/2006/math" xmlns:w="http://schemas.openxmlformats.org/wordprocessingml/2006/main" xmlns:mc="http://schemas.openxmlformats.org/markup-compatibility/2006" showMasterPhAnim="0" showMasterSp="1" show="1">
-  <p:cSld name="">
-    <p:spTree>
-      <p:nvGrpSpPr>
-        <p:cNvPr id="1" name=""/>
-        <p:cNvGrpSpPr/>
-        <p:nvPr/>
-      </p:nvGrpSpPr>
-      <p:grpSpPr bwMode="auto">
-        <a:xfrm>
-          <a:off x="0" y="0"/>
-          <a:ext cx="0" cy="0"/>
-          <a:chOff x="0" y="0"/>
-          <a:chExt cx="0" cy="0"/>
-        </a:xfrm>
-      </p:grpSpPr>
       <p:sp>
         <p:nvSpPr>
-          <p:cNvPr id="160067843" name="PlaceHolder 1"/>
-          <p:cNvSpPr>
-            <a:spLocks noGrp="1"/>
-          </p:cNvSpPr>
+          <p:cNvPr id="1385512743" name=""/>
+          <p:cNvSpPr txBox="1"/>
           <p:nvPr/>
         </p:nvSpPr>
         <p:spPr bwMode="auto">
-          <a:xfrm>
-            <a:off x="395427" y="2652886"/>
-            <a:ext cx="11254539" cy="1648711"/>
+          <a:xfrm flipH="0" flipV="0">
+            <a:off x="6442988" y="5068660"/>
+            <a:ext cx="5440318" cy="914760"/>
           </a:xfrm>
           <a:prstGeom prst="rect">
             <a:avLst/>
           </a:prstGeom>
           <a:noFill/>
-          <a:ln w="0">
-            <a:noFill/>
-          </a:ln>
         </p:spPr>
         <p:txBody>
-          <a:bodyPr vertOverflow="overflow" horzOverflow="overflow" vert="horz" wrap="square" lIns="91440" tIns="45720" rIns="91440" bIns="45720" numCol="1" spcCol="0" rtlCol="0" fromWordArt="0" anchor="ctr" anchorCtr="0" forceAA="0" compatLnSpc="0">
-            <a:normAutofit fontScale="77500" lnSpcReduction="19000"/>
+          <a:bodyPr vertOverflow="overflow" horzOverflow="overflow" vert="horz" wrap="square" lIns="91440" tIns="45720" rIns="91440" bIns="45720" numCol="1" spcCol="0" rtlCol="0" fromWordArt="0" anchor="t" anchorCtr="0" forceAA="0" upright="0" compatLnSpc="0">
+            <a:spAutoFit/>
           </a:bodyPr>
-          <a:lstStyle/>
-          <a:p>
-            <a:pPr indent="0" algn="ctr" defTabSz="914400">
-              <a:lnSpc>
-                <a:spcPct val="90000"/>
-              </a:lnSpc>
-              <a:buNone/>
-              <a:defRPr/>
-            </a:pPr>
-            <a:r>
-              <a:rPr lang="pt-BR" sz="9000" b="1" strike="noStrike" spc="0">
+          <a:p>
+            <a:pPr>
+              <a:defRPr/>
+            </a:pPr>
+            <a:r>
+              <a:rPr lang="pt-BR"/>
+              <a:t>The demo is also reproducible, and available here: </a:t>
+            </a:r>
+            <a:r>
+              <a:rPr lang="pt-BR" sz="1800" b="0" i="0" u="sng" strike="noStrike" cap="none" spc="0">
                 <a:solidFill>
                   <a:schemeClr val="tx1"/>
                 </a:solidFill>
                 <a:latin typeface="Arial"/>
                 <a:ea typeface="Arial"/>
-              </a:rPr>
-              <a:t>Live demo: </a:t>
-            </a:r>
-            <a:endParaRPr/>
-          </a:p>
-          <a:p>
-            <a:pPr indent="0" algn="ctr" defTabSz="914400">
-              <a:lnSpc>
-                <a:spcPct val="90000"/>
-              </a:lnSpc>
-              <a:buNone/>
-              <a:defRPr/>
-            </a:pPr>
-            <a:r>
-              <a:rPr lang="pt-BR" sz="9000" b="1" strike="noStrike" spc="0">
-                <a:solidFill>
-                  <a:schemeClr val="tx1"/>
-                </a:solidFill>
-                <a:latin typeface="Arial"/>
-                <a:ea typeface="Arial"/>
-              </a:rPr>
-              <a:t>Design Space Exploration</a:t>
-            </a:r>
-            <a:endParaRPr lang="en-US" sz="9000" b="0" strike="noStrike" spc="0">
-              <a:solidFill>
-                <a:schemeClr val="dk1"/>
-              </a:solidFill>
-              <a:latin typeface="Arial"/>
-            </a:endParaRPr>
-          </a:p>
-        </p:txBody>
-      </p:sp>
-      <p:sp>
-        <p:nvSpPr>
-          <p:cNvPr id="78584424" name="PlaceHolder 2"/>
-          <p:cNvSpPr>
-            <a:spLocks noGrp="1"/>
-          </p:cNvSpPr>
-          <p:nvPr>
-            <p:ph type="sldNum" idx="6"/>
-          </p:nvPr>
-        </p:nvSpPr>
-        <p:spPr bwMode="auto"/>
-        <p:txBody>
-          <a:bodyPr/>
-          <a:lstStyle/>
-          <a:p>
-            <a:pPr>
-              <a:defRPr/>
-            </a:pPr>
-            <a:fld id="{2988420E-C0F2-6DA3-FAD3-9DB80F07B91E}" type="slidenum">
-              <a:rPr/>
-              <a:t>42</a:t>
-            </a:fld>
+                <a:cs typeface="Arial"/>
+                <a:hlinkClick r:id="rId10" tooltip="https://github.com/specs-feup/gnu-tools-cauldron-2025-demo"/>
+              </a:rPr>
+              <a:t>https://github.com/specs-feup/gnu-tools-cauldron-2025-demo</a:t>
+            </a:r>
             <a:endParaRPr/>
           </a:p>
         </p:txBody>
@@ -40791,7 +40615,7 @@
       </p:grpSpPr>
       <p:sp>
         <p:nvSpPr>
-          <p:cNvPr id="596946708" name="PlaceHolder 1"/>
+          <p:cNvPr id="1962930165" name="PlaceHolder 1"/>
           <p:cNvSpPr>
             <a:spLocks noGrp="1"/>
           </p:cNvSpPr>
@@ -40839,7 +40663,7 @@
       </p:sp>
       <p:sp>
         <p:nvSpPr>
-          <p:cNvPr id="742824075" name="Rectangle 19"/>
+          <p:cNvPr id="319063114" name="Rectangle 19"/>
           <p:cNvSpPr/>
           <p:nvPr/>
         </p:nvSpPr>
@@ -41411,7 +41235,7 @@
       </p:sp>
       <p:sp>
         <p:nvSpPr>
-          <p:cNvPr id="1859246111" name="TextBox 5"/>
+          <p:cNvPr id="246663833" name="TextBox 5"/>
           <p:cNvSpPr/>
           <p:nvPr/>
         </p:nvSpPr>
@@ -41472,7 +41296,7 @@
       </p:sp>
       <p:sp>
         <p:nvSpPr>
-          <p:cNvPr id="1927648899" name="PlaceHolder 2"/>
+          <p:cNvPr id="1504704426" name="PlaceHolder 2"/>
           <p:cNvSpPr>
             <a:spLocks noGrp="1"/>
           </p:cNvSpPr>
@@ -41531,7 +41355,7 @@
       </p:grpSpPr>
       <p:sp>
         <p:nvSpPr>
-          <p:cNvPr id="2010674690" name="Rectangle 19"/>
+          <p:cNvPr id="1577621326" name="Rectangle 19"/>
           <p:cNvSpPr/>
           <p:nvPr/>
         </p:nvSpPr>
@@ -42103,7 +41927,7 @@
       </p:sp>
       <p:sp>
         <p:nvSpPr>
-          <p:cNvPr id="235722370" name="TextBox 5"/>
+          <p:cNvPr id="1136259517" name="TextBox 5"/>
           <p:cNvSpPr/>
           <p:nvPr/>
         </p:nvSpPr>
@@ -42164,7 +41988,7 @@
       </p:sp>
       <p:sp>
         <p:nvSpPr>
-          <p:cNvPr id="900051102" name="Rectangle 19"/>
+          <p:cNvPr id="1663858943" name="Rectangle 19"/>
           <p:cNvSpPr/>
           <p:nvPr/>
         </p:nvSpPr>
@@ -42806,7 +42630,7 @@
       </p:sp>
       <p:sp>
         <p:nvSpPr>
-          <p:cNvPr id="335724681" name="TextBox 7"/>
+          <p:cNvPr id="609714509" name="TextBox 7"/>
           <p:cNvSpPr/>
           <p:nvPr/>
         </p:nvSpPr>
@@ -42867,7 +42691,7 @@
       </p:sp>
       <p:sp>
         <p:nvSpPr>
-          <p:cNvPr id="1183203620" name="Right Arrow 3"/>
+          <p:cNvPr id="1702354274" name="Right Arrow 3"/>
           <p:cNvSpPr/>
           <p:nvPr/>
         </p:nvSpPr>
@@ -42928,7 +42752,7 @@
       </p:sp>
       <p:sp>
         <p:nvSpPr>
-          <p:cNvPr id="1701830120" name="Rectangle 8"/>
+          <p:cNvPr id="625459641" name="Rectangle 8"/>
           <p:cNvSpPr/>
           <p:nvPr/>
         </p:nvSpPr>
@@ -42986,7 +42810,7 @@
       </p:sp>
       <p:sp>
         <p:nvSpPr>
-          <p:cNvPr id="1790346988" name="Rectangle 9"/>
+          <p:cNvPr id="736188179" name="Rectangle 9"/>
           <p:cNvSpPr/>
           <p:nvPr/>
         </p:nvSpPr>
@@ -43044,7 +42868,7 @@
       </p:sp>
       <p:sp>
         <p:nvSpPr>
-          <p:cNvPr id="672368288" name="PlaceHolder 2"/>
+          <p:cNvPr id="1467439197" name="PlaceHolder 2"/>
           <p:cNvSpPr>
             <a:spLocks noGrp="1"/>
           </p:cNvSpPr>
@@ -43070,7 +42894,7 @@
       </p:sp>
       <p:sp>
         <p:nvSpPr>
-          <p:cNvPr id="573323729" name="PlaceHolder 1"/>
+          <p:cNvPr id="857285351" name="PlaceHolder 1"/>
           <p:cNvSpPr txBox="1"/>
           <p:nvPr/>
         </p:nvSpPr>
@@ -43165,7 +42989,7 @@
       </p:grpSpPr>
       <p:sp>
         <p:nvSpPr>
-          <p:cNvPr id="565187826" name="PlaceHolder 1"/>
+          <p:cNvPr id="1602309546" name="PlaceHolder 1"/>
           <p:cNvSpPr>
             <a:spLocks noGrp="1"/>
           </p:cNvSpPr>
@@ -43218,7 +43042,7 @@
       </p:sp>
       <p:sp>
         <p:nvSpPr>
-          <p:cNvPr id="1223919688" name="PlaceHolder 2"/>
+          <p:cNvPr id="812014329" name="PlaceHolder 2"/>
           <p:cNvSpPr>
             <a:spLocks noGrp="1"/>
           </p:cNvSpPr>
@@ -43244,7 +43068,7 @@
       </p:sp>
       <p:sp>
         <p:nvSpPr>
-          <p:cNvPr id="1128940772" name="TextBox 591244741"/>
+          <p:cNvPr id="169485647" name="TextBox 591244741"/>
           <p:cNvSpPr txBox="1"/>
           <p:nvPr/>
         </p:nvSpPr>
@@ -43762,7 +43586,7 @@
       </p:grpSpPr>
       <p:sp>
         <p:nvSpPr>
-          <p:cNvPr id="986788916" name="PlaceHolder 1"/>
+          <p:cNvPr id="361983015" name="PlaceHolder 1"/>
           <p:cNvSpPr>
             <a:spLocks noGrp="1"/>
           </p:cNvSpPr>
@@ -43815,7 +43639,7 @@
       </p:sp>
       <p:sp>
         <p:nvSpPr>
-          <p:cNvPr id="629879273" name="PlaceHolder 2"/>
+          <p:cNvPr id="926453848" name="PlaceHolder 2"/>
           <p:cNvSpPr>
             <a:spLocks noGrp="1"/>
           </p:cNvSpPr>
@@ -43841,7 +43665,7 @@
       </p:sp>
       <p:sp>
         <p:nvSpPr>
-          <p:cNvPr id="950745644" name="TextBox 591244741"/>
+          <p:cNvPr id="905435771" name="TextBox 591244741"/>
           <p:cNvSpPr txBox="1"/>
           <p:nvPr/>
         </p:nvSpPr>
@@ -44366,7 +44190,7 @@
       </p:grpSpPr>
       <p:sp>
         <p:nvSpPr>
-          <p:cNvPr id="1760472941" name="PlaceHolder 1"/>
+          <p:cNvPr id="1376129215" name="PlaceHolder 1"/>
           <p:cNvSpPr>
             <a:spLocks noGrp="1"/>
           </p:cNvSpPr>
@@ -44419,7 +44243,7 @@
       </p:sp>
       <p:sp>
         <p:nvSpPr>
-          <p:cNvPr id="1509699563" name="PlaceHolder 2"/>
+          <p:cNvPr id="1753008260" name="PlaceHolder 2"/>
           <p:cNvSpPr>
             <a:spLocks noGrp="1"/>
           </p:cNvSpPr>
@@ -44445,7 +44269,7 @@
       </p:sp>
       <p:sp>
         <p:nvSpPr>
-          <p:cNvPr id="1858252039" name="TextBox 591244741"/>
+          <p:cNvPr id="1750266749" name="TextBox 591244741"/>
           <p:cNvSpPr txBox="1"/>
           <p:nvPr/>
         </p:nvSpPr>
